--- a/2. Registro das Partes Interessadas - Template.pptx
+++ b/2. Registro das Partes Interessadas - Template.pptx
@@ -174,6 +174,10 @@
     </p:ext>
   </p:extLst>
 </p:presentation>
+</file>
+
+<file path=ppt/revisionInfo.xml><?xml version="1.0" encoding="utf-8"?>
+<p1510:revInfo xmlns:a="http://schemas.openxmlformats.org/drawingml/2006/main" xmlns:r="http://schemas.openxmlformats.org/officeDocument/2006/relationships" xmlns:p1510="http://schemas.microsoft.com/office/powerpoint/2015/10/main"/>
 </file>
 
 <file path=ppt/diagrams/colors1.xml><?xml version="1.0" encoding="utf-8"?>
@@ -2671,9 +2675,18 @@
         <a:lstStyle/>
         <a:p>
           <a:r>
+            <a:rPr lang="en-US" dirty="0" err="1"/>
+            <a:t>Dono</a:t>
+          </a:r>
+          <a:r>
             <a:rPr lang="en-US" dirty="0"/>
-            <a:t>Notas:</a:t>
+            <a:t> do </a:t>
           </a:r>
+          <a:r>
+            <a:rPr lang="en-US" dirty="0" err="1"/>
+            <a:t>projeto</a:t>
+          </a:r>
+          <a:endParaRPr lang="en-US" dirty="0"/>
         </a:p>
       </dgm:t>
     </dgm:pt>
@@ -2707,8 +2720,44 @@
         <a:lstStyle/>
         <a:p>
           <a:r>
+            <a:rPr lang="en-US" dirty="0" err="1"/>
+            <a:t>Representante</a:t>
+          </a:r>
+          <a:r>
             <a:rPr lang="en-US" dirty="0"/>
-            <a:t>Notas:</a:t>
+            <a:t> </a:t>
+          </a:r>
+          <a:r>
+            <a:rPr lang="en-US" dirty="0" err="1"/>
+            <a:t>da</a:t>
+          </a:r>
+          <a:r>
+            <a:rPr lang="en-US" dirty="0"/>
+            <a:t> </a:t>
+          </a:r>
+          <a:r>
+            <a:rPr lang="en-US" dirty="0" err="1"/>
+            <a:t>empresa</a:t>
+          </a:r>
+          <a:r>
+            <a:rPr lang="en-US" dirty="0"/>
+            <a:t> e </a:t>
+          </a:r>
+          <a:r>
+            <a:rPr lang="en-US" dirty="0" err="1"/>
+            <a:t>auxiliar</a:t>
+          </a:r>
+          <a:r>
+            <a:rPr lang="en-US" dirty="0"/>
+            <a:t> no </a:t>
+          </a:r>
+          <a:r>
+            <a:rPr lang="en-US" dirty="0" err="1"/>
+            <a:t>projeto</a:t>
+          </a:r>
+          <a:r>
+            <a:rPr lang="en-US" dirty="0"/>
+            <a:t> </a:t>
           </a:r>
         </a:p>
       </dgm:t>
@@ -2743,9 +2792,26 @@
         <a:lstStyle/>
         <a:p>
           <a:r>
+            <a:rPr lang="en-US" dirty="0" err="1"/>
+            <a:t>Responsável</a:t>
+          </a:r>
+          <a:r>
             <a:rPr lang="en-US" dirty="0"/>
-            <a:t>Notas:</a:t>
+            <a:t> </a:t>
           </a:r>
+          <a:r>
+            <a:rPr lang="en-US" dirty="0" err="1"/>
+            <a:t>pelo</a:t>
+          </a:r>
+          <a:r>
+            <a:rPr lang="en-US" dirty="0"/>
+            <a:t> </a:t>
+          </a:r>
+          <a:r>
+            <a:rPr lang="en-US" dirty="0" err="1"/>
+            <a:t>projeto</a:t>
+          </a:r>
+          <a:endParaRPr lang="en-US" dirty="0"/>
         </a:p>
       </dgm:t>
     </dgm:pt>
@@ -3254,9 +3320,26 @@
         <a:lstStyle/>
         <a:p>
           <a:r>
+            <a:rPr lang="en-US" dirty="0" err="1"/>
+            <a:t>Resposável</a:t>
+          </a:r>
+          <a:r>
             <a:rPr lang="en-US" dirty="0"/>
-            <a:t>Notas:</a:t>
+            <a:t> pela </a:t>
           </a:r>
+          <a:r>
+            <a:rPr lang="en-US" dirty="0" err="1"/>
+            <a:t>arquitetura</a:t>
+          </a:r>
+          <a:r>
+            <a:rPr lang="en-US" dirty="0"/>
+            <a:t> do </a:t>
+          </a:r>
+          <a:r>
+            <a:rPr lang="en-US" dirty="0" err="1"/>
+            <a:t>sistema</a:t>
+          </a:r>
+          <a:endParaRPr lang="en-US" dirty="0"/>
         </a:p>
       </dgm:t>
     </dgm:pt>
@@ -3290,8 +3373,28 @@
         <a:lstStyle/>
         <a:p>
           <a:r>
+            <a:rPr lang="en-US" dirty="0" err="1"/>
+            <a:t>Resposável</a:t>
+          </a:r>
+          <a:r>
             <a:rPr lang="en-US" dirty="0"/>
-            <a:t>Notas:</a:t>
+            <a:t> </a:t>
+          </a:r>
+          <a:r>
+            <a:rPr lang="en-US" dirty="0" err="1"/>
+            <a:t>pelo</a:t>
+          </a:r>
+          <a:r>
+            <a:rPr lang="en-US" dirty="0"/>
+            <a:t> </a:t>
+          </a:r>
+          <a:r>
+            <a:rPr lang="en-US" dirty="0" err="1"/>
+            <a:t>desenvolvimento</a:t>
+          </a:r>
+          <a:r>
+            <a:rPr lang="en-US" dirty="0"/>
+            <a:t> do Sistema</a:t>
           </a:r>
         </a:p>
       </dgm:t>
@@ -3326,9 +3429,18 @@
         <a:lstStyle/>
         <a:p>
           <a:r>
+            <a:rPr lang="en-US" dirty="0" err="1"/>
+            <a:t>Usuários</a:t>
+          </a:r>
+          <a:r>
             <a:rPr lang="en-US" dirty="0"/>
-            <a:t>Notas:</a:t>
+            <a:t> do </a:t>
           </a:r>
+          <a:r>
+            <a:rPr lang="en-US" dirty="0" err="1"/>
+            <a:t>sistema</a:t>
+          </a:r>
+          <a:endParaRPr lang="en-US" dirty="0"/>
         </a:p>
       </dgm:t>
     </dgm:pt>
@@ -3362,8 +3474,12 @@
         <a:lstStyle/>
         <a:p>
           <a:r>
+            <a:rPr lang="en-US" dirty="0" err="1"/>
+            <a:t>Arquiteto</a:t>
+          </a:r>
+          <a:r>
             <a:rPr lang="en-US" dirty="0"/>
-            <a:t>Desenvolvedor.</a:t>
+            <a:t> de Software.</a:t>
           </a:r>
           <a:br>
             <a:rPr lang="en-US" dirty="0"/>
@@ -3375,10 +3491,24 @@
     <dgm:pt modelId="{0F39669D-26CF-4B43-8C6F-5D64B207982B}" type="parTrans" cxnId="{D5B8713A-7AB9-4B9D-94BC-9EB06B8CF608}">
       <dgm:prSet/>
       <dgm:spPr/>
+      <dgm:t>
+        <a:bodyPr/>
+        <a:lstStyle/>
+        <a:p>
+          <a:endParaRPr lang="pt-BR"/>
+        </a:p>
+      </dgm:t>
     </dgm:pt>
     <dgm:pt modelId="{18FD9C15-31FF-4653-AA19-F99872C005E9}" type="sibTrans" cxnId="{D5B8713A-7AB9-4B9D-94BC-9EB06B8CF608}">
       <dgm:prSet/>
       <dgm:spPr/>
+      <dgm:t>
+        <a:bodyPr/>
+        <a:lstStyle/>
+        <a:p>
+          <a:endParaRPr lang="pt-BR"/>
+        </a:p>
+      </dgm:t>
     </dgm:pt>
     <dgm:pt modelId="{C6030D44-1D58-425E-A9C6-5826B22A588C}">
       <dgm:prSet phldrT="[Text]"/>
@@ -3389,7 +3519,7 @@
         <a:p>
           <a:r>
             <a:rPr lang="en-US" sz="2600" dirty="0"/>
-            <a:t>Designer.</a:t>
+            <a:t>Desenvolvedor.</a:t>
           </a:r>
         </a:p>
       </dgm:t>
@@ -3397,10 +3527,24 @@
     <dgm:pt modelId="{D1CDDA60-69C8-45B0-A1E0-88127CAF2E60}" type="parTrans" cxnId="{81122AFC-C18F-4D00-B021-C69D246C3B29}">
       <dgm:prSet/>
       <dgm:spPr/>
+      <dgm:t>
+        <a:bodyPr/>
+        <a:lstStyle/>
+        <a:p>
+          <a:endParaRPr lang="pt-BR"/>
+        </a:p>
+      </dgm:t>
     </dgm:pt>
     <dgm:pt modelId="{35003531-3F0E-4C91-8130-66352D0F9892}" type="sibTrans" cxnId="{81122AFC-C18F-4D00-B021-C69D246C3B29}">
       <dgm:prSet/>
       <dgm:spPr/>
+      <dgm:t>
+        <a:bodyPr/>
+        <a:lstStyle/>
+        <a:p>
+          <a:endParaRPr lang="pt-BR"/>
+        </a:p>
+      </dgm:t>
     </dgm:pt>
     <dgm:pt modelId="{385CE971-C1B9-4F65-93A4-C6A76C7897CF}">
       <dgm:prSet phldrT="[Text]"/>
@@ -3419,10 +3563,24 @@
     <dgm:pt modelId="{28E93A91-CFCF-485A-B53C-E97F86AD2091}" type="parTrans" cxnId="{3E863CC5-F005-44F0-86EA-E462EE4A7346}">
       <dgm:prSet/>
       <dgm:spPr/>
+      <dgm:t>
+        <a:bodyPr/>
+        <a:lstStyle/>
+        <a:p>
+          <a:endParaRPr lang="pt-BR"/>
+        </a:p>
+      </dgm:t>
     </dgm:pt>
     <dgm:pt modelId="{1D34B5B9-751B-4772-AA14-6AA238CEB1FA}" type="sibTrans" cxnId="{3E863CC5-F005-44F0-86EA-E462EE4A7346}">
       <dgm:prSet/>
       <dgm:spPr/>
+      <dgm:t>
+        <a:bodyPr/>
+        <a:lstStyle/>
+        <a:p>
+          <a:endParaRPr lang="pt-BR"/>
+        </a:p>
+      </dgm:t>
     </dgm:pt>
     <dgm:pt modelId="{FF80DD60-F68F-431A-AFAE-23704FE1B108}">
       <dgm:prSet phldrT="[Text]"/>
@@ -3441,10 +3599,24 @@
     <dgm:pt modelId="{C681F97E-0B0A-4818-B0F7-591D3572DC7A}" type="parTrans" cxnId="{A05DCCAE-2FE9-49DC-AEA3-E6431711855A}">
       <dgm:prSet/>
       <dgm:spPr/>
+      <dgm:t>
+        <a:bodyPr/>
+        <a:lstStyle/>
+        <a:p>
+          <a:endParaRPr lang="pt-BR"/>
+        </a:p>
+      </dgm:t>
     </dgm:pt>
     <dgm:pt modelId="{97F2CE1F-B787-4712-B3FC-01BF37B1C2E4}" type="sibTrans" cxnId="{A05DCCAE-2FE9-49DC-AEA3-E6431711855A}">
       <dgm:prSet/>
       <dgm:spPr/>
+      <dgm:t>
+        <a:bodyPr/>
+        <a:lstStyle/>
+        <a:p>
+          <a:endParaRPr lang="pt-BR"/>
+        </a:p>
+      </dgm:t>
     </dgm:pt>
     <dgm:pt modelId="{4514D2E9-87FF-454C-A554-FD761A8568C7}" type="pres">
       <dgm:prSet presAssocID="{DF4857E7-5C40-4E4D-8F9E-0F40BE240B2F}" presName="theList" presStyleCnt="0">
@@ -3772,7 +3944,7 @@
           </a:r>
           <a:r>
             <a:rPr lang="en-US" dirty="0" err="1"/>
-            <a:t>atençao</a:t>
+            <a:t>atenção</a:t>
           </a:r>
           <a:endParaRPr lang="en-US" dirty="0"/>
         </a:p>
@@ -4252,9 +4424,18 @@
             <a:buNone/>
           </a:pPr>
           <a:r>
+            <a:rPr lang="en-US" sz="2100" kern="1200" dirty="0" err="1"/>
+            <a:t>Dono</a:t>
+          </a:r>
+          <a:r>
             <a:rPr lang="en-US" sz="2100" kern="1200" dirty="0"/>
-            <a:t>Notas:</a:t>
+            <a:t> do </a:t>
           </a:r>
+          <a:r>
+            <a:rPr lang="en-US" sz="2100" kern="1200" dirty="0" err="1"/>
+            <a:t>projeto</a:t>
+          </a:r>
+          <a:endParaRPr lang="en-US" sz="2100" kern="1200" dirty="0"/>
         </a:p>
       </dsp:txBody>
       <dsp:txXfrm>
@@ -4502,8 +4683,44 @@
             <a:buNone/>
           </a:pPr>
           <a:r>
+            <a:rPr lang="en-US" sz="2100" kern="1200" dirty="0" err="1"/>
+            <a:t>Representante</a:t>
+          </a:r>
+          <a:r>
             <a:rPr lang="en-US" sz="2100" kern="1200" dirty="0"/>
-            <a:t>Notas:</a:t>
+            <a:t> </a:t>
+          </a:r>
+          <a:r>
+            <a:rPr lang="en-US" sz="2100" kern="1200" dirty="0" err="1"/>
+            <a:t>da</a:t>
+          </a:r>
+          <a:r>
+            <a:rPr lang="en-US" sz="2100" kern="1200" dirty="0"/>
+            <a:t> </a:t>
+          </a:r>
+          <a:r>
+            <a:rPr lang="en-US" sz="2100" kern="1200" dirty="0" err="1"/>
+            <a:t>empresa</a:t>
+          </a:r>
+          <a:r>
+            <a:rPr lang="en-US" sz="2100" kern="1200" dirty="0"/>
+            <a:t> e </a:t>
+          </a:r>
+          <a:r>
+            <a:rPr lang="en-US" sz="2100" kern="1200" dirty="0" err="1"/>
+            <a:t>auxiliar</a:t>
+          </a:r>
+          <a:r>
+            <a:rPr lang="en-US" sz="2100" kern="1200" dirty="0"/>
+            <a:t> no </a:t>
+          </a:r>
+          <a:r>
+            <a:rPr lang="en-US" sz="2100" kern="1200" dirty="0" err="1"/>
+            <a:t>projeto</a:t>
+          </a:r>
+          <a:r>
+            <a:rPr lang="en-US" sz="2100" kern="1200" dirty="0"/>
+            <a:t> </a:t>
           </a:r>
         </a:p>
       </dsp:txBody>
@@ -4748,9 +4965,26 @@
             <a:buNone/>
           </a:pPr>
           <a:r>
+            <a:rPr lang="en-US" sz="2100" kern="1200" dirty="0" err="1"/>
+            <a:t>Responsável</a:t>
+          </a:r>
+          <a:r>
             <a:rPr lang="en-US" sz="2100" kern="1200" dirty="0"/>
-            <a:t>Notas:</a:t>
+            <a:t> </a:t>
           </a:r>
+          <a:r>
+            <a:rPr lang="en-US" sz="2100" kern="1200" dirty="0" err="1"/>
+            <a:t>pelo</a:t>
+          </a:r>
+          <a:r>
+            <a:rPr lang="en-US" sz="2100" kern="1200" dirty="0"/>
+            <a:t> </a:t>
+          </a:r>
+          <a:r>
+            <a:rPr lang="en-US" sz="2100" kern="1200" dirty="0" err="1"/>
+            <a:t>projeto</a:t>
+          </a:r>
+          <a:endParaRPr lang="en-US" sz="2100" kern="1200" dirty="0"/>
         </a:p>
       </dsp:txBody>
       <dsp:txXfrm>
@@ -4897,12 +5131,12 @@
         </a:fontRef>
       </dsp:style>
       <dsp:txBody>
-        <a:bodyPr spcFirstLastPara="0" vert="horz" wrap="square" lIns="66040" tIns="49530" rIns="66040" bIns="49530" numCol="1" spcCol="1270" anchor="t" anchorCtr="0">
+        <a:bodyPr spcFirstLastPara="0" vert="horz" wrap="square" lIns="55880" tIns="41910" rIns="55880" bIns="41910" numCol="1" spcCol="1270" anchor="t" anchorCtr="0">
           <a:noAutofit/>
         </a:bodyPr>
         <a:lstStyle/>
         <a:p>
-          <a:pPr marL="0" lvl="0" indent="0" algn="l" defTabSz="1155700">
+          <a:pPr marL="0" lvl="0" indent="0" algn="l" defTabSz="977900">
             <a:lnSpc>
               <a:spcPct val="90000"/>
             </a:lnSpc>
@@ -4915,12 +5149,12 @@
             <a:buNone/>
           </a:pPr>
           <a:r>
-            <a:rPr lang="en-US" sz="2600" kern="1200" dirty="0"/>
+            <a:rPr lang="en-US" sz="2200" kern="1200" dirty="0"/>
             <a:t>Descrição:</a:t>
           </a:r>
         </a:p>
         <a:p>
-          <a:pPr marL="228600" lvl="1" indent="-228600" algn="l" defTabSz="889000">
+          <a:pPr marL="171450" lvl="1" indent="-171450" algn="l" defTabSz="755650">
             <a:lnSpc>
               <a:spcPct val="90000"/>
             </a:lnSpc>
@@ -4933,13 +5167,17 @@
             <a:buChar char="•"/>
           </a:pPr>
           <a:r>
-            <a:rPr lang="en-US" sz="2000" kern="1200" dirty="0"/>
-            <a:t>Desenvolvedor.</a:t>
+            <a:rPr lang="en-US" sz="1700" kern="1200" dirty="0" err="1"/>
+            <a:t>Arquiteto</a:t>
+          </a:r>
+          <a:r>
+            <a:rPr lang="en-US" sz="1700" kern="1200" dirty="0"/>
+            <a:t> de Software.</a:t>
           </a:r>
           <a:br>
-            <a:rPr lang="en-US" sz="2000" kern="1200" dirty="0"/>
+            <a:rPr lang="en-US" sz="1700" kern="1200" dirty="0"/>
           </a:br>
-          <a:endParaRPr lang="en-US" sz="2000" kern="1200" dirty="0"/>
+          <a:endParaRPr lang="en-US" sz="1700" kern="1200" dirty="0"/>
         </a:p>
       </dsp:txBody>
       <dsp:txXfrm>
@@ -4998,12 +5236,12 @@
         </a:fontRef>
       </dsp:style>
       <dsp:txBody>
-        <a:bodyPr spcFirstLastPara="0" vert="horz" wrap="square" lIns="66040" tIns="49530" rIns="66040" bIns="49530" numCol="1" spcCol="1270" anchor="ctr" anchorCtr="0">
+        <a:bodyPr spcFirstLastPara="0" vert="horz" wrap="square" lIns="55880" tIns="41910" rIns="55880" bIns="41910" numCol="1" spcCol="1270" anchor="ctr" anchorCtr="0">
           <a:noAutofit/>
         </a:bodyPr>
         <a:lstStyle/>
         <a:p>
-          <a:pPr marL="0" lvl="0" indent="0" algn="ctr" defTabSz="1155700">
+          <a:pPr marL="0" lvl="0" indent="0" algn="ctr" defTabSz="977900">
             <a:lnSpc>
               <a:spcPct val="90000"/>
             </a:lnSpc>
@@ -5016,9 +5254,26 @@
             <a:buNone/>
           </a:pPr>
           <a:r>
-            <a:rPr lang="en-US" sz="2600" kern="1200" dirty="0"/>
-            <a:t>Notas:</a:t>
+            <a:rPr lang="en-US" sz="2200" kern="1200" dirty="0" err="1"/>
+            <a:t>Resposável</a:t>
           </a:r>
+          <a:r>
+            <a:rPr lang="en-US" sz="2200" kern="1200" dirty="0"/>
+            <a:t> pela </a:t>
+          </a:r>
+          <a:r>
+            <a:rPr lang="en-US" sz="2200" kern="1200" dirty="0" err="1"/>
+            <a:t>arquitetura</a:t>
+          </a:r>
+          <a:r>
+            <a:rPr lang="en-US" sz="2200" kern="1200" dirty="0"/>
+            <a:t> do </a:t>
+          </a:r>
+          <a:r>
+            <a:rPr lang="en-US" sz="2200" kern="1200" dirty="0" err="1"/>
+            <a:t>sistema</a:t>
+          </a:r>
+          <a:endParaRPr lang="en-US" sz="2200" kern="1200" dirty="0"/>
         </a:p>
       </dsp:txBody>
       <dsp:txXfrm>
@@ -5147,12 +5402,12 @@
         </a:fontRef>
       </dsp:style>
       <dsp:txBody>
-        <a:bodyPr spcFirstLastPara="0" vert="horz" wrap="square" lIns="66040" tIns="49530" rIns="66040" bIns="49530" numCol="1" spcCol="1270" anchor="t" anchorCtr="0">
+        <a:bodyPr spcFirstLastPara="0" vert="horz" wrap="square" lIns="55880" tIns="41910" rIns="55880" bIns="41910" numCol="1" spcCol="1270" anchor="t" anchorCtr="0">
           <a:noAutofit/>
         </a:bodyPr>
         <a:lstStyle/>
         <a:p>
-          <a:pPr marL="0" lvl="0" indent="0" algn="l" defTabSz="1155700">
+          <a:pPr marL="0" lvl="0" indent="0" algn="l" defTabSz="977900">
             <a:lnSpc>
               <a:spcPct val="90000"/>
             </a:lnSpc>
@@ -5165,12 +5420,12 @@
             <a:buNone/>
           </a:pPr>
           <a:r>
-            <a:rPr lang="en-US" sz="2600" kern="1200" dirty="0"/>
+            <a:rPr lang="en-US" sz="2200" kern="1200" dirty="0"/>
             <a:t>Descrição:</a:t>
           </a:r>
         </a:p>
         <a:p>
-          <a:pPr marL="228600" lvl="1" indent="-228600" algn="l" defTabSz="889000">
+          <a:pPr marL="171450" lvl="1" indent="-171450" algn="l" defTabSz="755650">
             <a:lnSpc>
               <a:spcPct val="90000"/>
             </a:lnSpc>
@@ -5183,8 +5438,8 @@
             <a:buChar char="•"/>
           </a:pPr>
           <a:r>
-            <a:rPr lang="en-US" sz="2000" kern="1200" dirty="0"/>
-            <a:t>Designer.</a:t>
+            <a:rPr lang="en-US" sz="1700" kern="1200" dirty="0"/>
+            <a:t>Desenvolvedor.</a:t>
           </a:r>
         </a:p>
       </dsp:txBody>
@@ -5244,12 +5499,12 @@
         </a:fontRef>
       </dsp:style>
       <dsp:txBody>
-        <a:bodyPr spcFirstLastPara="0" vert="horz" wrap="square" lIns="66040" tIns="49530" rIns="66040" bIns="49530" numCol="1" spcCol="1270" anchor="ctr" anchorCtr="0">
+        <a:bodyPr spcFirstLastPara="0" vert="horz" wrap="square" lIns="55880" tIns="41910" rIns="55880" bIns="41910" numCol="1" spcCol="1270" anchor="ctr" anchorCtr="0">
           <a:noAutofit/>
         </a:bodyPr>
         <a:lstStyle/>
         <a:p>
-          <a:pPr marL="0" lvl="0" indent="0" algn="ctr" defTabSz="1155700">
+          <a:pPr marL="0" lvl="0" indent="0" algn="ctr" defTabSz="977900">
             <a:lnSpc>
               <a:spcPct val="90000"/>
             </a:lnSpc>
@@ -5262,8 +5517,28 @@
             <a:buNone/>
           </a:pPr>
           <a:r>
-            <a:rPr lang="en-US" sz="2600" kern="1200" dirty="0"/>
-            <a:t>Notas:</a:t>
+            <a:rPr lang="en-US" sz="2200" kern="1200" dirty="0" err="1"/>
+            <a:t>Resposável</a:t>
+          </a:r>
+          <a:r>
+            <a:rPr lang="en-US" sz="2200" kern="1200" dirty="0"/>
+            <a:t> </a:t>
+          </a:r>
+          <a:r>
+            <a:rPr lang="en-US" sz="2200" kern="1200" dirty="0" err="1"/>
+            <a:t>pelo</a:t>
+          </a:r>
+          <a:r>
+            <a:rPr lang="en-US" sz="2200" kern="1200" dirty="0"/>
+            <a:t> </a:t>
+          </a:r>
+          <a:r>
+            <a:rPr lang="en-US" sz="2200" kern="1200" dirty="0" err="1"/>
+            <a:t>desenvolvimento</a:t>
+          </a:r>
+          <a:r>
+            <a:rPr lang="en-US" sz="2200" kern="1200" dirty="0"/>
+            <a:t> do Sistema</a:t>
           </a:r>
         </a:p>
       </dsp:txBody>
@@ -5393,12 +5668,12 @@
         </a:fontRef>
       </dsp:style>
       <dsp:txBody>
-        <a:bodyPr spcFirstLastPara="0" vert="horz" wrap="square" lIns="66040" tIns="49530" rIns="66040" bIns="49530" numCol="1" spcCol="1270" anchor="t" anchorCtr="0">
+        <a:bodyPr spcFirstLastPara="0" vert="horz" wrap="square" lIns="55880" tIns="41910" rIns="55880" bIns="41910" numCol="1" spcCol="1270" anchor="t" anchorCtr="0">
           <a:noAutofit/>
         </a:bodyPr>
         <a:lstStyle/>
         <a:p>
-          <a:pPr marL="0" lvl="0" indent="0" algn="l" defTabSz="1155700">
+          <a:pPr marL="0" lvl="0" indent="0" algn="l" defTabSz="977900">
             <a:lnSpc>
               <a:spcPct val="90000"/>
             </a:lnSpc>
@@ -5411,12 +5686,12 @@
             <a:buNone/>
           </a:pPr>
           <a:r>
-            <a:rPr lang="en-US" sz="2600" kern="1200" dirty="0"/>
+            <a:rPr lang="en-US" sz="2200" kern="1200" dirty="0"/>
             <a:t>Descrição:</a:t>
           </a:r>
         </a:p>
         <a:p>
-          <a:pPr marL="228600" lvl="1" indent="-228600" algn="l" defTabSz="889000">
+          <a:pPr marL="171450" lvl="1" indent="-171450" algn="l" defTabSz="755650">
             <a:lnSpc>
               <a:spcPct val="90000"/>
             </a:lnSpc>
@@ -5429,7 +5704,7 @@
             <a:buChar char="•"/>
           </a:pPr>
           <a:r>
-            <a:rPr lang="en-US" sz="2000" kern="1200" dirty="0"/>
+            <a:rPr lang="en-US" sz="1700" kern="1200" dirty="0"/>
             <a:t>Usuários.</a:t>
           </a:r>
         </a:p>
@@ -5490,12 +5765,12 @@
         </a:fontRef>
       </dsp:style>
       <dsp:txBody>
-        <a:bodyPr spcFirstLastPara="0" vert="horz" wrap="square" lIns="66040" tIns="49530" rIns="66040" bIns="49530" numCol="1" spcCol="1270" anchor="ctr" anchorCtr="0">
+        <a:bodyPr spcFirstLastPara="0" vert="horz" wrap="square" lIns="55880" tIns="41910" rIns="55880" bIns="41910" numCol="1" spcCol="1270" anchor="ctr" anchorCtr="0">
           <a:noAutofit/>
         </a:bodyPr>
         <a:lstStyle/>
         <a:p>
-          <a:pPr marL="0" lvl="0" indent="0" algn="ctr" defTabSz="1155700">
+          <a:pPr marL="0" lvl="0" indent="0" algn="ctr" defTabSz="977900">
             <a:lnSpc>
               <a:spcPct val="90000"/>
             </a:lnSpc>
@@ -5508,9 +5783,18 @@
             <a:buNone/>
           </a:pPr>
           <a:r>
-            <a:rPr lang="en-US" sz="2600" kern="1200" dirty="0"/>
-            <a:t>Notas:</a:t>
+            <a:rPr lang="en-US" sz="2200" kern="1200" dirty="0" err="1"/>
+            <a:t>Usuários</a:t>
           </a:r>
+          <a:r>
+            <a:rPr lang="en-US" sz="2200" kern="1200" dirty="0"/>
+            <a:t> do </a:t>
+          </a:r>
+          <a:r>
+            <a:rPr lang="en-US" sz="2200" kern="1200" dirty="0" err="1"/>
+            <a:t>sistema</a:t>
+          </a:r>
+          <a:endParaRPr lang="en-US" sz="2200" kern="1200" dirty="0"/>
         </a:p>
       </dsp:txBody>
       <dsp:txXfrm>
@@ -5692,7 +5976,7 @@
           </a:r>
           <a:r>
             <a:rPr lang="en-US" sz="3000" kern="1200" dirty="0" err="1"/>
-            <a:t>atençao</a:t>
+            <a:t>atenção</a:t>
           </a:r>
           <a:endParaRPr lang="en-US" sz="3000" kern="1200" dirty="0"/>
         </a:p>
@@ -9998,7 +10282,7 @@
               <a:pPr>
                 <a:defRPr/>
               </a:pPr>
-              <a:t>6/10/2017</a:t>
+              <a:t>6/21/2017</a:t>
             </a:fld>
             <a:endParaRPr/>
           </a:p>
@@ -10089,7 +10373,7 @@
               <a:pPr>
                 <a:defRPr/>
               </a:pPr>
-              <a:t>0</a:t>
+              <a:t>‹nº›</a:t>
             </a:fld>
             <a:endParaRPr/>
           </a:p>
@@ -10211,7 +10495,7 @@
               <a:pPr>
                 <a:defRPr/>
               </a:pPr>
-              <a:t>6/10/2017</a:t>
+              <a:t>6/21/2017</a:t>
             </a:fld>
             <a:endParaRPr/>
           </a:p>
@@ -10395,7 +10679,7 @@
               <a:pPr>
                 <a:defRPr/>
               </a:pPr>
-              <a:t>‹#›</a:t>
+              <a:t>‹nº›</a:t>
             </a:fld>
             <a:endParaRPr/>
           </a:p>
@@ -10600,7 +10884,7 @@
               <a:pPr>
                 <a:defRPr/>
               </a:pPr>
-              <a:t>‹#›</a:t>
+              <a:t>3</a:t>
             </a:fld>
             <a:endParaRPr lang="en-US"/>
           </a:p>
@@ -10690,7 +10974,7 @@
               <a:pPr>
                 <a:defRPr/>
               </a:pPr>
-              <a:t>‹#›</a:t>
+              <a:t>4</a:t>
             </a:fld>
             <a:endParaRPr lang="en-US"/>
           </a:p>
@@ -10735,7 +11019,7 @@
           <p:nvPr/>
         </p:nvPicPr>
         <p:blipFill>
-          <a:blip r:embed="rId2">
+          <a:blip r:embed="rId2" cstate="print">
             <a:extLst>
               <a:ext uri="{28A0092B-C50C-407E-A947-70E740481C1C}">
                 <a14:useLocalDpi xmlns:a14="http://schemas.microsoft.com/office/drawing/2010/main" val="0"/>
@@ -11350,7 +11634,7 @@
               <a:pPr>
                 <a:defRPr/>
               </a:pPr>
-              <a:t>6/10/2017</a:t>
+              <a:t>6/21/2017</a:t>
             </a:fld>
             <a:endParaRPr/>
           </a:p>
@@ -11387,7 +11671,7 @@
               <a:pPr>
                 <a:defRPr/>
               </a:pPr>
-              <a:t>‹#›</a:t>
+              <a:t>‹nº›</a:t>
             </a:fld>
             <a:endParaRPr/>
           </a:p>
@@ -11726,7 +12010,7 @@
               <a:pPr>
                 <a:defRPr/>
               </a:pPr>
-              <a:t>6/10/2017</a:t>
+              <a:t>6/21/2017</a:t>
             </a:fld>
             <a:endParaRPr/>
           </a:p>
@@ -11759,7 +12043,7 @@
               <a:pPr>
                 <a:defRPr/>
               </a:pPr>
-              <a:t>‹#›</a:t>
+              <a:t>‹nº›</a:t>
             </a:fld>
             <a:endParaRPr/>
           </a:p>
@@ -11926,7 +12210,7 @@
               <a:pPr>
                 <a:defRPr/>
               </a:pPr>
-              <a:t>6/10/2017</a:t>
+              <a:t>6/21/2017</a:t>
             </a:fld>
             <a:endParaRPr/>
           </a:p>
@@ -11959,7 +12243,7 @@
               <a:pPr>
                 <a:defRPr/>
               </a:pPr>
-              <a:t>‹#›</a:t>
+              <a:t>‹nº›</a:t>
             </a:fld>
             <a:endParaRPr/>
           </a:p>
@@ -12136,7 +12420,7 @@
               <a:pPr>
                 <a:defRPr/>
               </a:pPr>
-              <a:t>6/10/2017</a:t>
+              <a:t>6/21/2017</a:t>
             </a:fld>
             <a:endParaRPr/>
           </a:p>
@@ -12169,7 +12453,7 @@
               <a:pPr>
                 <a:defRPr/>
               </a:pPr>
-              <a:t>‹#›</a:t>
+              <a:t>‹nº›</a:t>
             </a:fld>
             <a:endParaRPr/>
           </a:p>
@@ -12340,7 +12624,7 @@
               <a:pPr>
                 <a:defRPr/>
               </a:pPr>
-              <a:t>6/10/2017</a:t>
+              <a:t>6/21/2017</a:t>
             </a:fld>
             <a:endParaRPr dirty="0"/>
           </a:p>
@@ -12373,7 +12657,7 @@
               <a:pPr>
                 <a:defRPr/>
               </a:pPr>
-              <a:t>‹#›</a:t>
+              <a:t>‹nº›</a:t>
             </a:fld>
             <a:endParaRPr dirty="0"/>
           </a:p>
@@ -12732,7 +13016,7 @@
               <a:pPr>
                 <a:defRPr/>
               </a:pPr>
-              <a:t>6/10/2017</a:t>
+              <a:t>6/21/2017</a:t>
             </a:fld>
             <a:endParaRPr/>
           </a:p>
@@ -12765,7 +13049,7 @@
               <a:pPr>
                 <a:defRPr/>
               </a:pPr>
-              <a:t>‹#›</a:t>
+              <a:t>‹nº›</a:t>
             </a:fld>
             <a:endParaRPr/>
           </a:p>
@@ -12793,7 +13077,7 @@
     <p:bg>
       <p:bgPr>
         <a:blipFill dpi="0" rotWithShape="0">
-          <a:blip r:embed="rId3"/>
+          <a:blip r:embed="rId3" cstate="print"/>
           <a:srcRect/>
           <a:stretch>
             <a:fillRect/>
@@ -13037,7 +13321,7 @@
               <a:pPr>
                 <a:defRPr/>
               </a:pPr>
-              <a:t>6/10/2017</a:t>
+              <a:t>6/21/2017</a:t>
             </a:fld>
             <a:endParaRPr/>
           </a:p>
@@ -13074,7 +13358,7 @@
               <a:pPr>
                 <a:defRPr/>
               </a:pPr>
-              <a:t>‹#›</a:t>
+              <a:t>‹nº›</a:t>
             </a:fld>
             <a:endParaRPr/>
           </a:p>
@@ -13363,7 +13647,7 @@
               <a:pPr>
                 <a:defRPr/>
               </a:pPr>
-              <a:t>6/10/2017</a:t>
+              <a:t>6/21/2017</a:t>
             </a:fld>
             <a:endParaRPr/>
           </a:p>
@@ -13396,7 +13680,7 @@
               <a:pPr>
                 <a:defRPr/>
               </a:pPr>
-              <a:t>‹#›</a:t>
+              <a:t>‹nº›</a:t>
             </a:fld>
             <a:endParaRPr/>
           </a:p>
@@ -13830,7 +14114,7 @@
               <a:pPr>
                 <a:defRPr/>
               </a:pPr>
-              <a:t>6/10/2017</a:t>
+              <a:t>6/21/2017</a:t>
             </a:fld>
             <a:endParaRPr/>
           </a:p>
@@ -13863,7 +14147,7 @@
               <a:pPr>
                 <a:defRPr/>
               </a:pPr>
-              <a:t>‹#›</a:t>
+              <a:t>‹nº›</a:t>
             </a:fld>
             <a:endParaRPr/>
           </a:p>
@@ -13978,7 +14262,7 @@
               <a:pPr>
                 <a:defRPr/>
               </a:pPr>
-              <a:t>6/10/2017</a:t>
+              <a:t>6/21/2017</a:t>
             </a:fld>
             <a:endParaRPr/>
           </a:p>
@@ -14011,7 +14295,7 @@
               <a:pPr>
                 <a:defRPr/>
               </a:pPr>
-              <a:t>‹#›</a:t>
+              <a:t>‹nº›</a:t>
             </a:fld>
             <a:endParaRPr/>
           </a:p>
@@ -14111,7 +14395,7 @@
               <a:pPr>
                 <a:defRPr/>
               </a:pPr>
-              <a:t>6/10/2017</a:t>
+              <a:t>6/21/2017</a:t>
             </a:fld>
             <a:endParaRPr/>
           </a:p>
@@ -14148,7 +14432,7 @@
               <a:pPr>
                 <a:defRPr/>
               </a:pPr>
-              <a:t>‹#›</a:t>
+              <a:t>‹nº›</a:t>
             </a:fld>
             <a:endParaRPr/>
           </a:p>
@@ -14431,7 +14715,7 @@
               <a:pPr>
                 <a:defRPr/>
               </a:pPr>
-              <a:t>6/10/2017</a:t>
+              <a:t>6/21/2017</a:t>
             </a:fld>
             <a:endParaRPr/>
           </a:p>
@@ -14464,7 +14748,7 @@
               <a:pPr>
                 <a:defRPr/>
               </a:pPr>
-              <a:t>‹#›</a:t>
+              <a:t>‹nº›</a:t>
             </a:fld>
             <a:endParaRPr/>
           </a:p>
@@ -14868,7 +15152,7 @@
               <a:pPr>
                 <a:defRPr/>
               </a:pPr>
-              <a:t>6/10/2017</a:t>
+              <a:t>6/21/2017</a:t>
             </a:fld>
             <a:endParaRPr lang="en-US" dirty="0"/>
           </a:p>
@@ -14920,7 +15204,7 @@
               <a:pPr>
                 <a:defRPr/>
               </a:pPr>
-              <a:t>‹#›</a:t>
+              <a:t>‹nº›</a:t>
             </a:fld>
             <a:endParaRPr lang="en-US" dirty="0"/>
           </a:p>
@@ -15487,8 +15771,8 @@
               </a:spcBef>
             </a:pPr>
             <a:r>
-              <a:rPr lang="en-US" altLang="en-US"/>
-              <a:t>Presenter Name | Company Name</a:t>
+              <a:rPr lang="en-US" altLang="en-US" dirty="0"/>
+              <a:t>Bruno Oliveira | IT Solutions</a:t>
             </a:r>
           </a:p>
         </p:txBody>
@@ -15630,7 +15914,7 @@
             <p:ph idx="1"/>
             <p:extLst>
               <p:ext uri="{D42A27DB-BD31-4B8C-83A1-F6EECF244321}">
-                <p14:modId xmlns:p14="http://schemas.microsoft.com/office/powerpoint/2010/main" val="3037074432"/>
+                <p14:modId xmlns:p14="http://schemas.microsoft.com/office/powerpoint/2010/main" val="4058225346"/>
               </p:ext>
             </p:extLst>
           </p:nvPr>
@@ -15709,6 +15993,11 @@
           </p:cNvGraphicFramePr>
           <p:nvPr>
             <p:ph idx="1"/>
+            <p:extLst>
+              <p:ext uri="{D42A27DB-BD31-4B8C-83A1-F6EECF244321}">
+                <p14:modId xmlns:p14="http://schemas.microsoft.com/office/powerpoint/2010/main" val="1697522402"/>
+              </p:ext>
+            </p:extLst>
           </p:nvPr>
         </p:nvGraphicFramePr>
         <p:xfrm>
@@ -17420,7 +17709,7 @@
         </p:nvGraphicFramePr>
         <p:xfrm>
           <a:off x="1341438" y="1901825"/>
-          <a:ext cx="9509125" cy="1752600"/>
+          <a:ext cx="9509124" cy="3672840"/>
         </p:xfrm>
         <a:graphic>
           <a:graphicData uri="http://schemas.openxmlformats.org/drawingml/2006/table">
@@ -17591,11 +17880,11 @@
                     <a:p>
                       <a:r>
                         <a:rPr lang="en-US" dirty="0"/>
-                        <a:t>Pessoa</a:t>
+                        <a:t>Robson </a:t>
                       </a:r>
                       <a:r>
-                        <a:rPr lang="en-US" baseline="0" dirty="0"/>
-                        <a:t> 1</a:t>
+                        <a:rPr lang="en-US" dirty="0" err="1"/>
+                        <a:t>Gonçalvez</a:t>
                       </a:r>
                       <a:endParaRPr lang="en-US" dirty="0"/>
                     </a:p>
@@ -17633,7 +17922,10 @@
                     <a:lstStyle/>
                     <a:p>
                       <a:pPr algn="ctr"/>
-                      <a:endParaRPr lang="en-US"/>
+                      <a:r>
+                        <a:rPr lang="en-US" dirty="0"/>
+                        <a:t>D</a:t>
+                      </a:r>
                     </a:p>
                   </a:txBody>
                   <a:tcPr/>
@@ -17644,10 +17936,7 @@
                     <a:lstStyle/>
                     <a:p>
                       <a:pPr algn="ctr"/>
-                      <a:r>
-                        <a:rPr lang="en-US" dirty="0"/>
-                        <a:t>D</a:t>
-                      </a:r>
+                      <a:endParaRPr lang="en-US" dirty="0"/>
                     </a:p>
                   </a:txBody>
                   <a:tcPr/>
@@ -17676,9 +17965,18 @@
                     <a:lstStyle/>
                     <a:p>
                       <a:r>
-                        <a:rPr lang="en-US" dirty="0"/>
-                        <a:t>Pessoa 2</a:t>
+                        <a:rPr lang="en-US" dirty="0" err="1"/>
+                        <a:t>Fábio</a:t>
                       </a:r>
+                      <a:r>
+                        <a:rPr lang="en-US" baseline="0" dirty="0"/>
+                        <a:t> </a:t>
+                      </a:r>
+                      <a:r>
+                        <a:rPr lang="en-US" baseline="0" dirty="0" err="1"/>
+                        <a:t>Monteiro</a:t>
+                      </a:r>
+                      <a:endParaRPr lang="en-US" dirty="0"/>
                     </a:p>
                   </a:txBody>
                   <a:tcPr/>
@@ -17758,7 +18056,7 @@
                     <a:p>
                       <a:r>
                         <a:rPr lang="en-US" dirty="0"/>
-                        <a:t>Pessoa 3</a:t>
+                        <a:t>Bruno Oliveira</a:t>
                       </a:r>
                     </a:p>
                   </a:txBody>
@@ -17817,6 +18115,87 @@
                     <a:lstStyle/>
                     <a:p>
                       <a:pPr algn="ctr"/>
+                      <a:r>
+                        <a:rPr lang="en-US" dirty="0"/>
+                        <a:t>C</a:t>
+                      </a:r>
+                    </a:p>
+                  </a:txBody>
+                  <a:tcPr/>
+                </a:tc>
+                <a:extLst>
+                  <a:ext uri="{0D108BD9-81ED-4DB2-BD59-A6C34878D82A}">
+                    <a16:rowId xmlns:a16="http://schemas.microsoft.com/office/drawing/2014/main" val="10003"/>
+                  </a:ext>
+                </a:extLst>
+              </a:tr>
+              <a:tr h="370840">
+                <a:tc>
+                  <a:txBody>
+                    <a:bodyPr/>
+                    <a:lstStyle/>
+                    <a:p>
+                      <a:r>
+                        <a:rPr lang="en-US" dirty="0"/>
+                        <a:t>Ian Pablo</a:t>
+                      </a:r>
+                    </a:p>
+                  </a:txBody>
+                  <a:tcPr/>
+                </a:tc>
+                <a:tc>
+                  <a:txBody>
+                    <a:bodyPr/>
+                    <a:lstStyle/>
+                    <a:p>
+                      <a:pPr algn="ctr"/>
+                      <a:endParaRPr lang="en-US" dirty="0"/>
+                    </a:p>
+                  </a:txBody>
+                  <a:tcPr/>
+                </a:tc>
+                <a:tc>
+                  <a:txBody>
+                    <a:bodyPr/>
+                    <a:lstStyle/>
+                    <a:p>
+                      <a:pPr algn="ctr"/>
+                      <a:endParaRPr lang="en-US" dirty="0"/>
+                    </a:p>
+                  </a:txBody>
+                  <a:tcPr/>
+                </a:tc>
+                <a:tc>
+                  <a:txBody>
+                    <a:bodyPr/>
+                    <a:lstStyle/>
+                    <a:p>
+                      <a:pPr algn="ctr"/>
+                      <a:endParaRPr lang="en-US" dirty="0"/>
+                    </a:p>
+                  </a:txBody>
+                  <a:tcPr/>
+                </a:tc>
+                <a:tc>
+                  <a:txBody>
+                    <a:bodyPr/>
+                    <a:lstStyle/>
+                    <a:p>
+                      <a:pPr algn="ctr"/>
+                      <a:r>
+                        <a:rPr lang="en-US" dirty="0"/>
+                        <a:t>DC</a:t>
+                      </a:r>
+                    </a:p>
+                  </a:txBody>
+                  <a:tcPr/>
+                </a:tc>
+                <a:tc>
+                  <a:txBody>
+                    <a:bodyPr/>
+                    <a:lstStyle/>
+                    <a:p>
+                      <a:pPr algn="ctr"/>
                       <a:endParaRPr lang="en-US" dirty="0"/>
                     </a:p>
                   </a:txBody>
@@ -17824,7 +18203,167 @@
                 </a:tc>
                 <a:extLst>
                   <a:ext uri="{0D108BD9-81ED-4DB2-BD59-A6C34878D82A}">
-                    <a16:rowId xmlns:a16="http://schemas.microsoft.com/office/drawing/2014/main" val="10003"/>
+                    <a16:rowId xmlns:a16="http://schemas.microsoft.com/office/drawing/2014/main" val="10004"/>
+                  </a:ext>
+                </a:extLst>
+              </a:tr>
+              <a:tr h="370840">
+                <a:tc>
+                  <a:txBody>
+                    <a:bodyPr/>
+                    <a:lstStyle/>
+                    <a:p>
+                      <a:r>
+                        <a:rPr lang="en-US" dirty="0"/>
+                        <a:t>Gabriel Augusto</a:t>
+                      </a:r>
+                    </a:p>
+                  </a:txBody>
+                  <a:tcPr/>
+                </a:tc>
+                <a:tc>
+                  <a:txBody>
+                    <a:bodyPr/>
+                    <a:lstStyle/>
+                    <a:p>
+                      <a:pPr algn="ctr"/>
+                      <a:endParaRPr lang="en-US" dirty="0"/>
+                    </a:p>
+                  </a:txBody>
+                  <a:tcPr/>
+                </a:tc>
+                <a:tc>
+                  <a:txBody>
+                    <a:bodyPr/>
+                    <a:lstStyle/>
+                    <a:p>
+                      <a:pPr algn="ctr"/>
+                      <a:endParaRPr lang="en-US" dirty="0"/>
+                    </a:p>
+                  </a:txBody>
+                  <a:tcPr/>
+                </a:tc>
+                <a:tc>
+                  <a:txBody>
+                    <a:bodyPr/>
+                    <a:lstStyle/>
+                    <a:p>
+                      <a:pPr algn="ctr"/>
+                      <a:endParaRPr lang="en-US" dirty="0"/>
+                    </a:p>
+                  </a:txBody>
+                  <a:tcPr/>
+                </a:tc>
+                <a:tc>
+                  <a:txBody>
+                    <a:bodyPr/>
+                    <a:lstStyle/>
+                    <a:p>
+                      <a:pPr algn="ctr"/>
+                      <a:r>
+                        <a:rPr lang="en-US" dirty="0"/>
+                        <a:t>DC</a:t>
+                      </a:r>
+                    </a:p>
+                  </a:txBody>
+                  <a:tcPr/>
+                </a:tc>
+                <a:tc>
+                  <a:txBody>
+                    <a:bodyPr/>
+                    <a:lstStyle/>
+                    <a:p>
+                      <a:pPr algn="ctr"/>
+                      <a:endParaRPr lang="en-US" dirty="0"/>
+                    </a:p>
+                  </a:txBody>
+                  <a:tcPr/>
+                </a:tc>
+                <a:extLst>
+                  <a:ext uri="{0D108BD9-81ED-4DB2-BD59-A6C34878D82A}">
+                    <a16:rowId xmlns:a16="http://schemas.microsoft.com/office/drawing/2014/main" val="10005"/>
+                  </a:ext>
+                </a:extLst>
+              </a:tr>
+              <a:tr h="370840">
+                <a:tc>
+                  <a:txBody>
+                    <a:bodyPr/>
+                    <a:lstStyle/>
+                    <a:p>
+                      <a:r>
+                        <a:rPr lang="en-US" dirty="0" err="1"/>
+                        <a:t>Funcionários</a:t>
+                      </a:r>
+                      <a:endParaRPr lang="en-US" dirty="0"/>
+                    </a:p>
+                  </a:txBody>
+                  <a:tcPr/>
+                </a:tc>
+                <a:tc>
+                  <a:txBody>
+                    <a:bodyPr/>
+                    <a:lstStyle/>
+                    <a:p>
+                      <a:pPr algn="ctr"/>
+                      <a:endParaRPr lang="en-US" dirty="0"/>
+                    </a:p>
+                  </a:txBody>
+                  <a:tcPr/>
+                </a:tc>
+                <a:tc>
+                  <a:txBody>
+                    <a:bodyPr/>
+                    <a:lstStyle/>
+                    <a:p>
+                      <a:pPr algn="ctr"/>
+                      <a:endParaRPr lang="en-US" dirty="0"/>
+                    </a:p>
+                  </a:txBody>
+                  <a:tcPr/>
+                </a:tc>
+                <a:tc>
+                  <a:txBody>
+                    <a:bodyPr/>
+                    <a:lstStyle/>
+                    <a:p>
+                      <a:pPr algn="ctr"/>
+                      <a:r>
+                        <a:rPr lang="en-US" dirty="0"/>
+                        <a:t>C</a:t>
+                      </a:r>
+                    </a:p>
+                  </a:txBody>
+                  <a:tcPr/>
+                </a:tc>
+                <a:tc>
+                  <a:txBody>
+                    <a:bodyPr/>
+                    <a:lstStyle/>
+                    <a:p>
+                      <a:pPr algn="ctr"/>
+                      <a:r>
+                        <a:rPr lang="en-US" dirty="0"/>
+                        <a:t>D</a:t>
+                      </a:r>
+                    </a:p>
+                  </a:txBody>
+                  <a:tcPr/>
+                </a:tc>
+                <a:tc>
+                  <a:txBody>
+                    <a:bodyPr/>
+                    <a:lstStyle/>
+                    <a:p>
+                      <a:pPr algn="ctr"/>
+                      <a:endParaRPr lang="en-US" dirty="0"/>
+                    </a:p>
+                  </a:txBody>
+                  <a:tcPr/>
+                </a:tc>
+                <a:extLst>
+                  <a:ext uri="{0D108BD9-81ED-4DB2-BD59-A6C34878D82A}">
+                    <a16:rowId xmlns:a16="http://schemas.microsoft.com/office/drawing/2014/main" val="10006"/>
                   </a:ext>
                 </a:extLst>
               </a:tr>

--- a/2. Registro das Partes Interessadas - Template.pptx
+++ b/2. Registro das Partes Interessadas - Template.pptx
@@ -146,7 +146,7 @@
   </p:defaultTextStyle>
   <p:extLst>
     <p:ext uri="{EFAFB233-063F-42B5-8137-9DF3F51BA10A}">
-      <p15:sldGuideLst xmlns:p15="http://schemas.microsoft.com/office/powerpoint/2012/main">
+      <p15:sldGuideLst xmlns:p15="http://schemas.microsoft.com/office/powerpoint/2012/main" xmlns="">
         <p15:guide id="1" pos="3840">
           <p15:clr>
             <a:srgbClr val="A4A3A4"/>
@@ -170,14 +170,10 @@
       </p15:sldGuideLst>
     </p:ext>
     <p:ext uri="{2D200454-40CA-4A62-9FC3-DE9A4176ACB9}">
-      <p15:notesGuideLst xmlns:p15="http://schemas.microsoft.com/office/powerpoint/2012/main"/>
+      <p15:notesGuideLst xmlns:p15="http://schemas.microsoft.com/office/powerpoint/2012/main" xmlns=""/>
     </p:ext>
   </p:extLst>
 </p:presentation>
-</file>
-
-<file path=ppt/revisionInfo.xml><?xml version="1.0" encoding="utf-8"?>
-<p1510:revInfo xmlns:a="http://schemas.openxmlformats.org/drawingml/2006/main" xmlns:r="http://schemas.openxmlformats.org/officeDocument/2006/relationships" xmlns:p1510="http://schemas.microsoft.com/office/powerpoint/2015/10/main"/>
 </file>
 
 <file path=ppt/diagrams/colors1.xml><?xml version="1.0" encoding="utf-8"?>
@@ -2675,15 +2671,15 @@
         <a:lstStyle/>
         <a:p>
           <a:r>
-            <a:rPr lang="en-US" dirty="0" err="1"/>
+            <a:rPr lang="en-US" dirty="0" err="1" smtClean="0"/>
             <a:t>Dono</a:t>
           </a:r>
           <a:r>
-            <a:rPr lang="en-US" dirty="0"/>
+            <a:rPr lang="en-US" dirty="0" smtClean="0"/>
             <a:t> do </a:t>
           </a:r>
           <a:r>
-            <a:rPr lang="en-US" dirty="0" err="1"/>
+            <a:rPr lang="en-US" dirty="0" err="1" smtClean="0"/>
             <a:t>projeto</a:t>
           </a:r>
           <a:endParaRPr lang="en-US" dirty="0"/>
@@ -2720,45 +2716,46 @@
         <a:lstStyle/>
         <a:p>
           <a:r>
-            <a:rPr lang="en-US" dirty="0" err="1"/>
+            <a:rPr lang="en-US" dirty="0" err="1" smtClean="0"/>
             <a:t>Representante</a:t>
           </a:r>
           <a:r>
-            <a:rPr lang="en-US" dirty="0"/>
+            <a:rPr lang="en-US" dirty="0" smtClean="0"/>
             <a:t> </a:t>
           </a:r>
           <a:r>
-            <a:rPr lang="en-US" dirty="0" err="1"/>
+            <a:rPr lang="en-US" dirty="0" err="1" smtClean="0"/>
             <a:t>da</a:t>
           </a:r>
           <a:r>
-            <a:rPr lang="en-US" dirty="0"/>
+            <a:rPr lang="en-US" dirty="0" smtClean="0"/>
             <a:t> </a:t>
           </a:r>
           <a:r>
-            <a:rPr lang="en-US" dirty="0" err="1"/>
+            <a:rPr lang="en-US" dirty="0" err="1" smtClean="0"/>
             <a:t>empresa</a:t>
           </a:r>
           <a:r>
-            <a:rPr lang="en-US" dirty="0"/>
+            <a:rPr lang="en-US" dirty="0" smtClean="0"/>
             <a:t> e </a:t>
           </a:r>
           <a:r>
-            <a:rPr lang="en-US" dirty="0" err="1"/>
+            <a:rPr lang="en-US" dirty="0" err="1" smtClean="0"/>
             <a:t>auxiliar</a:t>
           </a:r>
           <a:r>
-            <a:rPr lang="en-US" dirty="0"/>
+            <a:rPr lang="en-US" dirty="0" smtClean="0"/>
             <a:t> no </a:t>
           </a:r>
           <a:r>
-            <a:rPr lang="en-US" dirty="0" err="1"/>
+            <a:rPr lang="en-US" dirty="0" err="1" smtClean="0"/>
             <a:t>projeto</a:t>
           </a:r>
           <a:r>
-            <a:rPr lang="en-US" dirty="0"/>
+            <a:rPr lang="en-US" dirty="0" smtClean="0"/>
             <a:t> </a:t>
           </a:r>
+          <a:endParaRPr lang="en-US" dirty="0"/>
         </a:p>
       </dgm:t>
     </dgm:pt>
@@ -2792,23 +2789,23 @@
         <a:lstStyle/>
         <a:p>
           <a:r>
-            <a:rPr lang="en-US" dirty="0" err="1"/>
+            <a:rPr lang="en-US" dirty="0" err="1" smtClean="0"/>
             <a:t>Responsável</a:t>
           </a:r>
           <a:r>
-            <a:rPr lang="en-US" dirty="0"/>
+            <a:rPr lang="en-US" dirty="0" smtClean="0"/>
             <a:t> </a:t>
           </a:r>
           <a:r>
-            <a:rPr lang="en-US" dirty="0" err="1"/>
+            <a:rPr lang="en-US" dirty="0" err="1" smtClean="0"/>
             <a:t>pelo</a:t>
           </a:r>
           <a:r>
-            <a:rPr lang="en-US" dirty="0"/>
+            <a:rPr lang="en-US" dirty="0" smtClean="0"/>
             <a:t> </a:t>
           </a:r>
           <a:r>
-            <a:rPr lang="en-US" dirty="0" err="1"/>
+            <a:rPr lang="en-US" dirty="0" err="1" smtClean="0"/>
             <a:t>projeto</a:t>
           </a:r>
           <a:endParaRPr lang="en-US" dirty="0"/>
@@ -2916,6 +2913,13 @@
         </dgm:presLayoutVars>
       </dgm:prSet>
       <dgm:spPr/>
+      <dgm:t>
+        <a:bodyPr/>
+        <a:lstStyle/>
+        <a:p>
+          <a:endParaRPr lang="pt-BR"/>
+        </a:p>
+      </dgm:t>
     </dgm:pt>
     <dgm:pt modelId="{D7F4306A-6D29-4C14-BF5D-EE8CBCC47C9B}" type="pres">
       <dgm:prSet presAssocID="{0F9F144E-5A69-4079-9CFE-833FB141B5B7}" presName="compNode" presStyleCnt="0"/>
@@ -2924,10 +2928,24 @@
     <dgm:pt modelId="{9046789A-6150-4534-817A-88A1F11F0BDA}" type="pres">
       <dgm:prSet presAssocID="{0F9F144E-5A69-4079-9CFE-833FB141B5B7}" presName="aNode" presStyleLbl="bgShp" presStyleIdx="0" presStyleCnt="3"/>
       <dgm:spPr/>
+      <dgm:t>
+        <a:bodyPr/>
+        <a:lstStyle/>
+        <a:p>
+          <a:endParaRPr lang="pt-BR"/>
+        </a:p>
+      </dgm:t>
     </dgm:pt>
     <dgm:pt modelId="{F032D9DC-6E96-4533-82F7-966FA94900AA}" type="pres">
       <dgm:prSet presAssocID="{0F9F144E-5A69-4079-9CFE-833FB141B5B7}" presName="textNode" presStyleLbl="bgShp" presStyleIdx="0" presStyleCnt="3"/>
       <dgm:spPr/>
+      <dgm:t>
+        <a:bodyPr/>
+        <a:lstStyle/>
+        <a:p>
+          <a:endParaRPr lang="pt-BR"/>
+        </a:p>
+      </dgm:t>
     </dgm:pt>
     <dgm:pt modelId="{B5BC7729-4343-49E6-A4EF-D07AFE39FD9B}" type="pres">
       <dgm:prSet presAssocID="{0F9F144E-5A69-4079-9CFE-833FB141B5B7}" presName="compChildNode" presStyleCnt="0"/>
@@ -2944,6 +2962,13 @@
         </dgm:presLayoutVars>
       </dgm:prSet>
       <dgm:spPr/>
+      <dgm:t>
+        <a:bodyPr/>
+        <a:lstStyle/>
+        <a:p>
+          <a:endParaRPr lang="pt-BR"/>
+        </a:p>
+      </dgm:t>
     </dgm:pt>
     <dgm:pt modelId="{B8931CD7-CDC0-4094-A84B-34C86C5DA39D}" type="pres">
       <dgm:prSet presAssocID="{32074760-1CE6-4EA9-A667-33C7E19C2D94}" presName="aSpace2" presStyleCnt="0"/>
@@ -2956,6 +2981,13 @@
         </dgm:presLayoutVars>
       </dgm:prSet>
       <dgm:spPr/>
+      <dgm:t>
+        <a:bodyPr/>
+        <a:lstStyle/>
+        <a:p>
+          <a:endParaRPr lang="pt-BR"/>
+        </a:p>
+      </dgm:t>
     </dgm:pt>
     <dgm:pt modelId="{C9C82461-FD43-4EC4-813A-C5DDCB53324F}" type="pres">
       <dgm:prSet presAssocID="{0F9F144E-5A69-4079-9CFE-833FB141B5B7}" presName="aSpace" presStyleCnt="0"/>
@@ -2968,10 +3000,24 @@
     <dgm:pt modelId="{E7B9CF75-AF6A-4290-854A-077BB9A2D77C}" type="pres">
       <dgm:prSet presAssocID="{F5E45C32-85BB-467F-80E6-A808871E72F3}" presName="aNode" presStyleLbl="bgShp" presStyleIdx="1" presStyleCnt="3"/>
       <dgm:spPr/>
+      <dgm:t>
+        <a:bodyPr/>
+        <a:lstStyle/>
+        <a:p>
+          <a:endParaRPr lang="pt-BR"/>
+        </a:p>
+      </dgm:t>
     </dgm:pt>
     <dgm:pt modelId="{2487EB6F-DE81-4509-80D3-3047844600F3}" type="pres">
       <dgm:prSet presAssocID="{F5E45C32-85BB-467F-80E6-A808871E72F3}" presName="textNode" presStyleLbl="bgShp" presStyleIdx="1" presStyleCnt="3"/>
       <dgm:spPr/>
+      <dgm:t>
+        <a:bodyPr/>
+        <a:lstStyle/>
+        <a:p>
+          <a:endParaRPr lang="pt-BR"/>
+        </a:p>
+      </dgm:t>
     </dgm:pt>
     <dgm:pt modelId="{C2211325-8BBF-4C60-9ACA-1D2794FAABC8}" type="pres">
       <dgm:prSet presAssocID="{F5E45C32-85BB-467F-80E6-A808871E72F3}" presName="compChildNode" presStyleCnt="0"/>
@@ -2988,6 +3034,13 @@
         </dgm:presLayoutVars>
       </dgm:prSet>
       <dgm:spPr/>
+      <dgm:t>
+        <a:bodyPr/>
+        <a:lstStyle/>
+        <a:p>
+          <a:endParaRPr lang="pt-BR"/>
+        </a:p>
+      </dgm:t>
     </dgm:pt>
     <dgm:pt modelId="{5042C203-E2AD-404F-8812-509816C4E958}" type="pres">
       <dgm:prSet presAssocID="{6193ECAA-3925-487F-ADF8-CE1362754FFF}" presName="aSpace2" presStyleCnt="0"/>
@@ -3000,6 +3053,13 @@
         </dgm:presLayoutVars>
       </dgm:prSet>
       <dgm:spPr/>
+      <dgm:t>
+        <a:bodyPr/>
+        <a:lstStyle/>
+        <a:p>
+          <a:endParaRPr lang="pt-BR"/>
+        </a:p>
+      </dgm:t>
     </dgm:pt>
     <dgm:pt modelId="{03CB735D-973C-4AB1-BFE0-DDB003F67757}" type="pres">
       <dgm:prSet presAssocID="{F5E45C32-85BB-467F-80E6-A808871E72F3}" presName="aSpace" presStyleCnt="0"/>
@@ -3012,10 +3072,24 @@
     <dgm:pt modelId="{6E5A89BC-14D8-4DAA-BBC1-B070DD5BD626}" type="pres">
       <dgm:prSet presAssocID="{7592B694-086D-4180-B053-CE7AD13C9858}" presName="aNode" presStyleLbl="bgShp" presStyleIdx="2" presStyleCnt="3"/>
       <dgm:spPr/>
+      <dgm:t>
+        <a:bodyPr/>
+        <a:lstStyle/>
+        <a:p>
+          <a:endParaRPr lang="pt-BR"/>
+        </a:p>
+      </dgm:t>
     </dgm:pt>
     <dgm:pt modelId="{B6E9B2AA-8010-4FAB-90D2-72717C05AE96}" type="pres">
       <dgm:prSet presAssocID="{7592B694-086D-4180-B053-CE7AD13C9858}" presName="textNode" presStyleLbl="bgShp" presStyleIdx="2" presStyleCnt="3"/>
       <dgm:spPr/>
+      <dgm:t>
+        <a:bodyPr/>
+        <a:lstStyle/>
+        <a:p>
+          <a:endParaRPr lang="pt-BR"/>
+        </a:p>
+      </dgm:t>
     </dgm:pt>
     <dgm:pt modelId="{8CAB1258-DC19-487A-8C4B-18A77888EC3B}" type="pres">
       <dgm:prSet presAssocID="{7592B694-086D-4180-B053-CE7AD13C9858}" presName="compChildNode" presStyleCnt="0"/>
@@ -3032,6 +3106,13 @@
         </dgm:presLayoutVars>
       </dgm:prSet>
       <dgm:spPr/>
+      <dgm:t>
+        <a:bodyPr/>
+        <a:lstStyle/>
+        <a:p>
+          <a:endParaRPr lang="pt-BR"/>
+        </a:p>
+      </dgm:t>
     </dgm:pt>
     <dgm:pt modelId="{AC0DD7DC-3B42-48D8-A1BA-88D01627AD9F}" type="pres">
       <dgm:prSet presAssocID="{8665C39E-B30E-4258-BEA9-83E0F7084606}" presName="aSpace2" presStyleCnt="0"/>
@@ -3044,37 +3125,44 @@
         </dgm:presLayoutVars>
       </dgm:prSet>
       <dgm:spPr/>
+      <dgm:t>
+        <a:bodyPr/>
+        <a:lstStyle/>
+        <a:p>
+          <a:endParaRPr lang="pt-BR"/>
+        </a:p>
+      </dgm:t>
     </dgm:pt>
   </dgm:ptLst>
   <dgm:cxnLst>
+    <dgm:cxn modelId="{B4DA3C73-70D7-466C-BD59-517BECABBD73}" type="presOf" srcId="{A4D94469-D663-4D31-932B-502B82E9C70F}" destId="{9A6170BF-9622-4D2B-B7DB-32C968F42DB3}" srcOrd="0" destOrd="0" presId="urn:microsoft.com/office/officeart/2005/8/layout/lProcess2"/>
+    <dgm:cxn modelId="{696FC290-58F8-4B0A-B325-8A4CDCEFC93C}" srcId="{DF4857E7-5C40-4E4D-8F9E-0F40BE240B2F}" destId="{0F9F144E-5A69-4079-9CFE-833FB141B5B7}" srcOrd="0" destOrd="0" parTransId="{5295059C-89BD-48FC-9FB0-63BD38C2AF52}" sibTransId="{FAB8FA54-A1F3-488D-B823-07CCB71E4D44}"/>
+    <dgm:cxn modelId="{81122AFC-C18F-4D00-B021-C69D246C3B29}" srcId="{6193ECAA-3925-487F-ADF8-CE1362754FFF}" destId="{C6030D44-1D58-425E-A9C6-5826B22A588C}" srcOrd="0" destOrd="0" parTransId="{D1CDDA60-69C8-45B0-A1E0-88127CAF2E60}" sibTransId="{35003531-3F0E-4C91-8130-66352D0F9892}"/>
+    <dgm:cxn modelId="{8D6B5497-475C-46A9-805D-510F815F9B98}" srcId="{7592B694-086D-4180-B053-CE7AD13C9858}" destId="{8665C39E-B30E-4258-BEA9-83E0F7084606}" srcOrd="0" destOrd="0" parTransId="{8211EBE3-1C93-4CFB-BBEE-7A708996ED07}" sibTransId="{6779ED75-3327-4C98-9C89-1343058D49BC}"/>
+    <dgm:cxn modelId="{D5B8713A-7AB9-4B9D-94BC-9EB06B8CF608}" srcId="{32074760-1CE6-4EA9-A667-33C7E19C2D94}" destId="{150A7F6B-E7C8-4660-A09E-8BFA9EEDAC43}" srcOrd="0" destOrd="0" parTransId="{0F39669D-26CF-4B43-8C6F-5D64B207982B}" sibTransId="{18FD9C15-31FF-4653-AA19-F99872C005E9}"/>
+    <dgm:cxn modelId="{8C87AF1D-41C1-4D54-A8FA-8427366CFBFB}" type="presOf" srcId="{6193ECAA-3925-487F-ADF8-CE1362754FFF}" destId="{5CE69C38-1462-4F71-A252-F397C9008295}" srcOrd="0" destOrd="0" presId="urn:microsoft.com/office/officeart/2005/8/layout/lProcess2"/>
+    <dgm:cxn modelId="{CE0DD4B1-A518-4694-A918-5017A68D4682}" type="presOf" srcId="{3A6F3701-816C-4FDF-858A-ACC6E0FE5F4D}" destId="{BCB399A1-FCCC-424D-B0D1-A136F42E324E}" srcOrd="0" destOrd="0" presId="urn:microsoft.com/office/officeart/2005/8/layout/lProcess2"/>
+    <dgm:cxn modelId="{82CBC6DA-D930-4DE5-B21B-9C8CA9BA15A6}" type="presOf" srcId="{32074760-1CE6-4EA9-A667-33C7E19C2D94}" destId="{A8FD0D76-AFC6-4802-9090-E980FDBECC91}" srcOrd="0" destOrd="0" presId="urn:microsoft.com/office/officeart/2005/8/layout/lProcess2"/>
+    <dgm:cxn modelId="{E1BE2929-9C60-4BA6-A4E6-C69A2D7786F5}" type="presOf" srcId="{C6030D44-1D58-425E-A9C6-5826B22A588C}" destId="{5CE69C38-1462-4F71-A252-F397C9008295}" srcOrd="0" destOrd="1" presId="urn:microsoft.com/office/officeart/2005/8/layout/lProcess2"/>
+    <dgm:cxn modelId="{00C27375-5C95-49F4-B248-AEB70147CA62}" type="presOf" srcId="{F5E45C32-85BB-467F-80E6-A808871E72F3}" destId="{E7B9CF75-AF6A-4290-854A-077BB9A2D77C}" srcOrd="0" destOrd="0" presId="urn:microsoft.com/office/officeart/2005/8/layout/lProcess2"/>
+    <dgm:cxn modelId="{FA16C23C-5596-42A1-981A-487742CF3BBD}" srcId="{F5E45C32-85BB-467F-80E6-A808871E72F3}" destId="{6193ECAA-3925-487F-ADF8-CE1362754FFF}" srcOrd="0" destOrd="0" parTransId="{CA95F830-F096-4B8A-8E76-097EF46A4F44}" sibTransId="{4C2F44CE-5AB4-4FFE-B037-FFB0E3B4A7EB}"/>
+    <dgm:cxn modelId="{792FB76A-389C-45B7-8308-227DADB5CF70}" srcId="{0F9F144E-5A69-4079-9CFE-833FB141B5B7}" destId="{32074760-1CE6-4EA9-A667-33C7E19C2D94}" srcOrd="0" destOrd="0" parTransId="{41FFA3F1-CAF6-4B0C-90FB-AAF097D8C840}" sibTransId="{66E711EC-17A3-40E0-B60B-5A2F466C9D11}"/>
+    <dgm:cxn modelId="{38056622-7C0E-401B-8EFE-12C3F7182FD0}" type="presOf" srcId="{7592B694-086D-4180-B053-CE7AD13C9858}" destId="{B6E9B2AA-8010-4FAB-90D2-72717C05AE96}" srcOrd="1" destOrd="0" presId="urn:microsoft.com/office/officeart/2005/8/layout/lProcess2"/>
+    <dgm:cxn modelId="{56B67DB3-E094-447D-8B0E-8B3CD943BEEE}" type="presOf" srcId="{150A7F6B-E7C8-4660-A09E-8BFA9EEDAC43}" destId="{A8FD0D76-AFC6-4802-9090-E980FDBECC91}" srcOrd="0" destOrd="1" presId="urn:microsoft.com/office/officeart/2005/8/layout/lProcess2"/>
+    <dgm:cxn modelId="{DBB754C0-2FEB-4CC7-A046-90DD44045A95}" type="presOf" srcId="{8665C39E-B30E-4258-BEA9-83E0F7084606}" destId="{85B657F5-5C9C-42F8-A245-10BA7A824404}" srcOrd="0" destOrd="0" presId="urn:microsoft.com/office/officeart/2005/8/layout/lProcess2"/>
+    <dgm:cxn modelId="{3D61257B-F928-463A-8D9E-CDB39FE3796E}" srcId="{0F9F144E-5A69-4079-9CFE-833FB141B5B7}" destId="{3A6F3701-816C-4FDF-858A-ACC6E0FE5F4D}" srcOrd="1" destOrd="0" parTransId="{C65A2EBC-1747-4EFE-A451-3D2522BBE896}" sibTransId="{37293601-3929-4FFB-8E26-8B57DDF52B55}"/>
+    <dgm:cxn modelId="{583CC615-DAE7-4276-AD9F-C578D26FEDFC}" srcId="{DF4857E7-5C40-4E4D-8F9E-0F40BE240B2F}" destId="{7592B694-086D-4180-B053-CE7AD13C9858}" srcOrd="2" destOrd="0" parTransId="{C8FADD59-ED12-44D1-A076-7A13B0AC344E}" sibTransId="{34A6F1FD-1787-4988-A7E6-472B7C66BD09}"/>
+    <dgm:cxn modelId="{C3F684FE-A0E7-411B-A303-2C8155B38D48}" srcId="{DF4857E7-5C40-4E4D-8F9E-0F40BE240B2F}" destId="{F5E45C32-85BB-467F-80E6-A808871E72F3}" srcOrd="1" destOrd="0" parTransId="{FAB096C4-43F1-4FB0-A740-B5A33490B558}" sibTransId="{F29CEF7E-7A2A-457D-9BE3-75C08A423C81}"/>
+    <dgm:cxn modelId="{4FADFD3D-B7CB-4C59-B7F5-35ABA580B901}" type="presOf" srcId="{385CE971-C1B9-4F65-93A4-C6A76C7897CF}" destId="{85B657F5-5C9C-42F8-A245-10BA7A824404}" srcOrd="0" destOrd="1" presId="urn:microsoft.com/office/officeart/2005/8/layout/lProcess2"/>
+    <dgm:cxn modelId="{298BB734-9DDB-40A5-986C-2B10E3CB4CEB}" type="presOf" srcId="{7592B694-086D-4180-B053-CE7AD13C9858}" destId="{6E5A89BC-14D8-4DAA-BBC1-B070DD5BD626}" srcOrd="0" destOrd="0" presId="urn:microsoft.com/office/officeart/2005/8/layout/lProcess2"/>
+    <dgm:cxn modelId="{F0533D33-58B4-4C63-B28D-2827656CCEBF}" type="presOf" srcId="{C3874983-3B60-4219-9662-91CBECD9E084}" destId="{ACCF1AAF-D5D3-4C9A-A889-7895A8A16D7C}" srcOrd="0" destOrd="0" presId="urn:microsoft.com/office/officeart/2005/8/layout/lProcess2"/>
+    <dgm:cxn modelId="{A4BD921E-22FC-4059-A327-36A4F552A07E}" srcId="{F5E45C32-85BB-467F-80E6-A808871E72F3}" destId="{C3874983-3B60-4219-9662-91CBECD9E084}" srcOrd="1" destOrd="0" parTransId="{AA671F38-64CE-4670-821B-66B95074C811}" sibTransId="{219ED951-328B-4697-95A6-5EF16D43C24C}"/>
+    <dgm:cxn modelId="{8A35A3BF-7446-4E87-9D9C-4A26CC4FF252}" type="presOf" srcId="{0F9F144E-5A69-4079-9CFE-833FB141B5B7}" destId="{9046789A-6150-4534-817A-88A1F11F0BDA}" srcOrd="0" destOrd="0" presId="urn:microsoft.com/office/officeart/2005/8/layout/lProcess2"/>
     <dgm:cxn modelId="{93C0AD0C-76F6-4BDE-8558-D53CF9CD5753}" type="presOf" srcId="{F5E45C32-85BB-467F-80E6-A808871E72F3}" destId="{2487EB6F-DE81-4509-80D3-3047844600F3}" srcOrd="1" destOrd="0" presId="urn:microsoft.com/office/officeart/2005/8/layout/lProcess2"/>
-    <dgm:cxn modelId="{583CC615-DAE7-4276-AD9F-C578D26FEDFC}" srcId="{DF4857E7-5C40-4E4D-8F9E-0F40BE240B2F}" destId="{7592B694-086D-4180-B053-CE7AD13C9858}" srcOrd="2" destOrd="0" parTransId="{C8FADD59-ED12-44D1-A076-7A13B0AC344E}" sibTransId="{34A6F1FD-1787-4988-A7E6-472B7C66BD09}"/>
-    <dgm:cxn modelId="{8C87AF1D-41C1-4D54-A8FA-8427366CFBFB}" type="presOf" srcId="{6193ECAA-3925-487F-ADF8-CE1362754FFF}" destId="{5CE69C38-1462-4F71-A252-F397C9008295}" srcOrd="0" destOrd="0" presId="urn:microsoft.com/office/officeart/2005/8/layout/lProcess2"/>
-    <dgm:cxn modelId="{A4BD921E-22FC-4059-A327-36A4F552A07E}" srcId="{F5E45C32-85BB-467F-80E6-A808871E72F3}" destId="{C3874983-3B60-4219-9662-91CBECD9E084}" srcOrd="1" destOrd="0" parTransId="{AA671F38-64CE-4670-821B-66B95074C811}" sibTransId="{219ED951-328B-4697-95A6-5EF16D43C24C}"/>
-    <dgm:cxn modelId="{38056622-7C0E-401B-8EFE-12C3F7182FD0}" type="presOf" srcId="{7592B694-086D-4180-B053-CE7AD13C9858}" destId="{B6E9B2AA-8010-4FAB-90D2-72717C05AE96}" srcOrd="1" destOrd="0" presId="urn:microsoft.com/office/officeart/2005/8/layout/lProcess2"/>
-    <dgm:cxn modelId="{E1BE2929-9C60-4BA6-A4E6-C69A2D7786F5}" type="presOf" srcId="{C6030D44-1D58-425E-A9C6-5826B22A588C}" destId="{5CE69C38-1462-4F71-A252-F397C9008295}" srcOrd="0" destOrd="1" presId="urn:microsoft.com/office/officeart/2005/8/layout/lProcess2"/>
-    <dgm:cxn modelId="{F0533D33-58B4-4C63-B28D-2827656CCEBF}" type="presOf" srcId="{C3874983-3B60-4219-9662-91CBECD9E084}" destId="{ACCF1AAF-D5D3-4C9A-A889-7895A8A16D7C}" srcOrd="0" destOrd="0" presId="urn:microsoft.com/office/officeart/2005/8/layout/lProcess2"/>
-    <dgm:cxn modelId="{298BB734-9DDB-40A5-986C-2B10E3CB4CEB}" type="presOf" srcId="{7592B694-086D-4180-B053-CE7AD13C9858}" destId="{6E5A89BC-14D8-4DAA-BBC1-B070DD5BD626}" srcOrd="0" destOrd="0" presId="urn:microsoft.com/office/officeart/2005/8/layout/lProcess2"/>
-    <dgm:cxn modelId="{D5B8713A-7AB9-4B9D-94BC-9EB06B8CF608}" srcId="{32074760-1CE6-4EA9-A667-33C7E19C2D94}" destId="{150A7F6B-E7C8-4660-A09E-8BFA9EEDAC43}" srcOrd="0" destOrd="0" parTransId="{0F39669D-26CF-4B43-8C6F-5D64B207982B}" sibTransId="{18FD9C15-31FF-4653-AA19-F99872C005E9}"/>
-    <dgm:cxn modelId="{FA16C23C-5596-42A1-981A-487742CF3BBD}" srcId="{F5E45C32-85BB-467F-80E6-A808871E72F3}" destId="{6193ECAA-3925-487F-ADF8-CE1362754FFF}" srcOrd="0" destOrd="0" parTransId="{CA95F830-F096-4B8A-8E76-097EF46A4F44}" sibTransId="{4C2F44CE-5AB4-4FFE-B037-FFB0E3B4A7EB}"/>
-    <dgm:cxn modelId="{4FADFD3D-B7CB-4C59-B7F5-35ABA580B901}" type="presOf" srcId="{385CE971-C1B9-4F65-93A4-C6A76C7897CF}" destId="{85B657F5-5C9C-42F8-A245-10BA7A824404}" srcOrd="0" destOrd="1" presId="urn:microsoft.com/office/officeart/2005/8/layout/lProcess2"/>
-    <dgm:cxn modelId="{D6753E67-1F8E-42BB-B756-F0AB782619C6}" type="presOf" srcId="{0F9F144E-5A69-4079-9CFE-833FB141B5B7}" destId="{F032D9DC-6E96-4533-82F7-966FA94900AA}" srcOrd="1" destOrd="0" presId="urn:microsoft.com/office/officeart/2005/8/layout/lProcess2"/>
-    <dgm:cxn modelId="{792FB76A-389C-45B7-8308-227DADB5CF70}" srcId="{0F9F144E-5A69-4079-9CFE-833FB141B5B7}" destId="{32074760-1CE6-4EA9-A667-33C7E19C2D94}" srcOrd="0" destOrd="0" parTransId="{41FFA3F1-CAF6-4B0C-90FB-AAF097D8C840}" sibTransId="{66E711EC-17A3-40E0-B60B-5A2F466C9D11}"/>
-    <dgm:cxn modelId="{B4DA3C73-70D7-466C-BD59-517BECABBD73}" type="presOf" srcId="{A4D94469-D663-4D31-932B-502B82E9C70F}" destId="{9A6170BF-9622-4D2B-B7DB-32C968F42DB3}" srcOrd="0" destOrd="0" presId="urn:microsoft.com/office/officeart/2005/8/layout/lProcess2"/>
-    <dgm:cxn modelId="{00C27375-5C95-49F4-B248-AEB70147CA62}" type="presOf" srcId="{F5E45C32-85BB-467F-80E6-A808871E72F3}" destId="{E7B9CF75-AF6A-4290-854A-077BB9A2D77C}" srcOrd="0" destOrd="0" presId="urn:microsoft.com/office/officeart/2005/8/layout/lProcess2"/>
-    <dgm:cxn modelId="{3D61257B-F928-463A-8D9E-CDB39FE3796E}" srcId="{0F9F144E-5A69-4079-9CFE-833FB141B5B7}" destId="{3A6F3701-816C-4FDF-858A-ACC6E0FE5F4D}" srcOrd="1" destOrd="0" parTransId="{C65A2EBC-1747-4EFE-A451-3D2522BBE896}" sibTransId="{37293601-3929-4FFB-8E26-8B57DDF52B55}"/>
-    <dgm:cxn modelId="{696FC290-58F8-4B0A-B325-8A4CDCEFC93C}" srcId="{DF4857E7-5C40-4E4D-8F9E-0F40BE240B2F}" destId="{0F9F144E-5A69-4079-9CFE-833FB141B5B7}" srcOrd="0" destOrd="0" parTransId="{5295059C-89BD-48FC-9FB0-63BD38C2AF52}" sibTransId="{FAB8FA54-A1F3-488D-B823-07CCB71E4D44}"/>
-    <dgm:cxn modelId="{8D6B5497-475C-46A9-805D-510F815F9B98}" srcId="{7592B694-086D-4180-B053-CE7AD13C9858}" destId="{8665C39E-B30E-4258-BEA9-83E0F7084606}" srcOrd="0" destOrd="0" parTransId="{8211EBE3-1C93-4CFB-BBEE-7A708996ED07}" sibTransId="{6779ED75-3327-4C98-9C89-1343058D49BC}"/>
     <dgm:cxn modelId="{DA2AFB9B-7259-4587-9179-0B91C6B79AC0}" srcId="{7592B694-086D-4180-B053-CE7AD13C9858}" destId="{A4D94469-D663-4D31-932B-502B82E9C70F}" srcOrd="1" destOrd="0" parTransId="{A586A214-622D-4BFC-81CF-0EA2E53644FC}" sibTransId="{DA71BD4B-F18C-4AD5-A495-1DEAC85D62EB}"/>
     <dgm:cxn modelId="{21C075B0-754C-4C7E-AB99-3EDCCC7391ED}" type="presOf" srcId="{DF4857E7-5C40-4E4D-8F9E-0F40BE240B2F}" destId="{4514D2E9-87FF-454C-A554-FD761A8568C7}" srcOrd="0" destOrd="0" presId="urn:microsoft.com/office/officeart/2005/8/layout/lProcess2"/>
-    <dgm:cxn modelId="{CE0DD4B1-A518-4694-A918-5017A68D4682}" type="presOf" srcId="{3A6F3701-816C-4FDF-858A-ACC6E0FE5F4D}" destId="{BCB399A1-FCCC-424D-B0D1-A136F42E324E}" srcOrd="0" destOrd="0" presId="urn:microsoft.com/office/officeart/2005/8/layout/lProcess2"/>
-    <dgm:cxn modelId="{56B67DB3-E094-447D-8B0E-8B3CD943BEEE}" type="presOf" srcId="{150A7F6B-E7C8-4660-A09E-8BFA9EEDAC43}" destId="{A8FD0D76-AFC6-4802-9090-E980FDBECC91}" srcOrd="0" destOrd="1" presId="urn:microsoft.com/office/officeart/2005/8/layout/lProcess2"/>
-    <dgm:cxn modelId="{8A35A3BF-7446-4E87-9D9C-4A26CC4FF252}" type="presOf" srcId="{0F9F144E-5A69-4079-9CFE-833FB141B5B7}" destId="{9046789A-6150-4534-817A-88A1F11F0BDA}" srcOrd="0" destOrd="0" presId="urn:microsoft.com/office/officeart/2005/8/layout/lProcess2"/>
-    <dgm:cxn modelId="{DBB754C0-2FEB-4CC7-A046-90DD44045A95}" type="presOf" srcId="{8665C39E-B30E-4258-BEA9-83E0F7084606}" destId="{85B657F5-5C9C-42F8-A245-10BA7A824404}" srcOrd="0" destOrd="0" presId="urn:microsoft.com/office/officeart/2005/8/layout/lProcess2"/>
     <dgm:cxn modelId="{3E863CC5-F005-44F0-86EA-E462EE4A7346}" srcId="{8665C39E-B30E-4258-BEA9-83E0F7084606}" destId="{385CE971-C1B9-4F65-93A4-C6A76C7897CF}" srcOrd="0" destOrd="0" parTransId="{28E93A91-CFCF-485A-B53C-E97F86AD2091}" sibTransId="{1D34B5B9-751B-4772-AA14-6AA238CEB1FA}"/>
-    <dgm:cxn modelId="{82CBC6DA-D930-4DE5-B21B-9C8CA9BA15A6}" type="presOf" srcId="{32074760-1CE6-4EA9-A667-33C7E19C2D94}" destId="{A8FD0D76-AFC6-4802-9090-E980FDBECC91}" srcOrd="0" destOrd="0" presId="urn:microsoft.com/office/officeart/2005/8/layout/lProcess2"/>
-    <dgm:cxn modelId="{81122AFC-C18F-4D00-B021-C69D246C3B29}" srcId="{6193ECAA-3925-487F-ADF8-CE1362754FFF}" destId="{C6030D44-1D58-425E-A9C6-5826B22A588C}" srcOrd="0" destOrd="0" parTransId="{D1CDDA60-69C8-45B0-A1E0-88127CAF2E60}" sibTransId="{35003531-3F0E-4C91-8130-66352D0F9892}"/>
-    <dgm:cxn modelId="{C3F684FE-A0E7-411B-A303-2C8155B38D48}" srcId="{DF4857E7-5C40-4E4D-8F9E-0F40BE240B2F}" destId="{F5E45C32-85BB-467F-80E6-A808871E72F3}" srcOrd="1" destOrd="0" parTransId="{FAB096C4-43F1-4FB0-A740-B5A33490B558}" sibTransId="{F29CEF7E-7A2A-457D-9BE3-75C08A423C81}"/>
+    <dgm:cxn modelId="{D6753E67-1F8E-42BB-B756-F0AB782619C6}" type="presOf" srcId="{0F9F144E-5A69-4079-9CFE-833FB141B5B7}" destId="{F032D9DC-6E96-4533-82F7-966FA94900AA}" srcOrd="1" destOrd="0" presId="urn:microsoft.com/office/officeart/2005/8/layout/lProcess2"/>
     <dgm:cxn modelId="{738699B6-4C95-4386-9DB1-8D37DAC004E6}" type="presParOf" srcId="{4514D2E9-87FF-454C-A554-FD761A8568C7}" destId="{D7F4306A-6D29-4C14-BF5D-EE8CBCC47C9B}" srcOrd="0" destOrd="0" presId="urn:microsoft.com/office/officeart/2005/8/layout/lProcess2"/>
     <dgm:cxn modelId="{C3F4902C-9BC3-4F96-BA69-3306411F40D5}" type="presParOf" srcId="{D7F4306A-6D29-4C14-BF5D-EE8CBCC47C9B}" destId="{9046789A-6150-4534-817A-88A1F11F0BDA}" srcOrd="0" destOrd="0" presId="urn:microsoft.com/office/officeart/2005/8/layout/lProcess2"/>
     <dgm:cxn modelId="{CF83D5CD-70C1-467B-A5F8-BB6874B2AB9A}" type="presParOf" srcId="{D7F4306A-6D29-4C14-BF5D-EE8CBCC47C9B}" destId="{F032D9DC-6E96-4533-82F7-966FA94900AA}" srcOrd="1" destOrd="0" presId="urn:microsoft.com/office/officeart/2005/8/layout/lProcess2"/>
@@ -3106,7 +3194,7 @@
   <dgm:whole/>
   <dgm:extLst>
     <a:ext uri="http://schemas.microsoft.com/office/drawing/2008/diagram">
-      <dsp:dataModelExt xmlns:dsp="http://schemas.microsoft.com/office/drawing/2008/diagram" relId="rId6" minVer="http://schemas.openxmlformats.org/drawingml/2006/diagram"/>
+      <dsp:dataModelExt xmlns:dsp="http://schemas.microsoft.com/office/drawing/2008/diagram" xmlns="" relId="rId6" minVer="http://schemas.openxmlformats.org/drawingml/2006/diagram"/>
     </a:ext>
   </dgm:extLst>
 </dgm:dataModel>
@@ -3320,23 +3408,23 @@
         <a:lstStyle/>
         <a:p>
           <a:r>
-            <a:rPr lang="en-US" dirty="0" err="1"/>
-            <a:t>Resposável</a:t>
+            <a:rPr lang="en-US" dirty="0" err="1" smtClean="0"/>
+            <a:t>Responsável</a:t>
           </a:r>
           <a:r>
-            <a:rPr lang="en-US" dirty="0"/>
-            <a:t> pela </a:t>
+            <a:rPr lang="en-US" dirty="0" smtClean="0"/>
+            <a:t> </a:t>
           </a:r>
           <a:r>
-            <a:rPr lang="en-US" dirty="0" err="1"/>
-            <a:t>arquitetura</a:t>
+            <a:rPr lang="en-US" dirty="0" err="1" smtClean="0"/>
+            <a:t>pelo</a:t>
           </a:r>
           <a:r>
-            <a:rPr lang="en-US" dirty="0"/>
-            <a:t> do </a:t>
+            <a:rPr lang="en-US" dirty="0" smtClean="0"/>
+            <a:t> </a:t>
           </a:r>
           <a:r>
-            <a:rPr lang="en-US" dirty="0" err="1"/>
+            <a:rPr lang="en-US" dirty="0" err="1" smtClean="0"/>
             <a:t>sistema</a:t>
           </a:r>
           <a:endParaRPr lang="en-US" dirty="0"/>
@@ -3373,29 +3461,14 @@
         <a:lstStyle/>
         <a:p>
           <a:r>
-            <a:rPr lang="en-US" dirty="0" err="1"/>
-            <a:t>Resposável</a:t>
+            <a:rPr lang="en-US" dirty="0" smtClean="0"/>
+            <a:t>Parte visual e </a:t>
           </a:r>
           <a:r>
-            <a:rPr lang="en-US" dirty="0"/>
-            <a:t> </a:t>
+            <a:rPr lang="en-US" dirty="0" err="1" smtClean="0"/>
+            <a:t>estética</a:t>
           </a:r>
-          <a:r>
-            <a:rPr lang="en-US" dirty="0" err="1"/>
-            <a:t>pelo</a:t>
-          </a:r>
-          <a:r>
-            <a:rPr lang="en-US" dirty="0"/>
-            <a:t> </a:t>
-          </a:r>
-          <a:r>
-            <a:rPr lang="en-US" dirty="0" err="1"/>
-            <a:t>desenvolvimento</a:t>
-          </a:r>
-          <a:r>
-            <a:rPr lang="en-US" dirty="0"/>
-            <a:t> do Sistema</a:t>
-          </a:r>
+          <a:endParaRPr lang="en-US" dirty="0"/>
         </a:p>
       </dgm:t>
     </dgm:pt>
@@ -3429,15 +3502,15 @@
         <a:lstStyle/>
         <a:p>
           <a:r>
-            <a:rPr lang="en-US" dirty="0" err="1"/>
+            <a:rPr lang="en-US" dirty="0" err="1" smtClean="0"/>
             <a:t>Usuários</a:t>
           </a:r>
           <a:r>
-            <a:rPr lang="en-US" dirty="0"/>
+            <a:rPr lang="en-US" dirty="0" smtClean="0"/>
             <a:t> do </a:t>
           </a:r>
           <a:r>
-            <a:rPr lang="en-US" dirty="0" err="1"/>
+            <a:rPr lang="en-US" dirty="0" err="1" smtClean="0"/>
             <a:t>sistema</a:t>
           </a:r>
           <a:endParaRPr lang="en-US" dirty="0"/>
@@ -3474,12 +3547,8 @@
         <a:lstStyle/>
         <a:p>
           <a:r>
-            <a:rPr lang="en-US" dirty="0" err="1"/>
-            <a:t>Arquiteto</a:t>
-          </a:r>
-          <a:r>
             <a:rPr lang="en-US" dirty="0"/>
-            <a:t> de Software.</a:t>
+            <a:t>Desenvolvedor.</a:t>
           </a:r>
           <a:br>
             <a:rPr lang="en-US" dirty="0"/>
@@ -3491,24 +3560,10 @@
     <dgm:pt modelId="{0F39669D-26CF-4B43-8C6F-5D64B207982B}" type="parTrans" cxnId="{D5B8713A-7AB9-4B9D-94BC-9EB06B8CF608}">
       <dgm:prSet/>
       <dgm:spPr/>
-      <dgm:t>
-        <a:bodyPr/>
-        <a:lstStyle/>
-        <a:p>
-          <a:endParaRPr lang="pt-BR"/>
-        </a:p>
-      </dgm:t>
     </dgm:pt>
     <dgm:pt modelId="{18FD9C15-31FF-4653-AA19-F99872C005E9}" type="sibTrans" cxnId="{D5B8713A-7AB9-4B9D-94BC-9EB06B8CF608}">
       <dgm:prSet/>
       <dgm:spPr/>
-      <dgm:t>
-        <a:bodyPr/>
-        <a:lstStyle/>
-        <a:p>
-          <a:endParaRPr lang="pt-BR"/>
-        </a:p>
-      </dgm:t>
     </dgm:pt>
     <dgm:pt modelId="{C6030D44-1D58-425E-A9C6-5826B22A588C}">
       <dgm:prSet phldrT="[Text]"/>
@@ -3519,7 +3574,7 @@
         <a:p>
           <a:r>
             <a:rPr lang="en-US" sz="2600" dirty="0"/>
-            <a:t>Desenvolvedor.</a:t>
+            <a:t>Designer.</a:t>
           </a:r>
         </a:p>
       </dgm:t>
@@ -3527,24 +3582,10 @@
     <dgm:pt modelId="{D1CDDA60-69C8-45B0-A1E0-88127CAF2E60}" type="parTrans" cxnId="{81122AFC-C18F-4D00-B021-C69D246C3B29}">
       <dgm:prSet/>
       <dgm:spPr/>
-      <dgm:t>
-        <a:bodyPr/>
-        <a:lstStyle/>
-        <a:p>
-          <a:endParaRPr lang="pt-BR"/>
-        </a:p>
-      </dgm:t>
     </dgm:pt>
     <dgm:pt modelId="{35003531-3F0E-4C91-8130-66352D0F9892}" type="sibTrans" cxnId="{81122AFC-C18F-4D00-B021-C69D246C3B29}">
       <dgm:prSet/>
       <dgm:spPr/>
-      <dgm:t>
-        <a:bodyPr/>
-        <a:lstStyle/>
-        <a:p>
-          <a:endParaRPr lang="pt-BR"/>
-        </a:p>
-      </dgm:t>
     </dgm:pt>
     <dgm:pt modelId="{385CE971-C1B9-4F65-93A4-C6A76C7897CF}">
       <dgm:prSet phldrT="[Text]"/>
@@ -3563,24 +3604,10 @@
     <dgm:pt modelId="{28E93A91-CFCF-485A-B53C-E97F86AD2091}" type="parTrans" cxnId="{3E863CC5-F005-44F0-86EA-E462EE4A7346}">
       <dgm:prSet/>
       <dgm:spPr/>
-      <dgm:t>
-        <a:bodyPr/>
-        <a:lstStyle/>
-        <a:p>
-          <a:endParaRPr lang="pt-BR"/>
-        </a:p>
-      </dgm:t>
     </dgm:pt>
     <dgm:pt modelId="{1D34B5B9-751B-4772-AA14-6AA238CEB1FA}" type="sibTrans" cxnId="{3E863CC5-F005-44F0-86EA-E462EE4A7346}">
       <dgm:prSet/>
       <dgm:spPr/>
-      <dgm:t>
-        <a:bodyPr/>
-        <a:lstStyle/>
-        <a:p>
-          <a:endParaRPr lang="pt-BR"/>
-        </a:p>
-      </dgm:t>
     </dgm:pt>
     <dgm:pt modelId="{FF80DD60-F68F-431A-AFAE-23704FE1B108}">
       <dgm:prSet phldrT="[Text]"/>
@@ -3599,24 +3626,10 @@
     <dgm:pt modelId="{C681F97E-0B0A-4818-B0F7-591D3572DC7A}" type="parTrans" cxnId="{A05DCCAE-2FE9-49DC-AEA3-E6431711855A}">
       <dgm:prSet/>
       <dgm:spPr/>
-      <dgm:t>
-        <a:bodyPr/>
-        <a:lstStyle/>
-        <a:p>
-          <a:endParaRPr lang="pt-BR"/>
-        </a:p>
-      </dgm:t>
     </dgm:pt>
     <dgm:pt modelId="{97F2CE1F-B787-4712-B3FC-01BF37B1C2E4}" type="sibTrans" cxnId="{A05DCCAE-2FE9-49DC-AEA3-E6431711855A}">
       <dgm:prSet/>
       <dgm:spPr/>
-      <dgm:t>
-        <a:bodyPr/>
-        <a:lstStyle/>
-        <a:p>
-          <a:endParaRPr lang="pt-BR"/>
-        </a:p>
-      </dgm:t>
     </dgm:pt>
     <dgm:pt modelId="{4514D2E9-87FF-454C-A554-FD761A8568C7}" type="pres">
       <dgm:prSet presAssocID="{DF4857E7-5C40-4E4D-8F9E-0F40BE240B2F}" presName="theList" presStyleCnt="0">
@@ -3627,6 +3640,13 @@
         </dgm:presLayoutVars>
       </dgm:prSet>
       <dgm:spPr/>
+      <dgm:t>
+        <a:bodyPr/>
+        <a:lstStyle/>
+        <a:p>
+          <a:endParaRPr lang="pt-BR"/>
+        </a:p>
+      </dgm:t>
     </dgm:pt>
     <dgm:pt modelId="{D7F4306A-6D29-4C14-BF5D-EE8CBCC47C9B}" type="pres">
       <dgm:prSet presAssocID="{0F9F144E-5A69-4079-9CFE-833FB141B5B7}" presName="compNode" presStyleCnt="0"/>
@@ -3635,10 +3655,24 @@
     <dgm:pt modelId="{9046789A-6150-4534-817A-88A1F11F0BDA}" type="pres">
       <dgm:prSet presAssocID="{0F9F144E-5A69-4079-9CFE-833FB141B5B7}" presName="aNode" presStyleLbl="bgShp" presStyleIdx="0" presStyleCnt="3"/>
       <dgm:spPr/>
+      <dgm:t>
+        <a:bodyPr/>
+        <a:lstStyle/>
+        <a:p>
+          <a:endParaRPr lang="pt-BR"/>
+        </a:p>
+      </dgm:t>
     </dgm:pt>
     <dgm:pt modelId="{F032D9DC-6E96-4533-82F7-966FA94900AA}" type="pres">
       <dgm:prSet presAssocID="{0F9F144E-5A69-4079-9CFE-833FB141B5B7}" presName="textNode" presStyleLbl="bgShp" presStyleIdx="0" presStyleCnt="3"/>
       <dgm:spPr/>
+      <dgm:t>
+        <a:bodyPr/>
+        <a:lstStyle/>
+        <a:p>
+          <a:endParaRPr lang="pt-BR"/>
+        </a:p>
+      </dgm:t>
     </dgm:pt>
     <dgm:pt modelId="{B5BC7729-4343-49E6-A4EF-D07AFE39FD9B}" type="pres">
       <dgm:prSet presAssocID="{0F9F144E-5A69-4079-9CFE-833FB141B5B7}" presName="compChildNode" presStyleCnt="0"/>
@@ -3655,6 +3689,13 @@
         </dgm:presLayoutVars>
       </dgm:prSet>
       <dgm:spPr/>
+      <dgm:t>
+        <a:bodyPr/>
+        <a:lstStyle/>
+        <a:p>
+          <a:endParaRPr lang="pt-BR"/>
+        </a:p>
+      </dgm:t>
     </dgm:pt>
     <dgm:pt modelId="{B8931CD7-CDC0-4094-A84B-34C86C5DA39D}" type="pres">
       <dgm:prSet presAssocID="{32074760-1CE6-4EA9-A667-33C7E19C2D94}" presName="aSpace2" presStyleCnt="0"/>
@@ -3667,6 +3708,13 @@
         </dgm:presLayoutVars>
       </dgm:prSet>
       <dgm:spPr/>
+      <dgm:t>
+        <a:bodyPr/>
+        <a:lstStyle/>
+        <a:p>
+          <a:endParaRPr lang="pt-BR"/>
+        </a:p>
+      </dgm:t>
     </dgm:pt>
     <dgm:pt modelId="{C9C82461-FD43-4EC4-813A-C5DDCB53324F}" type="pres">
       <dgm:prSet presAssocID="{0F9F144E-5A69-4079-9CFE-833FB141B5B7}" presName="aSpace" presStyleCnt="0"/>
@@ -3679,10 +3727,24 @@
     <dgm:pt modelId="{E7B9CF75-AF6A-4290-854A-077BB9A2D77C}" type="pres">
       <dgm:prSet presAssocID="{F5E45C32-85BB-467F-80E6-A808871E72F3}" presName="aNode" presStyleLbl="bgShp" presStyleIdx="1" presStyleCnt="3"/>
       <dgm:spPr/>
+      <dgm:t>
+        <a:bodyPr/>
+        <a:lstStyle/>
+        <a:p>
+          <a:endParaRPr lang="pt-BR"/>
+        </a:p>
+      </dgm:t>
     </dgm:pt>
     <dgm:pt modelId="{2487EB6F-DE81-4509-80D3-3047844600F3}" type="pres">
       <dgm:prSet presAssocID="{F5E45C32-85BB-467F-80E6-A808871E72F3}" presName="textNode" presStyleLbl="bgShp" presStyleIdx="1" presStyleCnt="3"/>
       <dgm:spPr/>
+      <dgm:t>
+        <a:bodyPr/>
+        <a:lstStyle/>
+        <a:p>
+          <a:endParaRPr lang="pt-BR"/>
+        </a:p>
+      </dgm:t>
     </dgm:pt>
     <dgm:pt modelId="{C2211325-8BBF-4C60-9ACA-1D2794FAABC8}" type="pres">
       <dgm:prSet presAssocID="{F5E45C32-85BB-467F-80E6-A808871E72F3}" presName="compChildNode" presStyleCnt="0"/>
@@ -3699,6 +3761,13 @@
         </dgm:presLayoutVars>
       </dgm:prSet>
       <dgm:spPr/>
+      <dgm:t>
+        <a:bodyPr/>
+        <a:lstStyle/>
+        <a:p>
+          <a:endParaRPr lang="pt-BR"/>
+        </a:p>
+      </dgm:t>
     </dgm:pt>
     <dgm:pt modelId="{5042C203-E2AD-404F-8812-509816C4E958}" type="pres">
       <dgm:prSet presAssocID="{6193ECAA-3925-487F-ADF8-CE1362754FFF}" presName="aSpace2" presStyleCnt="0"/>
@@ -3711,6 +3780,13 @@
         </dgm:presLayoutVars>
       </dgm:prSet>
       <dgm:spPr/>
+      <dgm:t>
+        <a:bodyPr/>
+        <a:lstStyle/>
+        <a:p>
+          <a:endParaRPr lang="pt-BR"/>
+        </a:p>
+      </dgm:t>
     </dgm:pt>
     <dgm:pt modelId="{65D41FCB-5001-4299-9765-BE56D2DEF053}" type="pres">
       <dgm:prSet presAssocID="{F5E45C32-85BB-467F-80E6-A808871E72F3}" presName="aSpace" presStyleCnt="0"/>
@@ -3723,10 +3799,24 @@
     <dgm:pt modelId="{130190B9-3428-446B-8176-00379A67F502}" type="pres">
       <dgm:prSet presAssocID="{FF80DD60-F68F-431A-AFAE-23704FE1B108}" presName="aNode" presStyleLbl="bgShp" presStyleIdx="2" presStyleCnt="3"/>
       <dgm:spPr/>
+      <dgm:t>
+        <a:bodyPr/>
+        <a:lstStyle/>
+        <a:p>
+          <a:endParaRPr lang="pt-BR"/>
+        </a:p>
+      </dgm:t>
     </dgm:pt>
     <dgm:pt modelId="{501DAC77-1BBA-45FD-BF6B-1ED15377F1A6}" type="pres">
       <dgm:prSet presAssocID="{FF80DD60-F68F-431A-AFAE-23704FE1B108}" presName="textNode" presStyleLbl="bgShp" presStyleIdx="2" presStyleCnt="3"/>
       <dgm:spPr/>
+      <dgm:t>
+        <a:bodyPr/>
+        <a:lstStyle/>
+        <a:p>
+          <a:endParaRPr lang="pt-BR"/>
+        </a:p>
+      </dgm:t>
     </dgm:pt>
     <dgm:pt modelId="{961D41AD-7CC2-4FD9-9E70-F2994CFCD540}" type="pres">
       <dgm:prSet presAssocID="{FF80DD60-F68F-431A-AFAE-23704FE1B108}" presName="compChildNode" presStyleCnt="0"/>
@@ -3743,6 +3833,13 @@
         </dgm:presLayoutVars>
       </dgm:prSet>
       <dgm:spPr/>
+      <dgm:t>
+        <a:bodyPr/>
+        <a:lstStyle/>
+        <a:p>
+          <a:endParaRPr lang="pt-BR"/>
+        </a:p>
+      </dgm:t>
     </dgm:pt>
     <dgm:pt modelId="{AC0DD7DC-3B42-48D8-A1BA-88D01627AD9F}" type="pres">
       <dgm:prSet presAssocID="{8665C39E-B30E-4258-BEA9-83E0F7084606}" presName="aSpace2" presStyleCnt="0"/>
@@ -3755,37 +3852,44 @@
         </dgm:presLayoutVars>
       </dgm:prSet>
       <dgm:spPr/>
+      <dgm:t>
+        <a:bodyPr/>
+        <a:lstStyle/>
+        <a:p>
+          <a:endParaRPr lang="pt-BR"/>
+        </a:p>
+      </dgm:t>
     </dgm:pt>
   </dgm:ptLst>
   <dgm:cxnLst>
+    <dgm:cxn modelId="{696FC290-58F8-4B0A-B325-8A4CDCEFC93C}" srcId="{DF4857E7-5C40-4E4D-8F9E-0F40BE240B2F}" destId="{0F9F144E-5A69-4079-9CFE-833FB141B5B7}" srcOrd="0" destOrd="0" parTransId="{5295059C-89BD-48FC-9FB0-63BD38C2AF52}" sibTransId="{FAB8FA54-A1F3-488D-B823-07CCB71E4D44}"/>
+    <dgm:cxn modelId="{81122AFC-C18F-4D00-B021-C69D246C3B29}" srcId="{6193ECAA-3925-487F-ADF8-CE1362754FFF}" destId="{C6030D44-1D58-425E-A9C6-5826B22A588C}" srcOrd="0" destOrd="0" parTransId="{D1CDDA60-69C8-45B0-A1E0-88127CAF2E60}" sibTransId="{35003531-3F0E-4C91-8130-66352D0F9892}"/>
+    <dgm:cxn modelId="{8D6B5497-475C-46A9-805D-510F815F9B98}" srcId="{FF80DD60-F68F-431A-AFAE-23704FE1B108}" destId="{8665C39E-B30E-4258-BEA9-83E0F7084606}" srcOrd="0" destOrd="0" parTransId="{8211EBE3-1C93-4CFB-BBEE-7A708996ED07}" sibTransId="{6779ED75-3327-4C98-9C89-1343058D49BC}"/>
+    <dgm:cxn modelId="{D5B8713A-7AB9-4B9D-94BC-9EB06B8CF608}" srcId="{32074760-1CE6-4EA9-A667-33C7E19C2D94}" destId="{150A7F6B-E7C8-4660-A09E-8BFA9EEDAC43}" srcOrd="0" destOrd="0" parTransId="{0F39669D-26CF-4B43-8C6F-5D64B207982B}" sibTransId="{18FD9C15-31FF-4653-AA19-F99872C005E9}"/>
+    <dgm:cxn modelId="{8C87AF1D-41C1-4D54-A8FA-8427366CFBFB}" type="presOf" srcId="{6193ECAA-3925-487F-ADF8-CE1362754FFF}" destId="{5CE69C38-1462-4F71-A252-F397C9008295}" srcOrd="0" destOrd="0" presId="urn:microsoft.com/office/officeart/2005/8/layout/lProcess2"/>
+    <dgm:cxn modelId="{229B57D8-BCD1-4FA5-A9CD-A56DF43D054F}" type="presOf" srcId="{8665C39E-B30E-4258-BEA9-83E0F7084606}" destId="{85B657F5-5C9C-42F8-A245-10BA7A824404}" srcOrd="0" destOrd="0" presId="urn:microsoft.com/office/officeart/2005/8/layout/lProcess2"/>
+    <dgm:cxn modelId="{CE0DD4B1-A518-4694-A918-5017A68D4682}" type="presOf" srcId="{3A6F3701-816C-4FDF-858A-ACC6E0FE5F4D}" destId="{BCB399A1-FCCC-424D-B0D1-A136F42E324E}" srcOrd="0" destOrd="0" presId="urn:microsoft.com/office/officeart/2005/8/layout/lProcess2"/>
+    <dgm:cxn modelId="{82CBC6DA-D930-4DE5-B21B-9C8CA9BA15A6}" type="presOf" srcId="{32074760-1CE6-4EA9-A667-33C7E19C2D94}" destId="{A8FD0D76-AFC6-4802-9090-E980FDBECC91}" srcOrd="0" destOrd="0" presId="urn:microsoft.com/office/officeart/2005/8/layout/lProcess2"/>
+    <dgm:cxn modelId="{E1BE2929-9C60-4BA6-A4E6-C69A2D7786F5}" type="presOf" srcId="{C6030D44-1D58-425E-A9C6-5826B22A588C}" destId="{5CE69C38-1462-4F71-A252-F397C9008295}" srcOrd="0" destOrd="1" presId="urn:microsoft.com/office/officeart/2005/8/layout/lProcess2"/>
+    <dgm:cxn modelId="{00C27375-5C95-49F4-B248-AEB70147CA62}" type="presOf" srcId="{F5E45C32-85BB-467F-80E6-A808871E72F3}" destId="{E7B9CF75-AF6A-4290-854A-077BB9A2D77C}" srcOrd="0" destOrd="0" presId="urn:microsoft.com/office/officeart/2005/8/layout/lProcess2"/>
+    <dgm:cxn modelId="{FA16C23C-5596-42A1-981A-487742CF3BBD}" srcId="{F5E45C32-85BB-467F-80E6-A808871E72F3}" destId="{6193ECAA-3925-487F-ADF8-CE1362754FFF}" srcOrd="0" destOrd="0" parTransId="{CA95F830-F096-4B8A-8E76-097EF46A4F44}" sibTransId="{4C2F44CE-5AB4-4FFE-B037-FFB0E3B4A7EB}"/>
+    <dgm:cxn modelId="{792FB76A-389C-45B7-8308-227DADB5CF70}" srcId="{0F9F144E-5A69-4079-9CFE-833FB141B5B7}" destId="{32074760-1CE6-4EA9-A667-33C7E19C2D94}" srcOrd="0" destOrd="0" parTransId="{41FFA3F1-CAF6-4B0C-90FB-AAF097D8C840}" sibTransId="{66E711EC-17A3-40E0-B60B-5A2F466C9D11}"/>
+    <dgm:cxn modelId="{F90FFCCE-F9D6-4DA8-8321-2C346B05C070}" type="presOf" srcId="{FF80DD60-F68F-431A-AFAE-23704FE1B108}" destId="{501DAC77-1BBA-45FD-BF6B-1ED15377F1A6}" srcOrd="1" destOrd="0" presId="urn:microsoft.com/office/officeart/2005/8/layout/lProcess2"/>
+    <dgm:cxn modelId="{56B67DB3-E094-447D-8B0E-8B3CD943BEEE}" type="presOf" srcId="{150A7F6B-E7C8-4660-A09E-8BFA9EEDAC43}" destId="{A8FD0D76-AFC6-4802-9090-E980FDBECC91}" srcOrd="0" destOrd="1" presId="urn:microsoft.com/office/officeart/2005/8/layout/lProcess2"/>
+    <dgm:cxn modelId="{3D61257B-F928-463A-8D9E-CDB39FE3796E}" srcId="{0F9F144E-5A69-4079-9CFE-833FB141B5B7}" destId="{3A6F3701-816C-4FDF-858A-ACC6E0FE5F4D}" srcOrd="1" destOrd="0" parTransId="{C65A2EBC-1747-4EFE-A451-3D2522BBE896}" sibTransId="{37293601-3929-4FFB-8E26-8B57DDF52B55}"/>
+    <dgm:cxn modelId="{A05DCCAE-2FE9-49DC-AEA3-E6431711855A}" srcId="{DF4857E7-5C40-4E4D-8F9E-0F40BE240B2F}" destId="{FF80DD60-F68F-431A-AFAE-23704FE1B108}" srcOrd="2" destOrd="0" parTransId="{C681F97E-0B0A-4818-B0F7-591D3572DC7A}" sibTransId="{97F2CE1F-B787-4712-B3FC-01BF37B1C2E4}"/>
+    <dgm:cxn modelId="{C3F684FE-A0E7-411B-A303-2C8155B38D48}" srcId="{DF4857E7-5C40-4E4D-8F9E-0F40BE240B2F}" destId="{F5E45C32-85BB-467F-80E6-A808871E72F3}" srcOrd="1" destOrd="0" parTransId="{FAB096C4-43F1-4FB0-A740-B5A33490B558}" sibTransId="{F29CEF7E-7A2A-457D-9BE3-75C08A423C81}"/>
+    <dgm:cxn modelId="{F0533D33-58B4-4C63-B28D-2827656CCEBF}" type="presOf" srcId="{C3874983-3B60-4219-9662-91CBECD9E084}" destId="{ACCF1AAF-D5D3-4C9A-A889-7895A8A16D7C}" srcOrd="0" destOrd="0" presId="urn:microsoft.com/office/officeart/2005/8/layout/lProcess2"/>
+    <dgm:cxn modelId="{C7F886A6-6197-4B53-8102-C0381FF4A304}" type="presOf" srcId="{A4D94469-D663-4D31-932B-502B82E9C70F}" destId="{9A6170BF-9622-4D2B-B7DB-32C968F42DB3}" srcOrd="0" destOrd="0" presId="urn:microsoft.com/office/officeart/2005/8/layout/lProcess2"/>
+    <dgm:cxn modelId="{A4BD921E-22FC-4059-A327-36A4F552A07E}" srcId="{F5E45C32-85BB-467F-80E6-A808871E72F3}" destId="{C3874983-3B60-4219-9662-91CBECD9E084}" srcOrd="1" destOrd="0" parTransId="{AA671F38-64CE-4670-821B-66B95074C811}" sibTransId="{219ED951-328B-4697-95A6-5EF16D43C24C}"/>
+    <dgm:cxn modelId="{8A35A3BF-7446-4E87-9D9C-4A26CC4FF252}" type="presOf" srcId="{0F9F144E-5A69-4079-9CFE-833FB141B5B7}" destId="{9046789A-6150-4534-817A-88A1F11F0BDA}" srcOrd="0" destOrd="0" presId="urn:microsoft.com/office/officeart/2005/8/layout/lProcess2"/>
     <dgm:cxn modelId="{93C0AD0C-76F6-4BDE-8558-D53CF9CD5753}" type="presOf" srcId="{F5E45C32-85BB-467F-80E6-A808871E72F3}" destId="{2487EB6F-DE81-4509-80D3-3047844600F3}" srcOrd="1" destOrd="0" presId="urn:microsoft.com/office/officeart/2005/8/layout/lProcess2"/>
-    <dgm:cxn modelId="{8C87AF1D-41C1-4D54-A8FA-8427366CFBFB}" type="presOf" srcId="{6193ECAA-3925-487F-ADF8-CE1362754FFF}" destId="{5CE69C38-1462-4F71-A252-F397C9008295}" srcOrd="0" destOrd="0" presId="urn:microsoft.com/office/officeart/2005/8/layout/lProcess2"/>
-    <dgm:cxn modelId="{A4BD921E-22FC-4059-A327-36A4F552A07E}" srcId="{F5E45C32-85BB-467F-80E6-A808871E72F3}" destId="{C3874983-3B60-4219-9662-91CBECD9E084}" srcOrd="1" destOrd="0" parTransId="{AA671F38-64CE-4670-821B-66B95074C811}" sibTransId="{219ED951-328B-4697-95A6-5EF16D43C24C}"/>
-    <dgm:cxn modelId="{E1BE2929-9C60-4BA6-A4E6-C69A2D7786F5}" type="presOf" srcId="{C6030D44-1D58-425E-A9C6-5826B22A588C}" destId="{5CE69C38-1462-4F71-A252-F397C9008295}" srcOrd="0" destOrd="1" presId="urn:microsoft.com/office/officeart/2005/8/layout/lProcess2"/>
-    <dgm:cxn modelId="{F0533D33-58B4-4C63-B28D-2827656CCEBF}" type="presOf" srcId="{C3874983-3B60-4219-9662-91CBECD9E084}" destId="{ACCF1AAF-D5D3-4C9A-A889-7895A8A16D7C}" srcOrd="0" destOrd="0" presId="urn:microsoft.com/office/officeart/2005/8/layout/lProcess2"/>
-    <dgm:cxn modelId="{D5B8713A-7AB9-4B9D-94BC-9EB06B8CF608}" srcId="{32074760-1CE6-4EA9-A667-33C7E19C2D94}" destId="{150A7F6B-E7C8-4660-A09E-8BFA9EEDAC43}" srcOrd="0" destOrd="0" parTransId="{0F39669D-26CF-4B43-8C6F-5D64B207982B}" sibTransId="{18FD9C15-31FF-4653-AA19-F99872C005E9}"/>
-    <dgm:cxn modelId="{FA16C23C-5596-42A1-981A-487742CF3BBD}" srcId="{F5E45C32-85BB-467F-80E6-A808871E72F3}" destId="{6193ECAA-3925-487F-ADF8-CE1362754FFF}" srcOrd="0" destOrd="0" parTransId="{CA95F830-F096-4B8A-8E76-097EF46A4F44}" sibTransId="{4C2F44CE-5AB4-4FFE-B037-FFB0E3B4A7EB}"/>
+    <dgm:cxn modelId="{1676E8B5-FD0E-4761-804B-51F91E5C57DC}" type="presOf" srcId="{385CE971-C1B9-4F65-93A4-C6A76C7897CF}" destId="{85B657F5-5C9C-42F8-A245-10BA7A824404}" srcOrd="0" destOrd="1" presId="urn:microsoft.com/office/officeart/2005/8/layout/lProcess2"/>
+    <dgm:cxn modelId="{DA2AFB9B-7259-4587-9179-0B91C6B79AC0}" srcId="{FF80DD60-F68F-431A-AFAE-23704FE1B108}" destId="{A4D94469-D663-4D31-932B-502B82E9C70F}" srcOrd="1" destOrd="0" parTransId="{A586A214-622D-4BFC-81CF-0EA2E53644FC}" sibTransId="{DA71BD4B-F18C-4AD5-A495-1DEAC85D62EB}"/>
+    <dgm:cxn modelId="{21C075B0-754C-4C7E-AB99-3EDCCC7391ED}" type="presOf" srcId="{DF4857E7-5C40-4E4D-8F9E-0F40BE240B2F}" destId="{4514D2E9-87FF-454C-A554-FD761A8568C7}" srcOrd="0" destOrd="0" presId="urn:microsoft.com/office/officeart/2005/8/layout/lProcess2"/>
+    <dgm:cxn modelId="{3E863CC5-F005-44F0-86EA-E462EE4A7346}" srcId="{8665C39E-B30E-4258-BEA9-83E0F7084606}" destId="{385CE971-C1B9-4F65-93A4-C6A76C7897CF}" srcOrd="0" destOrd="0" parTransId="{28E93A91-CFCF-485A-B53C-E97F86AD2091}" sibTransId="{1D34B5B9-751B-4772-AA14-6AA238CEB1FA}"/>
     <dgm:cxn modelId="{D6753E67-1F8E-42BB-B756-F0AB782619C6}" type="presOf" srcId="{0F9F144E-5A69-4079-9CFE-833FB141B5B7}" destId="{F032D9DC-6E96-4533-82F7-966FA94900AA}" srcOrd="1" destOrd="0" presId="urn:microsoft.com/office/officeart/2005/8/layout/lProcess2"/>
-    <dgm:cxn modelId="{792FB76A-389C-45B7-8308-227DADB5CF70}" srcId="{0F9F144E-5A69-4079-9CFE-833FB141B5B7}" destId="{32074760-1CE6-4EA9-A667-33C7E19C2D94}" srcOrd="0" destOrd="0" parTransId="{41FFA3F1-CAF6-4B0C-90FB-AAF097D8C840}" sibTransId="{66E711EC-17A3-40E0-B60B-5A2F466C9D11}"/>
     <dgm:cxn modelId="{73E0C54D-9BAD-4E71-BC87-2AA60B4DADEF}" type="presOf" srcId="{FF80DD60-F68F-431A-AFAE-23704FE1B108}" destId="{130190B9-3428-446B-8176-00379A67F502}" srcOrd="0" destOrd="0" presId="urn:microsoft.com/office/officeart/2005/8/layout/lProcess2"/>
-    <dgm:cxn modelId="{00C27375-5C95-49F4-B248-AEB70147CA62}" type="presOf" srcId="{F5E45C32-85BB-467F-80E6-A808871E72F3}" destId="{E7B9CF75-AF6A-4290-854A-077BB9A2D77C}" srcOrd="0" destOrd="0" presId="urn:microsoft.com/office/officeart/2005/8/layout/lProcess2"/>
-    <dgm:cxn modelId="{3D61257B-F928-463A-8D9E-CDB39FE3796E}" srcId="{0F9F144E-5A69-4079-9CFE-833FB141B5B7}" destId="{3A6F3701-816C-4FDF-858A-ACC6E0FE5F4D}" srcOrd="1" destOrd="0" parTransId="{C65A2EBC-1747-4EFE-A451-3D2522BBE896}" sibTransId="{37293601-3929-4FFB-8E26-8B57DDF52B55}"/>
-    <dgm:cxn modelId="{696FC290-58F8-4B0A-B325-8A4CDCEFC93C}" srcId="{DF4857E7-5C40-4E4D-8F9E-0F40BE240B2F}" destId="{0F9F144E-5A69-4079-9CFE-833FB141B5B7}" srcOrd="0" destOrd="0" parTransId="{5295059C-89BD-48FC-9FB0-63BD38C2AF52}" sibTransId="{FAB8FA54-A1F3-488D-B823-07CCB71E4D44}"/>
-    <dgm:cxn modelId="{8D6B5497-475C-46A9-805D-510F815F9B98}" srcId="{FF80DD60-F68F-431A-AFAE-23704FE1B108}" destId="{8665C39E-B30E-4258-BEA9-83E0F7084606}" srcOrd="0" destOrd="0" parTransId="{8211EBE3-1C93-4CFB-BBEE-7A708996ED07}" sibTransId="{6779ED75-3327-4C98-9C89-1343058D49BC}"/>
-    <dgm:cxn modelId="{DA2AFB9B-7259-4587-9179-0B91C6B79AC0}" srcId="{FF80DD60-F68F-431A-AFAE-23704FE1B108}" destId="{A4D94469-D663-4D31-932B-502B82E9C70F}" srcOrd="1" destOrd="0" parTransId="{A586A214-622D-4BFC-81CF-0EA2E53644FC}" sibTransId="{DA71BD4B-F18C-4AD5-A495-1DEAC85D62EB}"/>
-    <dgm:cxn modelId="{C7F886A6-6197-4B53-8102-C0381FF4A304}" type="presOf" srcId="{A4D94469-D663-4D31-932B-502B82E9C70F}" destId="{9A6170BF-9622-4D2B-B7DB-32C968F42DB3}" srcOrd="0" destOrd="0" presId="urn:microsoft.com/office/officeart/2005/8/layout/lProcess2"/>
-    <dgm:cxn modelId="{A05DCCAE-2FE9-49DC-AEA3-E6431711855A}" srcId="{DF4857E7-5C40-4E4D-8F9E-0F40BE240B2F}" destId="{FF80DD60-F68F-431A-AFAE-23704FE1B108}" srcOrd="2" destOrd="0" parTransId="{C681F97E-0B0A-4818-B0F7-591D3572DC7A}" sibTransId="{97F2CE1F-B787-4712-B3FC-01BF37B1C2E4}"/>
-    <dgm:cxn modelId="{21C075B0-754C-4C7E-AB99-3EDCCC7391ED}" type="presOf" srcId="{DF4857E7-5C40-4E4D-8F9E-0F40BE240B2F}" destId="{4514D2E9-87FF-454C-A554-FD761A8568C7}" srcOrd="0" destOrd="0" presId="urn:microsoft.com/office/officeart/2005/8/layout/lProcess2"/>
-    <dgm:cxn modelId="{CE0DD4B1-A518-4694-A918-5017A68D4682}" type="presOf" srcId="{3A6F3701-816C-4FDF-858A-ACC6E0FE5F4D}" destId="{BCB399A1-FCCC-424D-B0D1-A136F42E324E}" srcOrd="0" destOrd="0" presId="urn:microsoft.com/office/officeart/2005/8/layout/lProcess2"/>
-    <dgm:cxn modelId="{56B67DB3-E094-447D-8B0E-8B3CD943BEEE}" type="presOf" srcId="{150A7F6B-E7C8-4660-A09E-8BFA9EEDAC43}" destId="{A8FD0D76-AFC6-4802-9090-E980FDBECC91}" srcOrd="0" destOrd="1" presId="urn:microsoft.com/office/officeart/2005/8/layout/lProcess2"/>
-    <dgm:cxn modelId="{1676E8B5-FD0E-4761-804B-51F91E5C57DC}" type="presOf" srcId="{385CE971-C1B9-4F65-93A4-C6A76C7897CF}" destId="{85B657F5-5C9C-42F8-A245-10BA7A824404}" srcOrd="0" destOrd="1" presId="urn:microsoft.com/office/officeart/2005/8/layout/lProcess2"/>
-    <dgm:cxn modelId="{8A35A3BF-7446-4E87-9D9C-4A26CC4FF252}" type="presOf" srcId="{0F9F144E-5A69-4079-9CFE-833FB141B5B7}" destId="{9046789A-6150-4534-817A-88A1F11F0BDA}" srcOrd="0" destOrd="0" presId="urn:microsoft.com/office/officeart/2005/8/layout/lProcess2"/>
-    <dgm:cxn modelId="{3E863CC5-F005-44F0-86EA-E462EE4A7346}" srcId="{8665C39E-B30E-4258-BEA9-83E0F7084606}" destId="{385CE971-C1B9-4F65-93A4-C6A76C7897CF}" srcOrd="0" destOrd="0" parTransId="{28E93A91-CFCF-485A-B53C-E97F86AD2091}" sibTransId="{1D34B5B9-751B-4772-AA14-6AA238CEB1FA}"/>
-    <dgm:cxn modelId="{F90FFCCE-F9D6-4DA8-8321-2C346B05C070}" type="presOf" srcId="{FF80DD60-F68F-431A-AFAE-23704FE1B108}" destId="{501DAC77-1BBA-45FD-BF6B-1ED15377F1A6}" srcOrd="1" destOrd="0" presId="urn:microsoft.com/office/officeart/2005/8/layout/lProcess2"/>
-    <dgm:cxn modelId="{229B57D8-BCD1-4FA5-A9CD-A56DF43D054F}" type="presOf" srcId="{8665C39E-B30E-4258-BEA9-83E0F7084606}" destId="{85B657F5-5C9C-42F8-A245-10BA7A824404}" srcOrd="0" destOrd="0" presId="urn:microsoft.com/office/officeart/2005/8/layout/lProcess2"/>
-    <dgm:cxn modelId="{82CBC6DA-D930-4DE5-B21B-9C8CA9BA15A6}" type="presOf" srcId="{32074760-1CE6-4EA9-A667-33C7E19C2D94}" destId="{A8FD0D76-AFC6-4802-9090-E980FDBECC91}" srcOrd="0" destOrd="0" presId="urn:microsoft.com/office/officeart/2005/8/layout/lProcess2"/>
-    <dgm:cxn modelId="{81122AFC-C18F-4D00-B021-C69D246C3B29}" srcId="{6193ECAA-3925-487F-ADF8-CE1362754FFF}" destId="{C6030D44-1D58-425E-A9C6-5826B22A588C}" srcOrd="0" destOrd="0" parTransId="{D1CDDA60-69C8-45B0-A1E0-88127CAF2E60}" sibTransId="{35003531-3F0E-4C91-8130-66352D0F9892}"/>
-    <dgm:cxn modelId="{C3F684FE-A0E7-411B-A303-2C8155B38D48}" srcId="{DF4857E7-5C40-4E4D-8F9E-0F40BE240B2F}" destId="{F5E45C32-85BB-467F-80E6-A808871E72F3}" srcOrd="1" destOrd="0" parTransId="{FAB096C4-43F1-4FB0-A740-B5A33490B558}" sibTransId="{F29CEF7E-7A2A-457D-9BE3-75C08A423C81}"/>
     <dgm:cxn modelId="{738699B6-4C95-4386-9DB1-8D37DAC004E6}" type="presParOf" srcId="{4514D2E9-87FF-454C-A554-FD761A8568C7}" destId="{D7F4306A-6D29-4C14-BF5D-EE8CBCC47C9B}" srcOrd="0" destOrd="0" presId="urn:microsoft.com/office/officeart/2005/8/layout/lProcess2"/>
     <dgm:cxn modelId="{C3F4902C-9BC3-4F96-BA69-3306411F40D5}" type="presParOf" srcId="{D7F4306A-6D29-4C14-BF5D-EE8CBCC47C9B}" destId="{9046789A-6150-4534-817A-88A1F11F0BDA}" srcOrd="0" destOrd="0" presId="urn:microsoft.com/office/officeart/2005/8/layout/lProcess2"/>
     <dgm:cxn modelId="{CF83D5CD-70C1-467B-A5F8-BB6874B2AB9A}" type="presParOf" srcId="{D7F4306A-6D29-4C14-BF5D-EE8CBCC47C9B}" destId="{F032D9DC-6E96-4533-82F7-966FA94900AA}" srcOrd="1" destOrd="0" presId="urn:microsoft.com/office/officeart/2005/8/layout/lProcess2"/>
@@ -3817,7 +3921,7 @@
   <dgm:whole/>
   <dgm:extLst>
     <a:ext uri="http://schemas.microsoft.com/office/drawing/2008/diagram">
-      <dsp:dataModelExt xmlns:dsp="http://schemas.microsoft.com/office/drawing/2008/diagram" relId="rId7" minVer="http://schemas.openxmlformats.org/drawingml/2006/diagram"/>
+      <dsp:dataModelExt xmlns:dsp="http://schemas.microsoft.com/office/drawing/2008/diagram" xmlns="" relId="rId7" minVer="http://schemas.openxmlformats.org/drawingml/2006/diagram"/>
     </a:ext>
   </dgm:extLst>
 </dgm:dataModel>
@@ -3944,7 +4048,7 @@
           </a:r>
           <a:r>
             <a:rPr lang="en-US" dirty="0" err="1"/>
-            <a:t>atenção</a:t>
+            <a:t>atençao</a:t>
           </a:r>
           <a:endParaRPr lang="en-US" dirty="0"/>
         </a:p>
@@ -4064,6 +4168,13 @@
         </dgm:presLayoutVars>
       </dgm:prSet>
       <dgm:spPr/>
+      <dgm:t>
+        <a:bodyPr/>
+        <a:lstStyle/>
+        <a:p>
+          <a:endParaRPr lang="pt-BR"/>
+        </a:p>
+      </dgm:t>
     </dgm:pt>
     <dgm:pt modelId="{15D2A743-BCDF-4107-9E12-5EC4F7CB5015}" type="pres">
       <dgm:prSet presAssocID="{04BAECBD-EAC3-42C3-B1A1-B0F1280FE588}" presName="matrix" presStyleCnt="0"/>
@@ -4072,6 +4183,13 @@
     <dgm:pt modelId="{0202FEB9-030F-474D-9086-B37350BF6637}" type="pres">
       <dgm:prSet presAssocID="{04BAECBD-EAC3-42C3-B1A1-B0F1280FE588}" presName="tile1" presStyleLbl="node1" presStyleIdx="0" presStyleCnt="4"/>
       <dgm:spPr/>
+      <dgm:t>
+        <a:bodyPr/>
+        <a:lstStyle/>
+        <a:p>
+          <a:endParaRPr lang="pt-BR"/>
+        </a:p>
+      </dgm:t>
     </dgm:pt>
     <dgm:pt modelId="{6C21A9B9-6F4C-4C6C-8C1D-B8347607CBBF}" type="pres">
       <dgm:prSet presAssocID="{04BAECBD-EAC3-42C3-B1A1-B0F1280FE588}" presName="tile1text" presStyleLbl="node1" presStyleIdx="0" presStyleCnt="4">
@@ -4082,10 +4200,24 @@
         </dgm:presLayoutVars>
       </dgm:prSet>
       <dgm:spPr/>
+      <dgm:t>
+        <a:bodyPr/>
+        <a:lstStyle/>
+        <a:p>
+          <a:endParaRPr lang="pt-BR"/>
+        </a:p>
+      </dgm:t>
     </dgm:pt>
     <dgm:pt modelId="{D26D49CA-3EF3-4CE7-A70D-82F5939BEA74}" type="pres">
       <dgm:prSet presAssocID="{04BAECBD-EAC3-42C3-B1A1-B0F1280FE588}" presName="tile2" presStyleLbl="node1" presStyleIdx="1" presStyleCnt="4"/>
       <dgm:spPr/>
+      <dgm:t>
+        <a:bodyPr/>
+        <a:lstStyle/>
+        <a:p>
+          <a:endParaRPr lang="pt-BR"/>
+        </a:p>
+      </dgm:t>
     </dgm:pt>
     <dgm:pt modelId="{49A753AC-7B38-4C5F-BB70-F08048C03959}" type="pres">
       <dgm:prSet presAssocID="{04BAECBD-EAC3-42C3-B1A1-B0F1280FE588}" presName="tile2text" presStyleLbl="node1" presStyleIdx="1" presStyleCnt="4">
@@ -4096,10 +4228,24 @@
         </dgm:presLayoutVars>
       </dgm:prSet>
       <dgm:spPr/>
+      <dgm:t>
+        <a:bodyPr/>
+        <a:lstStyle/>
+        <a:p>
+          <a:endParaRPr lang="pt-BR"/>
+        </a:p>
+      </dgm:t>
     </dgm:pt>
     <dgm:pt modelId="{5B55CDAA-4F0C-4355-9200-B28969140EBE}" type="pres">
       <dgm:prSet presAssocID="{04BAECBD-EAC3-42C3-B1A1-B0F1280FE588}" presName="tile3" presStyleLbl="node1" presStyleIdx="2" presStyleCnt="4"/>
       <dgm:spPr/>
+      <dgm:t>
+        <a:bodyPr/>
+        <a:lstStyle/>
+        <a:p>
+          <a:endParaRPr lang="pt-BR"/>
+        </a:p>
+      </dgm:t>
     </dgm:pt>
     <dgm:pt modelId="{4B89FDC0-78D8-4697-AE89-B7E68E4AF439}" type="pres">
       <dgm:prSet presAssocID="{04BAECBD-EAC3-42C3-B1A1-B0F1280FE588}" presName="tile3text" presStyleLbl="node1" presStyleIdx="2" presStyleCnt="4">
@@ -4110,10 +4256,24 @@
         </dgm:presLayoutVars>
       </dgm:prSet>
       <dgm:spPr/>
+      <dgm:t>
+        <a:bodyPr/>
+        <a:lstStyle/>
+        <a:p>
+          <a:endParaRPr lang="pt-BR"/>
+        </a:p>
+      </dgm:t>
     </dgm:pt>
     <dgm:pt modelId="{04A31A83-F6D9-42BA-BB07-D368B1CE30F9}" type="pres">
       <dgm:prSet presAssocID="{04BAECBD-EAC3-42C3-B1A1-B0F1280FE588}" presName="tile4" presStyleLbl="node1" presStyleIdx="3" presStyleCnt="4"/>
       <dgm:spPr/>
+      <dgm:t>
+        <a:bodyPr/>
+        <a:lstStyle/>
+        <a:p>
+          <a:endParaRPr lang="pt-BR"/>
+        </a:p>
+      </dgm:t>
     </dgm:pt>
     <dgm:pt modelId="{C646D68E-034A-4CB5-90E5-85AF94844E03}" type="pres">
       <dgm:prSet presAssocID="{04BAECBD-EAC3-42C3-B1A1-B0F1280FE588}" presName="tile4text" presStyleLbl="node1" presStyleIdx="3" presStyleCnt="4">
@@ -4124,6 +4284,13 @@
         </dgm:presLayoutVars>
       </dgm:prSet>
       <dgm:spPr/>
+      <dgm:t>
+        <a:bodyPr/>
+        <a:lstStyle/>
+        <a:p>
+          <a:endParaRPr lang="pt-BR"/>
+        </a:p>
+      </dgm:t>
     </dgm:pt>
     <dgm:pt modelId="{0980C602-BC7A-404B-8179-8AC73415C41C}" type="pres">
       <dgm:prSet presAssocID="{04BAECBD-EAC3-42C3-B1A1-B0F1280FE588}" presName="centerTile" presStyleLbl="fgShp" presStyleIdx="0" presStyleCnt="1">
@@ -4133,24 +4300,31 @@
         </dgm:presLayoutVars>
       </dgm:prSet>
       <dgm:spPr/>
+      <dgm:t>
+        <a:bodyPr/>
+        <a:lstStyle/>
+        <a:p>
+          <a:endParaRPr lang="pt-BR"/>
+        </a:p>
+      </dgm:t>
     </dgm:pt>
   </dgm:ptLst>
   <dgm:cxnLst>
+    <dgm:cxn modelId="{697F8082-09A4-4C00-BB07-AB59591253E9}" type="presOf" srcId="{F241EF89-A9AD-4D8F-BD75-7B6723D93802}" destId="{6C21A9B9-6F4C-4C6C-8C1D-B8347607CBBF}" srcOrd="1" destOrd="0" presId="urn:microsoft.com/office/officeart/2005/8/layout/matrix1"/>
+    <dgm:cxn modelId="{095386E9-6FF1-48BF-AF2A-FEAFDF07F73D}" type="presOf" srcId="{04BAECBD-EAC3-42C3-B1A1-B0F1280FE588}" destId="{C687D2B2-5103-4D1C-BB97-3F4940885AE3}" srcOrd="0" destOrd="0" presId="urn:microsoft.com/office/officeart/2005/8/layout/matrix1"/>
+    <dgm:cxn modelId="{98EC08E2-C10A-4F0F-8F7F-5557EAB2027A}" srcId="{04BAECBD-EAC3-42C3-B1A1-B0F1280FE588}" destId="{EDC35FAB-AD21-4A4D-9157-B370E606C4F0}" srcOrd="0" destOrd="0" parTransId="{C8079A88-CC87-437A-8F9C-D72AB9AF562D}" sibTransId="{CA1304C5-0F2F-46BE-8D26-942B4EE30A2C}"/>
+    <dgm:cxn modelId="{891CDBB2-436D-4193-AD22-D82C25CF6E29}" type="presOf" srcId="{2BAADFEC-ADB8-467C-976E-15BE89FEF345}" destId="{49A753AC-7B38-4C5F-BB70-F08048C03959}" srcOrd="1" destOrd="0" presId="urn:microsoft.com/office/officeart/2005/8/layout/matrix1"/>
+    <dgm:cxn modelId="{E8C1E630-1421-4EAA-82C8-7238184BEF0A}" srcId="{EDC35FAB-AD21-4A4D-9157-B370E606C4F0}" destId="{F241EF89-A9AD-4D8F-BD75-7B6723D93802}" srcOrd="0" destOrd="0" parTransId="{B7DBA108-72C6-4FA2-80B9-84F7545FB0B7}" sibTransId="{FEC54BAA-AD57-42CE-A26B-BCE1DE9FB73D}"/>
+    <dgm:cxn modelId="{B6F1AC4C-FD0F-4D18-928B-0AB23D01D496}" type="presOf" srcId="{9C66A9DF-518E-422E-9616-BB68249BE8EF}" destId="{5B55CDAA-4F0C-4355-9200-B28969140EBE}" srcOrd="0" destOrd="0" presId="urn:microsoft.com/office/officeart/2005/8/layout/matrix1"/>
+    <dgm:cxn modelId="{63A63AA7-7D90-4855-9D27-01DD3118D926}" type="presOf" srcId="{51838212-B3E9-48CF-A546-10CF1BD29689}" destId="{C646D68E-034A-4CB5-90E5-85AF94844E03}" srcOrd="1" destOrd="0" presId="urn:microsoft.com/office/officeart/2005/8/layout/matrix1"/>
+    <dgm:cxn modelId="{D5847A77-1140-475E-9F71-B095D08255F6}" srcId="{EDC35FAB-AD21-4A4D-9157-B370E606C4F0}" destId="{2BAADFEC-ADB8-467C-976E-15BE89FEF345}" srcOrd="1" destOrd="0" parTransId="{34040423-BE1A-44A0-813A-064CE0520268}" sibTransId="{FF50F328-8C3A-4803-A236-2185706126AB}"/>
     <dgm:cxn modelId="{8AA2282A-AA21-4E60-809C-7DBFFF2B6E15}" srcId="{EDC35FAB-AD21-4A4D-9157-B370E606C4F0}" destId="{51838212-B3E9-48CF-A546-10CF1BD29689}" srcOrd="3" destOrd="0" parTransId="{8FA1A25D-1EB4-4C96-9B34-445ED721C346}" sibTransId="{7DC5DCCF-4A8A-4572-AE62-37FA4039DC73}"/>
-    <dgm:cxn modelId="{E8C1E630-1421-4EAA-82C8-7238184BEF0A}" srcId="{EDC35FAB-AD21-4A4D-9157-B370E606C4F0}" destId="{F241EF89-A9AD-4D8F-BD75-7B6723D93802}" srcOrd="0" destOrd="0" parTransId="{B7DBA108-72C6-4FA2-80B9-84F7545FB0B7}" sibTransId="{FEC54BAA-AD57-42CE-A26B-BCE1DE9FB73D}"/>
+    <dgm:cxn modelId="{2C12EC82-4013-43EE-A510-5C496AD16592}" type="presOf" srcId="{51838212-B3E9-48CF-A546-10CF1BD29689}" destId="{04A31A83-F6D9-42BA-BB07-D368B1CE30F9}" srcOrd="0" destOrd="0" presId="urn:microsoft.com/office/officeart/2005/8/layout/matrix1"/>
+    <dgm:cxn modelId="{8217A547-81E1-4D50-A374-905EFD3C0DDA}" type="presOf" srcId="{9C66A9DF-518E-422E-9616-BB68249BE8EF}" destId="{4B89FDC0-78D8-4697-AE89-B7E68E4AF439}" srcOrd="1" destOrd="0" presId="urn:microsoft.com/office/officeart/2005/8/layout/matrix1"/>
+    <dgm:cxn modelId="{AC5F05F0-EA36-413F-A024-F946E6A3951C}" type="presOf" srcId="{2BAADFEC-ADB8-467C-976E-15BE89FEF345}" destId="{D26D49CA-3EF3-4CE7-A70D-82F5939BEA74}" srcOrd="0" destOrd="0" presId="urn:microsoft.com/office/officeart/2005/8/layout/matrix1"/>
+    <dgm:cxn modelId="{A246007A-7996-429F-8F0D-C6A1D06AF97D}" srcId="{EDC35FAB-AD21-4A4D-9157-B370E606C4F0}" destId="{9C66A9DF-518E-422E-9616-BB68249BE8EF}" srcOrd="2" destOrd="0" parTransId="{B3074230-D665-463C-A8FD-C1B197D5C01B}" sibTransId="{4CB8282C-253A-4A7B-8A91-7BAA9874EB47}"/>
     <dgm:cxn modelId="{80D5BC43-CCAA-4CF1-8C48-7F63C7235139}" type="presOf" srcId="{F241EF89-A9AD-4D8F-BD75-7B6723D93802}" destId="{0202FEB9-030F-474D-9086-B37350BF6637}" srcOrd="0" destOrd="0" presId="urn:microsoft.com/office/officeart/2005/8/layout/matrix1"/>
-    <dgm:cxn modelId="{8217A547-81E1-4D50-A374-905EFD3C0DDA}" type="presOf" srcId="{9C66A9DF-518E-422E-9616-BB68249BE8EF}" destId="{4B89FDC0-78D8-4697-AE89-B7E68E4AF439}" srcOrd="1" destOrd="0" presId="urn:microsoft.com/office/officeart/2005/8/layout/matrix1"/>
     <dgm:cxn modelId="{67BFEA4B-50A8-4B35-B561-5750439D4274}" type="presOf" srcId="{EDC35FAB-AD21-4A4D-9157-B370E606C4F0}" destId="{0980C602-BC7A-404B-8179-8AC73415C41C}" srcOrd="0" destOrd="0" presId="urn:microsoft.com/office/officeart/2005/8/layout/matrix1"/>
-    <dgm:cxn modelId="{B6F1AC4C-FD0F-4D18-928B-0AB23D01D496}" type="presOf" srcId="{9C66A9DF-518E-422E-9616-BB68249BE8EF}" destId="{5B55CDAA-4F0C-4355-9200-B28969140EBE}" srcOrd="0" destOrd="0" presId="urn:microsoft.com/office/officeart/2005/8/layout/matrix1"/>
-    <dgm:cxn modelId="{D5847A77-1140-475E-9F71-B095D08255F6}" srcId="{EDC35FAB-AD21-4A4D-9157-B370E606C4F0}" destId="{2BAADFEC-ADB8-467C-976E-15BE89FEF345}" srcOrd="1" destOrd="0" parTransId="{34040423-BE1A-44A0-813A-064CE0520268}" sibTransId="{FF50F328-8C3A-4803-A236-2185706126AB}"/>
-    <dgm:cxn modelId="{A246007A-7996-429F-8F0D-C6A1D06AF97D}" srcId="{EDC35FAB-AD21-4A4D-9157-B370E606C4F0}" destId="{9C66A9DF-518E-422E-9616-BB68249BE8EF}" srcOrd="2" destOrd="0" parTransId="{B3074230-D665-463C-A8FD-C1B197D5C01B}" sibTransId="{4CB8282C-253A-4A7B-8A91-7BAA9874EB47}"/>
-    <dgm:cxn modelId="{697F8082-09A4-4C00-BB07-AB59591253E9}" type="presOf" srcId="{F241EF89-A9AD-4D8F-BD75-7B6723D93802}" destId="{6C21A9B9-6F4C-4C6C-8C1D-B8347607CBBF}" srcOrd="1" destOrd="0" presId="urn:microsoft.com/office/officeart/2005/8/layout/matrix1"/>
-    <dgm:cxn modelId="{2C12EC82-4013-43EE-A510-5C496AD16592}" type="presOf" srcId="{51838212-B3E9-48CF-A546-10CF1BD29689}" destId="{04A31A83-F6D9-42BA-BB07-D368B1CE30F9}" srcOrd="0" destOrd="0" presId="urn:microsoft.com/office/officeart/2005/8/layout/matrix1"/>
-    <dgm:cxn modelId="{63A63AA7-7D90-4855-9D27-01DD3118D926}" type="presOf" srcId="{51838212-B3E9-48CF-A546-10CF1BD29689}" destId="{C646D68E-034A-4CB5-90E5-85AF94844E03}" srcOrd="1" destOrd="0" presId="urn:microsoft.com/office/officeart/2005/8/layout/matrix1"/>
-    <dgm:cxn modelId="{891CDBB2-436D-4193-AD22-D82C25CF6E29}" type="presOf" srcId="{2BAADFEC-ADB8-467C-976E-15BE89FEF345}" destId="{49A753AC-7B38-4C5F-BB70-F08048C03959}" srcOrd="1" destOrd="0" presId="urn:microsoft.com/office/officeart/2005/8/layout/matrix1"/>
-    <dgm:cxn modelId="{98EC08E2-C10A-4F0F-8F7F-5557EAB2027A}" srcId="{04BAECBD-EAC3-42C3-B1A1-B0F1280FE588}" destId="{EDC35FAB-AD21-4A4D-9157-B370E606C4F0}" srcOrd="0" destOrd="0" parTransId="{C8079A88-CC87-437A-8F9C-D72AB9AF562D}" sibTransId="{CA1304C5-0F2F-46BE-8D26-942B4EE30A2C}"/>
-    <dgm:cxn modelId="{095386E9-6FF1-48BF-AF2A-FEAFDF07F73D}" type="presOf" srcId="{04BAECBD-EAC3-42C3-B1A1-B0F1280FE588}" destId="{C687D2B2-5103-4D1C-BB97-3F4940885AE3}" srcOrd="0" destOrd="0" presId="urn:microsoft.com/office/officeart/2005/8/layout/matrix1"/>
-    <dgm:cxn modelId="{AC5F05F0-EA36-413F-A024-F946E6A3951C}" type="presOf" srcId="{2BAADFEC-ADB8-467C-976E-15BE89FEF345}" destId="{D26D49CA-3EF3-4CE7-A70D-82F5939BEA74}" srcOrd="0" destOrd="0" presId="urn:microsoft.com/office/officeart/2005/8/layout/matrix1"/>
     <dgm:cxn modelId="{C9CF6E2C-A91A-48B9-86E7-E23313FC9EF1}" type="presParOf" srcId="{C687D2B2-5103-4D1C-BB97-3F4940885AE3}" destId="{15D2A743-BCDF-4107-9E12-5EC4F7CB5015}" srcOrd="0" destOrd="0" presId="urn:microsoft.com/office/officeart/2005/8/layout/matrix1"/>
     <dgm:cxn modelId="{CE8C7FE9-57B4-424B-B859-C62C6D98E231}" type="presParOf" srcId="{15D2A743-BCDF-4107-9E12-5EC4F7CB5015}" destId="{0202FEB9-030F-474D-9086-B37350BF6637}" srcOrd="0" destOrd="0" presId="urn:microsoft.com/office/officeart/2005/8/layout/matrix1"/>
     <dgm:cxn modelId="{212FFF67-D40B-421B-B6EE-FFC83AE753D4}" type="presParOf" srcId="{15D2A743-BCDF-4107-9E12-5EC4F7CB5015}" destId="{6C21A9B9-6F4C-4C6C-8C1D-B8347607CBBF}" srcOrd="1" destOrd="0" presId="urn:microsoft.com/office/officeart/2005/8/layout/matrix1"/>
@@ -4166,14 +4340,14 @@
   <dgm:whole/>
   <dgm:extLst>
     <a:ext uri="http://schemas.microsoft.com/office/drawing/2008/diagram">
-      <dsp:dataModelExt xmlns:dsp="http://schemas.microsoft.com/office/drawing/2008/diagram" relId="rId7" minVer="http://schemas.openxmlformats.org/drawingml/2006/diagram"/>
+      <dsp:dataModelExt xmlns:dsp="http://schemas.microsoft.com/office/drawing/2008/diagram" xmlns="" relId="rId7" minVer="http://schemas.openxmlformats.org/drawingml/2006/diagram"/>
     </a:ext>
   </dgm:extLst>
 </dgm:dataModel>
 </file>
 
 <file path=ppt/diagrams/drawing1.xml><?xml version="1.0" encoding="utf-8"?>
-<dsp:drawing xmlns:dgm="http://schemas.openxmlformats.org/drawingml/2006/diagram" xmlns:dsp="http://schemas.microsoft.com/office/drawing/2008/diagram" xmlns:a="http://schemas.openxmlformats.org/drawingml/2006/main">
+<dsp:drawing xmlns:dgm="http://schemas.openxmlformats.org/drawingml/2006/diagram" xmlns:a="http://schemas.openxmlformats.org/drawingml/2006/main" xmlns:dsp="http://schemas.microsoft.com/office/drawing/2008/diagram">
   <dsp:spTree>
     <dsp:nvGrpSpPr>
       <dsp:cNvPr id="0" name=""/>
@@ -4227,7 +4401,7 @@
         </a:bodyPr>
         <a:lstStyle/>
         <a:p>
-          <a:pPr marL="0" lvl="0" indent="0" algn="ctr" defTabSz="1511300">
+          <a:pPr lvl="0" algn="ctr" defTabSz="1511300">
             <a:lnSpc>
               <a:spcPct val="90000"/>
             </a:lnSpc>
@@ -4237,7 +4411,6 @@
             <a:spcAft>
               <a:spcPct val="35000"/>
             </a:spcAft>
-            <a:buNone/>
           </a:pPr>
           <a:r>
             <a:rPr lang="en-US" sz="3400" kern="1200" dirty="0"/>
@@ -4310,7 +4483,7 @@
         </a:bodyPr>
         <a:lstStyle/>
         <a:p>
-          <a:pPr marL="0" lvl="0" indent="0" algn="l" defTabSz="933450">
+          <a:pPr lvl="0" algn="l" defTabSz="933450">
             <a:lnSpc>
               <a:spcPct val="90000"/>
             </a:lnSpc>
@@ -4320,7 +4493,6 @@
             <a:spcAft>
               <a:spcPct val="35000"/>
             </a:spcAft>
-            <a:buNone/>
           </a:pPr>
           <a:r>
             <a:rPr lang="en-US" sz="2100" kern="1200" dirty="0"/>
@@ -4338,7 +4510,7 @@
             <a:spcAft>
               <a:spcPct val="15000"/>
             </a:spcAft>
-            <a:buChar char="•"/>
+            <a:buChar char="••"/>
           </a:pPr>
           <a:r>
             <a:rPr lang="en-US" sz="1600" kern="1200" dirty="0"/>
@@ -4351,8 +4523,8 @@
         </a:p>
       </dsp:txBody>
       <dsp:txXfrm>
-        <a:off x="339414" y="1275909"/>
-        <a:ext cx="2341526" cy="1171597"/>
+        <a:off x="302964" y="1239459"/>
+        <a:ext cx="2414426" cy="1244497"/>
       </dsp:txXfrm>
     </dsp:sp>
     <dsp:sp modelId="{BCB399A1-FCCC-424D-B0D1-A136F42E324E}">
@@ -4411,7 +4583,7 @@
         </a:bodyPr>
         <a:lstStyle/>
         <a:p>
-          <a:pPr marL="0" lvl="0" indent="0" algn="ctr" defTabSz="933450">
+          <a:pPr lvl="0" algn="ctr" defTabSz="933450">
             <a:lnSpc>
               <a:spcPct val="90000"/>
             </a:lnSpc>
@@ -4421,26 +4593,25 @@
             <a:spcAft>
               <a:spcPct val="35000"/>
             </a:spcAft>
-            <a:buNone/>
           </a:pPr>
           <a:r>
-            <a:rPr lang="en-US" sz="2100" kern="1200" dirty="0" err="1"/>
+            <a:rPr lang="en-US" sz="2100" kern="1200" dirty="0" err="1" smtClean="0"/>
             <a:t>Dono</a:t>
           </a:r>
           <a:r>
-            <a:rPr lang="en-US" sz="2100" kern="1200" dirty="0"/>
+            <a:rPr lang="en-US" sz="2100" kern="1200" dirty="0" smtClean="0"/>
             <a:t> do </a:t>
           </a:r>
           <a:r>
-            <a:rPr lang="en-US" sz="2100" kern="1200" dirty="0" err="1"/>
+            <a:rPr lang="en-US" sz="2100" kern="1200" dirty="0" err="1" smtClean="0"/>
             <a:t>projeto</a:t>
           </a:r>
           <a:endParaRPr lang="en-US" sz="2100" kern="1200" dirty="0"/>
         </a:p>
       </dsp:txBody>
       <dsp:txXfrm>
-        <a:off x="339414" y="2711868"/>
-        <a:ext cx="2341526" cy="1171597"/>
+        <a:off x="302964" y="2675418"/>
+        <a:ext cx="2414426" cy="1244497"/>
       </dsp:txXfrm>
     </dsp:sp>
     <dsp:sp modelId="{E7B9CF75-AF6A-4290-854A-077BB9A2D77C}">
@@ -4490,7 +4661,7 @@
         </a:bodyPr>
         <a:lstStyle/>
         <a:p>
-          <a:pPr marL="0" lvl="0" indent="0" algn="ctr" defTabSz="1511300">
+          <a:pPr lvl="0" algn="ctr" defTabSz="1511300">
             <a:lnSpc>
               <a:spcPct val="90000"/>
             </a:lnSpc>
@@ -4500,7 +4671,6 @@
             <a:spcAft>
               <a:spcPct val="35000"/>
             </a:spcAft>
-            <a:buNone/>
           </a:pPr>
           <a:r>
             <a:rPr lang="en-US" sz="3400" kern="1200" dirty="0" err="1"/>
@@ -4573,7 +4743,7 @@
         </a:bodyPr>
         <a:lstStyle/>
         <a:p>
-          <a:pPr marL="0" lvl="0" indent="0" algn="l" defTabSz="933450">
+          <a:pPr lvl="0" algn="l" defTabSz="933450">
             <a:lnSpc>
               <a:spcPct val="90000"/>
             </a:lnSpc>
@@ -4583,7 +4753,6 @@
             <a:spcAft>
               <a:spcPct val="35000"/>
             </a:spcAft>
-            <a:buNone/>
           </a:pPr>
           <a:r>
             <a:rPr lang="en-US" sz="2100" kern="1200" dirty="0"/>
@@ -4601,7 +4770,7 @@
             <a:spcAft>
               <a:spcPct val="15000"/>
             </a:spcAft>
-            <a:buChar char="•"/>
+            <a:buChar char="••"/>
           </a:pPr>
           <a:r>
             <a:rPr lang="en-US" sz="1600" kern="1200" dirty="0"/>
@@ -4610,8 +4779,8 @@
         </a:p>
       </dsp:txBody>
       <dsp:txXfrm>
-        <a:off x="3583799" y="1275909"/>
-        <a:ext cx="2341526" cy="1171597"/>
+        <a:off x="3547349" y="1239459"/>
+        <a:ext cx="2414426" cy="1244497"/>
       </dsp:txXfrm>
     </dsp:sp>
     <dsp:sp modelId="{ACCF1AAF-D5D3-4C9A-A889-7895A8A16D7C}">
@@ -4670,7 +4839,7 @@
         </a:bodyPr>
         <a:lstStyle/>
         <a:p>
-          <a:pPr marL="0" lvl="0" indent="0" algn="ctr" defTabSz="933450">
+          <a:pPr lvl="0" algn="ctr" defTabSz="933450">
             <a:lnSpc>
               <a:spcPct val="90000"/>
             </a:lnSpc>
@@ -4680,53 +4849,53 @@
             <a:spcAft>
               <a:spcPct val="35000"/>
             </a:spcAft>
-            <a:buNone/>
           </a:pPr>
           <a:r>
-            <a:rPr lang="en-US" sz="2100" kern="1200" dirty="0" err="1"/>
+            <a:rPr lang="en-US" sz="2100" kern="1200" dirty="0" err="1" smtClean="0"/>
             <a:t>Representante</a:t>
           </a:r>
           <a:r>
-            <a:rPr lang="en-US" sz="2100" kern="1200" dirty="0"/>
+            <a:rPr lang="en-US" sz="2100" kern="1200" dirty="0" smtClean="0"/>
             <a:t> </a:t>
           </a:r>
           <a:r>
-            <a:rPr lang="en-US" sz="2100" kern="1200" dirty="0" err="1"/>
+            <a:rPr lang="en-US" sz="2100" kern="1200" dirty="0" err="1" smtClean="0"/>
             <a:t>da</a:t>
           </a:r>
           <a:r>
-            <a:rPr lang="en-US" sz="2100" kern="1200" dirty="0"/>
+            <a:rPr lang="en-US" sz="2100" kern="1200" dirty="0" smtClean="0"/>
             <a:t> </a:t>
           </a:r>
           <a:r>
-            <a:rPr lang="en-US" sz="2100" kern="1200" dirty="0" err="1"/>
+            <a:rPr lang="en-US" sz="2100" kern="1200" dirty="0" err="1" smtClean="0"/>
             <a:t>empresa</a:t>
           </a:r>
           <a:r>
-            <a:rPr lang="en-US" sz="2100" kern="1200" dirty="0"/>
+            <a:rPr lang="en-US" sz="2100" kern="1200" dirty="0" smtClean="0"/>
             <a:t> e </a:t>
           </a:r>
           <a:r>
-            <a:rPr lang="en-US" sz="2100" kern="1200" dirty="0" err="1"/>
+            <a:rPr lang="en-US" sz="2100" kern="1200" dirty="0" err="1" smtClean="0"/>
             <a:t>auxiliar</a:t>
           </a:r>
           <a:r>
-            <a:rPr lang="en-US" sz="2100" kern="1200" dirty="0"/>
+            <a:rPr lang="en-US" sz="2100" kern="1200" dirty="0" smtClean="0"/>
             <a:t> no </a:t>
           </a:r>
           <a:r>
-            <a:rPr lang="en-US" sz="2100" kern="1200" dirty="0" err="1"/>
+            <a:rPr lang="en-US" sz="2100" kern="1200" dirty="0" err="1" smtClean="0"/>
             <a:t>projeto</a:t>
           </a:r>
           <a:r>
-            <a:rPr lang="en-US" sz="2100" kern="1200" dirty="0"/>
+            <a:rPr lang="en-US" sz="2100" kern="1200" dirty="0" smtClean="0"/>
             <a:t> </a:t>
           </a:r>
+          <a:endParaRPr lang="en-US" sz="2100" kern="1200" dirty="0"/>
         </a:p>
       </dsp:txBody>
       <dsp:txXfrm>
-        <a:off x="3583799" y="2711868"/>
-        <a:ext cx="2341526" cy="1171597"/>
+        <a:off x="3547349" y="2675418"/>
+        <a:ext cx="2414426" cy="1244497"/>
       </dsp:txXfrm>
     </dsp:sp>
     <dsp:sp modelId="{6E5A89BC-14D8-4DAA-BBC1-B070DD5BD626}">
@@ -4776,7 +4945,7 @@
         </a:bodyPr>
         <a:lstStyle/>
         <a:p>
-          <a:pPr marL="0" lvl="0" indent="0" algn="ctr" defTabSz="1511300">
+          <a:pPr lvl="0" algn="ctr" defTabSz="1511300">
             <a:lnSpc>
               <a:spcPct val="90000"/>
             </a:lnSpc>
@@ -4786,7 +4955,6 @@
             <a:spcAft>
               <a:spcPct val="35000"/>
             </a:spcAft>
-            <a:buNone/>
           </a:pPr>
           <a:r>
             <a:rPr lang="en-US" sz="3400" kern="1200" dirty="0"/>
@@ -4855,7 +5023,7 @@
         </a:bodyPr>
         <a:lstStyle/>
         <a:p>
-          <a:pPr marL="0" lvl="0" indent="0" algn="l" defTabSz="933450">
+          <a:pPr lvl="0" algn="l" defTabSz="933450">
             <a:lnSpc>
               <a:spcPct val="90000"/>
             </a:lnSpc>
@@ -4865,7 +5033,6 @@
             <a:spcAft>
               <a:spcPct val="35000"/>
             </a:spcAft>
-            <a:buNone/>
           </a:pPr>
           <a:r>
             <a:rPr lang="en-US" sz="2100" kern="1200" dirty="0"/>
@@ -4883,7 +5050,7 @@
             <a:spcAft>
               <a:spcPct val="15000"/>
             </a:spcAft>
-            <a:buChar char="•"/>
+            <a:buChar char="••"/>
           </a:pPr>
           <a:r>
             <a:rPr lang="en-US" sz="1600" kern="1200" dirty="0"/>
@@ -4892,8 +5059,8 @@
         </a:p>
       </dsp:txBody>
       <dsp:txXfrm>
-        <a:off x="6828184" y="1275909"/>
-        <a:ext cx="2341526" cy="1171597"/>
+        <a:off x="6791734" y="1239459"/>
+        <a:ext cx="2414426" cy="1244497"/>
       </dsp:txXfrm>
     </dsp:sp>
     <dsp:sp modelId="{9A6170BF-9622-4D2B-B7DB-32C968F42DB3}">
@@ -4952,7 +5119,7 @@
         </a:bodyPr>
         <a:lstStyle/>
         <a:p>
-          <a:pPr marL="0" lvl="0" indent="0" algn="ctr" defTabSz="933450">
+          <a:pPr lvl="0" algn="ctr" defTabSz="933450">
             <a:lnSpc>
               <a:spcPct val="90000"/>
             </a:lnSpc>
@@ -4962,34 +5129,33 @@
             <a:spcAft>
               <a:spcPct val="35000"/>
             </a:spcAft>
-            <a:buNone/>
           </a:pPr>
           <a:r>
-            <a:rPr lang="en-US" sz="2100" kern="1200" dirty="0" err="1"/>
+            <a:rPr lang="en-US" sz="2100" kern="1200" dirty="0" err="1" smtClean="0"/>
             <a:t>Responsável</a:t>
           </a:r>
           <a:r>
-            <a:rPr lang="en-US" sz="2100" kern="1200" dirty="0"/>
+            <a:rPr lang="en-US" sz="2100" kern="1200" dirty="0" smtClean="0"/>
             <a:t> </a:t>
           </a:r>
           <a:r>
-            <a:rPr lang="en-US" sz="2100" kern="1200" dirty="0" err="1"/>
+            <a:rPr lang="en-US" sz="2100" kern="1200" dirty="0" err="1" smtClean="0"/>
             <a:t>pelo</a:t>
           </a:r>
           <a:r>
-            <a:rPr lang="en-US" sz="2100" kern="1200" dirty="0"/>
+            <a:rPr lang="en-US" sz="2100" kern="1200" dirty="0" smtClean="0"/>
             <a:t> </a:t>
           </a:r>
           <a:r>
-            <a:rPr lang="en-US" sz="2100" kern="1200" dirty="0" err="1"/>
+            <a:rPr lang="en-US" sz="2100" kern="1200" dirty="0" err="1" smtClean="0"/>
             <a:t>projeto</a:t>
           </a:r>
           <a:endParaRPr lang="en-US" sz="2100" kern="1200" dirty="0"/>
         </a:p>
       </dsp:txBody>
       <dsp:txXfrm>
-        <a:off x="6828184" y="2711868"/>
-        <a:ext cx="2341526" cy="1171597"/>
+        <a:off x="6791734" y="2675418"/>
+        <a:ext cx="2414426" cy="1244497"/>
       </dsp:txXfrm>
     </dsp:sp>
   </dsp:spTree>
@@ -4997,7 +5163,7 @@
 </file>
 
 <file path=ppt/diagrams/drawing2.xml><?xml version="1.0" encoding="utf-8"?>
-<dsp:drawing xmlns:dgm="http://schemas.openxmlformats.org/drawingml/2006/diagram" xmlns:dsp="http://schemas.microsoft.com/office/drawing/2008/diagram" xmlns:a="http://schemas.openxmlformats.org/drawingml/2006/main">
+<dsp:drawing xmlns:dgm="http://schemas.openxmlformats.org/drawingml/2006/diagram" xmlns:a="http://schemas.openxmlformats.org/drawingml/2006/main" xmlns:dsp="http://schemas.microsoft.com/office/drawing/2008/diagram">
   <dsp:spTree>
     <dsp:nvGrpSpPr>
       <dsp:cNvPr id="0" name=""/>
@@ -5051,7 +5217,7 @@
         </a:bodyPr>
         <a:lstStyle/>
         <a:p>
-          <a:pPr marL="0" lvl="0" indent="0" algn="ctr" defTabSz="1289050">
+          <a:pPr lvl="0" algn="ctr" defTabSz="1289050">
             <a:lnSpc>
               <a:spcPct val="90000"/>
             </a:lnSpc>
@@ -5061,7 +5227,6 @@
             <a:spcAft>
               <a:spcPct val="35000"/>
             </a:spcAft>
-            <a:buNone/>
           </a:pPr>
           <a:r>
             <a:rPr lang="en-US" sz="2900" kern="1200" dirty="0"/>
@@ -5131,12 +5296,12 @@
         </a:fontRef>
       </dsp:style>
       <dsp:txBody>
-        <a:bodyPr spcFirstLastPara="0" vert="horz" wrap="square" lIns="55880" tIns="41910" rIns="55880" bIns="41910" numCol="1" spcCol="1270" anchor="t" anchorCtr="0">
+        <a:bodyPr spcFirstLastPara="0" vert="horz" wrap="square" lIns="66040" tIns="49530" rIns="66040" bIns="49530" numCol="1" spcCol="1270" anchor="t" anchorCtr="0">
           <a:noAutofit/>
         </a:bodyPr>
         <a:lstStyle/>
         <a:p>
-          <a:pPr marL="0" lvl="0" indent="0" algn="l" defTabSz="977900">
+          <a:pPr lvl="0" algn="l" defTabSz="1155700">
             <a:lnSpc>
               <a:spcPct val="90000"/>
             </a:lnSpc>
@@ -5146,15 +5311,14 @@
             <a:spcAft>
               <a:spcPct val="35000"/>
             </a:spcAft>
-            <a:buNone/>
           </a:pPr>
           <a:r>
-            <a:rPr lang="en-US" sz="2200" kern="1200" dirty="0"/>
+            <a:rPr lang="en-US" sz="2600" kern="1200" dirty="0"/>
             <a:t>Descrição:</a:t>
           </a:r>
         </a:p>
         <a:p>
-          <a:pPr marL="171450" lvl="1" indent="-171450" algn="l" defTabSz="755650">
+          <a:pPr marL="228600" lvl="1" indent="-228600" algn="l" defTabSz="889000">
             <a:lnSpc>
               <a:spcPct val="90000"/>
             </a:lnSpc>
@@ -5164,25 +5328,21 @@
             <a:spcAft>
               <a:spcPct val="15000"/>
             </a:spcAft>
-            <a:buChar char="•"/>
+            <a:buChar char="••"/>
           </a:pPr>
           <a:r>
-            <a:rPr lang="en-US" sz="1700" kern="1200" dirty="0" err="1"/>
-            <a:t>Arquiteto</a:t>
-          </a:r>
-          <a:r>
-            <a:rPr lang="en-US" sz="1700" kern="1200" dirty="0"/>
-            <a:t> de Software.</a:t>
+            <a:rPr lang="en-US" sz="2000" kern="1200" dirty="0"/>
+            <a:t>Desenvolvedor.</a:t>
           </a:r>
           <a:br>
-            <a:rPr lang="en-US" sz="1700" kern="1200" dirty="0"/>
+            <a:rPr lang="en-US" sz="2000" kern="1200" dirty="0"/>
           </a:br>
-          <a:endParaRPr lang="en-US" sz="1700" kern="1200" dirty="0"/>
+          <a:endParaRPr lang="en-US" sz="2000" kern="1200" dirty="0"/>
         </a:p>
       </dsp:txBody>
       <dsp:txXfrm>
-        <a:off x="339414" y="1275909"/>
-        <a:ext cx="2341526" cy="1171597"/>
+        <a:off x="302964" y="1239459"/>
+        <a:ext cx="2414426" cy="1244497"/>
       </dsp:txXfrm>
     </dsp:sp>
     <dsp:sp modelId="{BCB399A1-FCCC-424D-B0D1-A136F42E324E}">
@@ -5236,12 +5396,12 @@
         </a:fontRef>
       </dsp:style>
       <dsp:txBody>
-        <a:bodyPr spcFirstLastPara="0" vert="horz" wrap="square" lIns="55880" tIns="41910" rIns="55880" bIns="41910" numCol="1" spcCol="1270" anchor="ctr" anchorCtr="0">
+        <a:bodyPr spcFirstLastPara="0" vert="horz" wrap="square" lIns="66040" tIns="49530" rIns="66040" bIns="49530" numCol="1" spcCol="1270" anchor="ctr" anchorCtr="0">
           <a:noAutofit/>
         </a:bodyPr>
         <a:lstStyle/>
         <a:p>
-          <a:pPr marL="0" lvl="0" indent="0" algn="ctr" defTabSz="977900">
+          <a:pPr lvl="0" algn="ctr" defTabSz="1155700">
             <a:lnSpc>
               <a:spcPct val="90000"/>
             </a:lnSpc>
@@ -5251,34 +5411,33 @@
             <a:spcAft>
               <a:spcPct val="35000"/>
             </a:spcAft>
-            <a:buNone/>
           </a:pPr>
           <a:r>
-            <a:rPr lang="en-US" sz="2200" kern="1200" dirty="0" err="1"/>
-            <a:t>Resposável</a:t>
+            <a:rPr lang="en-US" sz="2600" kern="1200" dirty="0" err="1" smtClean="0"/>
+            <a:t>Responsável</a:t>
           </a:r>
           <a:r>
-            <a:rPr lang="en-US" sz="2200" kern="1200" dirty="0"/>
-            <a:t> pela </a:t>
+            <a:rPr lang="en-US" sz="2600" kern="1200" dirty="0" smtClean="0"/>
+            <a:t> </a:t>
           </a:r>
           <a:r>
-            <a:rPr lang="en-US" sz="2200" kern="1200" dirty="0" err="1"/>
-            <a:t>arquitetura</a:t>
+            <a:rPr lang="en-US" sz="2600" kern="1200" dirty="0" err="1" smtClean="0"/>
+            <a:t>pelo</a:t>
           </a:r>
           <a:r>
-            <a:rPr lang="en-US" sz="2200" kern="1200" dirty="0"/>
-            <a:t> do </a:t>
+            <a:rPr lang="en-US" sz="2600" kern="1200" dirty="0" smtClean="0"/>
+            <a:t> </a:t>
           </a:r>
           <a:r>
-            <a:rPr lang="en-US" sz="2200" kern="1200" dirty="0" err="1"/>
+            <a:rPr lang="en-US" sz="2600" kern="1200" dirty="0" err="1" smtClean="0"/>
             <a:t>sistema</a:t>
           </a:r>
-          <a:endParaRPr lang="en-US" sz="2200" kern="1200" dirty="0"/>
+          <a:endParaRPr lang="en-US" sz="2600" kern="1200" dirty="0"/>
         </a:p>
       </dsp:txBody>
       <dsp:txXfrm>
-        <a:off x="339414" y="2711868"/>
-        <a:ext cx="2341526" cy="1171597"/>
+        <a:off x="302964" y="2675418"/>
+        <a:ext cx="2414426" cy="1244497"/>
       </dsp:txXfrm>
     </dsp:sp>
     <dsp:sp modelId="{E7B9CF75-AF6A-4290-854A-077BB9A2D77C}">
@@ -5328,7 +5487,7 @@
         </a:bodyPr>
         <a:lstStyle/>
         <a:p>
-          <a:pPr marL="0" lvl="0" indent="0" algn="ctr" defTabSz="1289050">
+          <a:pPr lvl="0" algn="ctr" defTabSz="1289050">
             <a:lnSpc>
               <a:spcPct val="90000"/>
             </a:lnSpc>
@@ -5338,7 +5497,6 @@
             <a:spcAft>
               <a:spcPct val="35000"/>
             </a:spcAft>
-            <a:buNone/>
           </a:pPr>
           <a:r>
             <a:rPr lang="en-US" sz="2900" kern="1200" dirty="0"/>
@@ -5402,12 +5560,12 @@
         </a:fontRef>
       </dsp:style>
       <dsp:txBody>
-        <a:bodyPr spcFirstLastPara="0" vert="horz" wrap="square" lIns="55880" tIns="41910" rIns="55880" bIns="41910" numCol="1" spcCol="1270" anchor="t" anchorCtr="0">
+        <a:bodyPr spcFirstLastPara="0" vert="horz" wrap="square" lIns="66040" tIns="49530" rIns="66040" bIns="49530" numCol="1" spcCol="1270" anchor="t" anchorCtr="0">
           <a:noAutofit/>
         </a:bodyPr>
         <a:lstStyle/>
         <a:p>
-          <a:pPr marL="0" lvl="0" indent="0" algn="l" defTabSz="977900">
+          <a:pPr lvl="0" algn="l" defTabSz="1155700">
             <a:lnSpc>
               <a:spcPct val="90000"/>
             </a:lnSpc>
@@ -5417,15 +5575,14 @@
             <a:spcAft>
               <a:spcPct val="35000"/>
             </a:spcAft>
-            <a:buNone/>
           </a:pPr>
           <a:r>
-            <a:rPr lang="en-US" sz="2200" kern="1200" dirty="0"/>
+            <a:rPr lang="en-US" sz="2600" kern="1200" dirty="0"/>
             <a:t>Descrição:</a:t>
           </a:r>
         </a:p>
         <a:p>
-          <a:pPr marL="171450" lvl="1" indent="-171450" algn="l" defTabSz="755650">
+          <a:pPr marL="228600" lvl="1" indent="-228600" algn="l" defTabSz="889000">
             <a:lnSpc>
               <a:spcPct val="90000"/>
             </a:lnSpc>
@@ -5435,17 +5592,17 @@
             <a:spcAft>
               <a:spcPct val="15000"/>
             </a:spcAft>
-            <a:buChar char="•"/>
+            <a:buChar char="••"/>
           </a:pPr>
           <a:r>
-            <a:rPr lang="en-US" sz="1700" kern="1200" dirty="0"/>
-            <a:t>Desenvolvedor.</a:t>
+            <a:rPr lang="en-US" sz="2000" kern="1200" dirty="0"/>
+            <a:t>Designer.</a:t>
           </a:r>
         </a:p>
       </dsp:txBody>
       <dsp:txXfrm>
-        <a:off x="3583799" y="1275909"/>
-        <a:ext cx="2341526" cy="1171597"/>
+        <a:off x="3547349" y="1239459"/>
+        <a:ext cx="2414426" cy="1244497"/>
       </dsp:txXfrm>
     </dsp:sp>
     <dsp:sp modelId="{ACCF1AAF-D5D3-4C9A-A889-7895A8A16D7C}">
@@ -5499,12 +5656,12 @@
         </a:fontRef>
       </dsp:style>
       <dsp:txBody>
-        <a:bodyPr spcFirstLastPara="0" vert="horz" wrap="square" lIns="55880" tIns="41910" rIns="55880" bIns="41910" numCol="1" spcCol="1270" anchor="ctr" anchorCtr="0">
+        <a:bodyPr spcFirstLastPara="0" vert="horz" wrap="square" lIns="66040" tIns="49530" rIns="66040" bIns="49530" numCol="1" spcCol="1270" anchor="ctr" anchorCtr="0">
           <a:noAutofit/>
         </a:bodyPr>
         <a:lstStyle/>
         <a:p>
-          <a:pPr marL="0" lvl="0" indent="0" algn="ctr" defTabSz="977900">
+          <a:pPr lvl="0" algn="ctr" defTabSz="1155700">
             <a:lnSpc>
               <a:spcPct val="90000"/>
             </a:lnSpc>
@@ -5514,37 +5671,21 @@
             <a:spcAft>
               <a:spcPct val="35000"/>
             </a:spcAft>
-            <a:buNone/>
           </a:pPr>
           <a:r>
-            <a:rPr lang="en-US" sz="2200" kern="1200" dirty="0" err="1"/>
-            <a:t>Resposável</a:t>
+            <a:rPr lang="en-US" sz="2600" kern="1200" dirty="0" smtClean="0"/>
+            <a:t>Parte visual e </a:t>
           </a:r>
           <a:r>
-            <a:rPr lang="en-US" sz="2200" kern="1200" dirty="0"/>
-            <a:t> </a:t>
+            <a:rPr lang="en-US" sz="2600" kern="1200" dirty="0" err="1" smtClean="0"/>
+            <a:t>estética</a:t>
           </a:r>
-          <a:r>
-            <a:rPr lang="en-US" sz="2200" kern="1200" dirty="0" err="1"/>
-            <a:t>pelo</a:t>
-          </a:r>
-          <a:r>
-            <a:rPr lang="en-US" sz="2200" kern="1200" dirty="0"/>
-            <a:t> </a:t>
-          </a:r>
-          <a:r>
-            <a:rPr lang="en-US" sz="2200" kern="1200" dirty="0" err="1"/>
-            <a:t>desenvolvimento</a:t>
-          </a:r>
-          <a:r>
-            <a:rPr lang="en-US" sz="2200" kern="1200" dirty="0"/>
-            <a:t> do Sistema</a:t>
-          </a:r>
+          <a:endParaRPr lang="en-US" sz="2600" kern="1200" dirty="0"/>
         </a:p>
       </dsp:txBody>
       <dsp:txXfrm>
-        <a:off x="3583799" y="2711868"/>
-        <a:ext cx="2341526" cy="1171597"/>
+        <a:off x="3547349" y="2675418"/>
+        <a:ext cx="2414426" cy="1244497"/>
       </dsp:txXfrm>
     </dsp:sp>
     <dsp:sp modelId="{130190B9-3428-446B-8176-00379A67F502}">
@@ -5594,7 +5735,7 @@
         </a:bodyPr>
         <a:lstStyle/>
         <a:p>
-          <a:pPr marL="0" lvl="0" indent="0" algn="ctr" defTabSz="1289050">
+          <a:pPr lvl="0" algn="ctr" defTabSz="1289050">
             <a:lnSpc>
               <a:spcPct val="90000"/>
             </a:lnSpc>
@@ -5604,7 +5745,6 @@
             <a:spcAft>
               <a:spcPct val="35000"/>
             </a:spcAft>
-            <a:buNone/>
           </a:pPr>
           <a:r>
             <a:rPr lang="en-US" sz="2900" kern="1200" dirty="0"/>
@@ -5668,12 +5808,12 @@
         </a:fontRef>
       </dsp:style>
       <dsp:txBody>
-        <a:bodyPr spcFirstLastPara="0" vert="horz" wrap="square" lIns="55880" tIns="41910" rIns="55880" bIns="41910" numCol="1" spcCol="1270" anchor="t" anchorCtr="0">
+        <a:bodyPr spcFirstLastPara="0" vert="horz" wrap="square" lIns="66040" tIns="49530" rIns="66040" bIns="49530" numCol="1" spcCol="1270" anchor="t" anchorCtr="0">
           <a:noAutofit/>
         </a:bodyPr>
         <a:lstStyle/>
         <a:p>
-          <a:pPr marL="0" lvl="0" indent="0" algn="l" defTabSz="977900">
+          <a:pPr lvl="0" algn="l" defTabSz="1155700">
             <a:lnSpc>
               <a:spcPct val="90000"/>
             </a:lnSpc>
@@ -5683,15 +5823,14 @@
             <a:spcAft>
               <a:spcPct val="35000"/>
             </a:spcAft>
-            <a:buNone/>
           </a:pPr>
           <a:r>
-            <a:rPr lang="en-US" sz="2200" kern="1200" dirty="0"/>
+            <a:rPr lang="en-US" sz="2600" kern="1200" dirty="0"/>
             <a:t>Descrição:</a:t>
           </a:r>
         </a:p>
         <a:p>
-          <a:pPr marL="171450" lvl="1" indent="-171450" algn="l" defTabSz="755650">
+          <a:pPr marL="228600" lvl="1" indent="-228600" algn="l" defTabSz="889000">
             <a:lnSpc>
               <a:spcPct val="90000"/>
             </a:lnSpc>
@@ -5701,17 +5840,17 @@
             <a:spcAft>
               <a:spcPct val="15000"/>
             </a:spcAft>
-            <a:buChar char="•"/>
+            <a:buChar char="••"/>
           </a:pPr>
           <a:r>
-            <a:rPr lang="en-US" sz="1700" kern="1200" dirty="0"/>
+            <a:rPr lang="en-US" sz="2000" kern="1200" dirty="0"/>
             <a:t>Usuários.</a:t>
           </a:r>
         </a:p>
       </dsp:txBody>
       <dsp:txXfrm>
-        <a:off x="6828184" y="1275909"/>
-        <a:ext cx="2341526" cy="1171597"/>
+        <a:off x="6791734" y="1239459"/>
+        <a:ext cx="2414426" cy="1244497"/>
       </dsp:txXfrm>
     </dsp:sp>
     <dsp:sp modelId="{9A6170BF-9622-4D2B-B7DB-32C968F42DB3}">
@@ -5765,12 +5904,12 @@
         </a:fontRef>
       </dsp:style>
       <dsp:txBody>
-        <a:bodyPr spcFirstLastPara="0" vert="horz" wrap="square" lIns="55880" tIns="41910" rIns="55880" bIns="41910" numCol="1" spcCol="1270" anchor="ctr" anchorCtr="0">
+        <a:bodyPr spcFirstLastPara="0" vert="horz" wrap="square" lIns="66040" tIns="49530" rIns="66040" bIns="49530" numCol="1" spcCol="1270" anchor="ctr" anchorCtr="0">
           <a:noAutofit/>
         </a:bodyPr>
         <a:lstStyle/>
         <a:p>
-          <a:pPr marL="0" lvl="0" indent="0" algn="ctr" defTabSz="977900">
+          <a:pPr lvl="0" algn="ctr" defTabSz="1155700">
             <a:lnSpc>
               <a:spcPct val="90000"/>
             </a:lnSpc>
@@ -5780,26 +5919,25 @@
             <a:spcAft>
               <a:spcPct val="35000"/>
             </a:spcAft>
-            <a:buNone/>
           </a:pPr>
           <a:r>
-            <a:rPr lang="en-US" sz="2200" kern="1200" dirty="0" err="1"/>
+            <a:rPr lang="en-US" sz="2600" kern="1200" dirty="0" err="1" smtClean="0"/>
             <a:t>Usuários</a:t>
           </a:r>
           <a:r>
-            <a:rPr lang="en-US" sz="2200" kern="1200" dirty="0"/>
+            <a:rPr lang="en-US" sz="2600" kern="1200" dirty="0" smtClean="0"/>
             <a:t> do </a:t>
           </a:r>
           <a:r>
-            <a:rPr lang="en-US" sz="2200" kern="1200" dirty="0" err="1"/>
+            <a:rPr lang="en-US" sz="2600" kern="1200" dirty="0" err="1" smtClean="0"/>
             <a:t>sistema</a:t>
           </a:r>
-          <a:endParaRPr lang="en-US" sz="2200" kern="1200" dirty="0"/>
+          <a:endParaRPr lang="en-US" sz="2600" kern="1200" dirty="0"/>
         </a:p>
       </dsp:txBody>
       <dsp:txXfrm>
-        <a:off x="6828184" y="2711868"/>
-        <a:ext cx="2341526" cy="1171597"/>
+        <a:off x="6791734" y="2675418"/>
+        <a:ext cx="2414426" cy="1244497"/>
       </dsp:txXfrm>
     </dsp:sp>
   </dsp:spTree>
@@ -5807,7 +5945,7 @@
 </file>
 
 <file path=ppt/diagrams/drawing3.xml><?xml version="1.0" encoding="utf-8"?>
-<dsp:drawing xmlns:dgm="http://schemas.openxmlformats.org/drawingml/2006/diagram" xmlns:dsp="http://schemas.microsoft.com/office/drawing/2008/diagram" xmlns:a="http://schemas.openxmlformats.org/drawingml/2006/main">
+<dsp:drawing xmlns:dgm="http://schemas.openxmlformats.org/drawingml/2006/diagram" xmlns:a="http://schemas.openxmlformats.org/drawingml/2006/main" xmlns:dsp="http://schemas.microsoft.com/office/drawing/2008/diagram">
   <dsp:spTree>
     <dsp:nvGrpSpPr>
       <dsp:cNvPr id="0" name=""/>
@@ -5868,7 +6006,7 @@
         </a:bodyPr>
         <a:lstStyle/>
         <a:p>
-          <a:pPr marL="0" lvl="0" indent="0" algn="ctr" defTabSz="1333500">
+          <a:pPr lvl="0" algn="ctr" defTabSz="1333500">
             <a:lnSpc>
               <a:spcPct val="90000"/>
             </a:lnSpc>
@@ -5878,7 +6016,6 @@
             <a:spcAft>
               <a:spcPct val="35000"/>
             </a:spcAft>
-            <a:buNone/>
           </a:pPr>
           <a:r>
             <a:rPr lang="en-US" sz="3000" kern="1200" dirty="0" err="1"/>
@@ -5895,9 +6032,9 @@
           <a:endParaRPr lang="en-US" sz="3000" kern="1200" dirty="0"/>
         </a:p>
       </dsp:txBody>
-      <dsp:txXfrm rot="5400000">
-        <a:off x="-1" y="1"/>
-        <a:ext cx="4754562" cy="1547812"/>
+      <dsp:txXfrm rot="16200000">
+        <a:off x="1603374" y="-1603374"/>
+        <a:ext cx="1547812" cy="4754562"/>
       </dsp:txXfrm>
     </dsp:sp>
     <dsp:sp modelId="{D26D49CA-3EF3-4CE7-A70D-82F5939BEA74}">
@@ -5954,7 +6091,7 @@
         </a:bodyPr>
         <a:lstStyle/>
         <a:p>
-          <a:pPr marL="0" lvl="0" indent="0" algn="ctr" defTabSz="1333500">
+          <a:pPr lvl="0" algn="ctr" defTabSz="1333500">
             <a:lnSpc>
               <a:spcPct val="90000"/>
             </a:lnSpc>
@@ -5964,7 +6101,6 @@
             <a:spcAft>
               <a:spcPct val="35000"/>
             </a:spcAft>
-            <a:buNone/>
           </a:pPr>
           <a:r>
             <a:rPr lang="en-US" sz="3000" kern="1200" dirty="0" err="1"/>
@@ -5976,7 +6112,7 @@
           </a:r>
           <a:r>
             <a:rPr lang="en-US" sz="3000" kern="1200" dirty="0" err="1"/>
-            <a:t>atenção</a:t>
+            <a:t>atençao</a:t>
           </a:r>
           <a:endParaRPr lang="en-US" sz="3000" kern="1200" dirty="0"/>
         </a:p>
@@ -6040,7 +6176,7 @@
         </a:bodyPr>
         <a:lstStyle/>
         <a:p>
-          <a:pPr marL="0" lvl="0" indent="0" algn="ctr" defTabSz="1333500">
+          <a:pPr lvl="0" algn="ctr" defTabSz="1333500">
             <a:lnSpc>
               <a:spcPct val="90000"/>
             </a:lnSpc>
@@ -6050,7 +6186,6 @@
             <a:spcAft>
               <a:spcPct val="35000"/>
             </a:spcAft>
-            <a:buNone/>
           </a:pPr>
           <a:r>
             <a:rPr lang="en-US" sz="3000" kern="1200" dirty="0" err="1"/>
@@ -6118,7 +6253,7 @@
         </a:bodyPr>
         <a:lstStyle/>
         <a:p>
-          <a:pPr marL="0" lvl="0" indent="0" algn="ctr" defTabSz="1333500">
+          <a:pPr lvl="0" algn="ctr" defTabSz="1333500">
             <a:lnSpc>
               <a:spcPct val="90000"/>
             </a:lnSpc>
@@ -6128,7 +6263,6 @@
             <a:spcAft>
               <a:spcPct val="35000"/>
             </a:spcAft>
-            <a:buNone/>
           </a:pPr>
           <a:r>
             <a:rPr lang="en-US" sz="3000" kern="1200" dirty="0" err="1"/>
@@ -6145,9 +6279,9 @@
           <a:endParaRPr lang="en-US" sz="3000" kern="1200" dirty="0"/>
         </a:p>
       </dsp:txBody>
-      <dsp:txXfrm rot="-5400000">
-        <a:off x="4754562" y="2579687"/>
-        <a:ext cx="4754562" cy="1547812"/>
+      <dsp:txXfrm rot="5400000">
+        <a:off x="6357937" y="976312"/>
+        <a:ext cx="1547812" cy="4754562"/>
       </dsp:txXfrm>
     </dsp:sp>
     <dsp:sp modelId="{0980C602-BC7A-404B-8179-8AC73415C41C}">
@@ -6203,7 +6337,7 @@
         </a:bodyPr>
         <a:lstStyle/>
         <a:p>
-          <a:pPr marL="0" lvl="0" indent="0" algn="ctr" defTabSz="1333500">
+          <a:pPr lvl="0" algn="ctr" defTabSz="1333500">
             <a:lnSpc>
               <a:spcPct val="90000"/>
             </a:lnSpc>
@@ -6213,7 +6347,6 @@
             <a:spcAft>
               <a:spcPct val="35000"/>
             </a:spcAft>
-            <a:buNone/>
           </a:pPr>
           <a:r>
             <a:rPr lang="en-US" sz="3000" kern="1200" dirty="0" err="1"/>
@@ -6231,8 +6364,8 @@
         </a:p>
       </dsp:txBody>
       <dsp:txXfrm>
-        <a:off x="3378565" y="1598184"/>
-        <a:ext cx="2751993" cy="931131"/>
+        <a:off x="3328193" y="1547812"/>
+        <a:ext cx="2852737" cy="1031875"/>
       </dsp:txXfrm>
     </dsp:sp>
   </dsp:spTree>
@@ -10893,7 +11026,7 @@
     </p:spTree>
     <p:extLst>
       <p:ext uri="{BB962C8B-B14F-4D97-AF65-F5344CB8AC3E}">
-        <p14:creationId xmlns:p14="http://schemas.microsoft.com/office/powerpoint/2010/main" val="85910611"/>
+        <p14:creationId xmlns:p14="http://schemas.microsoft.com/office/powerpoint/2010/main" xmlns="" val="85910611"/>
       </p:ext>
     </p:extLst>
   </p:cSld>
@@ -10983,7 +11116,7 @@
     </p:spTree>
     <p:extLst>
       <p:ext uri="{BB962C8B-B14F-4D97-AF65-F5344CB8AC3E}">
-        <p14:creationId xmlns:p14="http://schemas.microsoft.com/office/powerpoint/2010/main" val="2494375057"/>
+        <p14:creationId xmlns:p14="http://schemas.microsoft.com/office/powerpoint/2010/main" xmlns="" val="2494375057"/>
       </p:ext>
     </p:extLst>
   </p:cSld>
@@ -11022,7 +11155,7 @@
           <a:blip r:embed="rId2" cstate="print">
             <a:extLst>
               <a:ext uri="{28A0092B-C50C-407E-A947-70E740481C1C}">
-                <a14:useLocalDpi xmlns:a14="http://schemas.microsoft.com/office/drawing/2010/main" val="0"/>
+                <a14:useLocalDpi xmlns:a14="http://schemas.microsoft.com/office/drawing/2010/main" xmlns="" val="0"/>
               </a:ext>
             </a:extLst>
           </a:blip>
@@ -11045,14 +11178,14 @@
           </a:ln>
           <a:extLst>
             <a:ext uri="{909E8E84-426E-40DD-AFC4-6F175D3DCCD1}">
-              <a14:hiddenFill xmlns:a14="http://schemas.microsoft.com/office/drawing/2010/main">
+              <a14:hiddenFill xmlns:a14="http://schemas.microsoft.com/office/drawing/2010/main" xmlns="">
                 <a:solidFill>
                   <a:srgbClr val="FFFFFF"/>
                 </a:solidFill>
               </a14:hiddenFill>
             </a:ext>
             <a:ext uri="{91240B29-F687-4F45-9708-019B960494DF}">
-              <a14:hiddenLine xmlns:a14="http://schemas.microsoft.com/office/drawing/2010/main" w="9525">
+              <a14:hiddenLine xmlns:a14="http://schemas.microsoft.com/office/drawing/2010/main" xmlns="" w="9525">
                 <a:solidFill>
                   <a:srgbClr val="000000"/>
                 </a:solidFill>
@@ -11290,7 +11423,7 @@
     </p:spTree>
     <p:extLst>
       <p:ext uri="{BB962C8B-B14F-4D97-AF65-F5344CB8AC3E}">
-        <p14:creationId xmlns:p14="http://schemas.microsoft.com/office/powerpoint/2010/main" val="2905300752"/>
+        <p14:creationId xmlns:p14="http://schemas.microsoft.com/office/powerpoint/2010/main" xmlns="" val="2905300752"/>
       </p:ext>
     </p:extLst>
   </p:cSld>
@@ -11680,7 +11813,7 @@
     </p:spTree>
     <p:extLst>
       <p:ext uri="{BB962C8B-B14F-4D97-AF65-F5344CB8AC3E}">
-        <p14:creationId xmlns:p14="http://schemas.microsoft.com/office/powerpoint/2010/main" val="253794690"/>
+        <p14:creationId xmlns:p14="http://schemas.microsoft.com/office/powerpoint/2010/main" xmlns="" val="253794690"/>
       </p:ext>
     </p:extLst>
   </p:cSld>
@@ -12052,7 +12185,7 @@
     </p:spTree>
     <p:extLst>
       <p:ext uri="{BB962C8B-B14F-4D97-AF65-F5344CB8AC3E}">
-        <p14:creationId xmlns:p14="http://schemas.microsoft.com/office/powerpoint/2010/main" val="3914476363"/>
+        <p14:creationId xmlns:p14="http://schemas.microsoft.com/office/powerpoint/2010/main" xmlns="" val="3914476363"/>
       </p:ext>
     </p:extLst>
   </p:cSld>
@@ -12252,7 +12385,7 @@
     </p:spTree>
     <p:extLst>
       <p:ext uri="{BB962C8B-B14F-4D97-AF65-F5344CB8AC3E}">
-        <p14:creationId xmlns:p14="http://schemas.microsoft.com/office/powerpoint/2010/main" val="3247432596"/>
+        <p14:creationId xmlns:p14="http://schemas.microsoft.com/office/powerpoint/2010/main" xmlns="" val="3247432596"/>
       </p:ext>
     </p:extLst>
   </p:cSld>
@@ -12462,7 +12595,7 @@
     </p:spTree>
     <p:extLst>
       <p:ext uri="{BB962C8B-B14F-4D97-AF65-F5344CB8AC3E}">
-        <p14:creationId xmlns:p14="http://schemas.microsoft.com/office/powerpoint/2010/main" val="1098545491"/>
+        <p14:creationId xmlns:p14="http://schemas.microsoft.com/office/powerpoint/2010/main" xmlns="" val="1098545491"/>
       </p:ext>
     </p:extLst>
   </p:cSld>
@@ -12666,7 +12799,7 @@
     </p:spTree>
     <p:extLst>
       <p:ext uri="{BB962C8B-B14F-4D97-AF65-F5344CB8AC3E}">
-        <p14:creationId xmlns:p14="http://schemas.microsoft.com/office/powerpoint/2010/main" val="1487745803"/>
+        <p14:creationId xmlns:p14="http://schemas.microsoft.com/office/powerpoint/2010/main" xmlns="" val="1487745803"/>
       </p:ext>
     </p:extLst>
   </p:cSld>
@@ -13058,7 +13191,7 @@
     </p:spTree>
     <p:extLst>
       <p:ext uri="{BB962C8B-B14F-4D97-AF65-F5344CB8AC3E}">
-        <p14:creationId xmlns:p14="http://schemas.microsoft.com/office/powerpoint/2010/main" val="1670210003"/>
+        <p14:creationId xmlns:p14="http://schemas.microsoft.com/office/powerpoint/2010/main" xmlns="" val="1670210003"/>
       </p:ext>
     </p:extLst>
   </p:cSld>
@@ -13367,7 +13500,7 @@
     </p:spTree>
     <p:extLst>
       <p:ext uri="{BB962C8B-B14F-4D97-AF65-F5344CB8AC3E}">
-        <p14:creationId xmlns:p14="http://schemas.microsoft.com/office/powerpoint/2010/main" val="3363721080"/>
+        <p14:creationId xmlns:p14="http://schemas.microsoft.com/office/powerpoint/2010/main" xmlns="" val="3363721080"/>
       </p:ext>
     </p:extLst>
   </p:cSld>
@@ -13689,7 +13822,7 @@
     </p:spTree>
     <p:extLst>
       <p:ext uri="{BB962C8B-B14F-4D97-AF65-F5344CB8AC3E}">
-        <p14:creationId xmlns:p14="http://schemas.microsoft.com/office/powerpoint/2010/main" val="579676949"/>
+        <p14:creationId xmlns:p14="http://schemas.microsoft.com/office/powerpoint/2010/main" xmlns="" val="579676949"/>
       </p:ext>
     </p:extLst>
   </p:cSld>
@@ -14156,7 +14289,7 @@
     </p:spTree>
     <p:extLst>
       <p:ext uri="{BB962C8B-B14F-4D97-AF65-F5344CB8AC3E}">
-        <p14:creationId xmlns:p14="http://schemas.microsoft.com/office/powerpoint/2010/main" val="2133172022"/>
+        <p14:creationId xmlns:p14="http://schemas.microsoft.com/office/powerpoint/2010/main" xmlns="" val="2133172022"/>
       </p:ext>
     </p:extLst>
   </p:cSld>
@@ -14304,7 +14437,7 @@
     </p:spTree>
     <p:extLst>
       <p:ext uri="{BB962C8B-B14F-4D97-AF65-F5344CB8AC3E}">
-        <p14:creationId xmlns:p14="http://schemas.microsoft.com/office/powerpoint/2010/main" val="200728926"/>
+        <p14:creationId xmlns:p14="http://schemas.microsoft.com/office/powerpoint/2010/main" xmlns="" val="200728926"/>
       </p:ext>
     </p:extLst>
   </p:cSld>
@@ -14441,7 +14574,7 @@
     </p:spTree>
     <p:extLst>
       <p:ext uri="{BB962C8B-B14F-4D97-AF65-F5344CB8AC3E}">
-        <p14:creationId xmlns:p14="http://schemas.microsoft.com/office/powerpoint/2010/main" val="2859671619"/>
+        <p14:creationId xmlns:p14="http://schemas.microsoft.com/office/powerpoint/2010/main" xmlns="" val="2859671619"/>
       </p:ext>
     </p:extLst>
   </p:cSld>
@@ -14757,7 +14890,7 @@
     </p:spTree>
     <p:extLst>
       <p:ext uri="{BB962C8B-B14F-4D97-AF65-F5344CB8AC3E}">
-        <p14:creationId xmlns:p14="http://schemas.microsoft.com/office/powerpoint/2010/main" val="1899108284"/>
+        <p14:creationId xmlns:p14="http://schemas.microsoft.com/office/powerpoint/2010/main" xmlns="" val="1899108284"/>
       </p:ext>
     </p:extLst>
   </p:cSld>
@@ -14941,14 +15074,14 @@
           </a:ln>
           <a:extLst>
             <a:ext uri="{909E8E84-426E-40DD-AFC4-6F175D3DCCD1}">
-              <a14:hiddenFill xmlns:a14="http://schemas.microsoft.com/office/drawing/2010/main">
+              <a14:hiddenFill xmlns:a14="http://schemas.microsoft.com/office/drawing/2010/main" xmlns="">
                 <a:solidFill>
                   <a:srgbClr val="FFFFFF"/>
                 </a:solidFill>
               </a14:hiddenFill>
             </a:ext>
             <a:ext uri="{91240B29-F687-4F45-9708-019B960494DF}">
-              <a14:hiddenLine xmlns:a14="http://schemas.microsoft.com/office/drawing/2010/main" w="9525">
+              <a14:hiddenLine xmlns:a14="http://schemas.microsoft.com/office/drawing/2010/main" xmlns="" w="9525">
                 <a:solidFill>
                   <a:srgbClr val="000000"/>
                 </a:solidFill>
@@ -14999,14 +15132,14 @@
           </a:ln>
           <a:extLst>
             <a:ext uri="{909E8E84-426E-40DD-AFC4-6F175D3DCCD1}">
-              <a14:hiddenFill xmlns:a14="http://schemas.microsoft.com/office/drawing/2010/main">
+              <a14:hiddenFill xmlns:a14="http://schemas.microsoft.com/office/drawing/2010/main" xmlns="">
                 <a:solidFill>
                   <a:srgbClr val="FFFFFF"/>
                 </a:solidFill>
               </a14:hiddenFill>
             </a:ext>
             <a:ext uri="{91240B29-F687-4F45-9708-019B960494DF}">
-              <a14:hiddenLine xmlns:a14="http://schemas.microsoft.com/office/drawing/2010/main" w="9525">
+              <a14:hiddenLine xmlns:a14="http://schemas.microsoft.com/office/drawing/2010/main" xmlns="" w="9525">
                 <a:solidFill>
                   <a:srgbClr val="000000"/>
                 </a:solidFill>
@@ -15771,8 +15904,8 @@
               </a:spcBef>
             </a:pPr>
             <a:r>
-              <a:rPr lang="en-US" altLang="en-US" dirty="0"/>
-              <a:t>Bruno Oliveira | IT Solutions</a:t>
+              <a:rPr lang="en-US" altLang="en-US"/>
+              <a:t>Presenter Name | Company Name</a:t>
             </a:r>
           </a:p>
         </p:txBody>
@@ -15838,7 +15971,7 @@
             <p:ph idx="1"/>
             <p:extLst>
               <p:ext uri="{D42A27DB-BD31-4B8C-83A1-F6EECF244321}">
-                <p14:modId xmlns:p14="http://schemas.microsoft.com/office/powerpoint/2010/main" val="2336913806"/>
+                <p14:modId xmlns:p14="http://schemas.microsoft.com/office/powerpoint/2010/main" xmlns="" val="2336913806"/>
               </p:ext>
             </p:extLst>
           </p:nvPr>
@@ -15914,7 +16047,7 @@
             <p:ph idx="1"/>
             <p:extLst>
               <p:ext uri="{D42A27DB-BD31-4B8C-83A1-F6EECF244321}">
-                <p14:modId xmlns:p14="http://schemas.microsoft.com/office/powerpoint/2010/main" val="4058225346"/>
+                <p14:modId xmlns:p14="http://schemas.microsoft.com/office/powerpoint/2010/main" xmlns="" val="3037074432"/>
               </p:ext>
             </p:extLst>
           </p:nvPr>
@@ -15932,7 +16065,7 @@
     </p:spTree>
     <p:extLst>
       <p:ext uri="{BB962C8B-B14F-4D97-AF65-F5344CB8AC3E}">
-        <p14:creationId xmlns:p14="http://schemas.microsoft.com/office/powerpoint/2010/main" val="2968759863"/>
+        <p14:creationId xmlns:p14="http://schemas.microsoft.com/office/powerpoint/2010/main" xmlns="" val="2968759863"/>
       </p:ext>
     </p:extLst>
   </p:cSld>
@@ -15993,11 +16126,6 @@
           </p:cNvGraphicFramePr>
           <p:nvPr>
             <p:ph idx="1"/>
-            <p:extLst>
-              <p:ext uri="{D42A27DB-BD31-4B8C-83A1-F6EECF244321}">
-                <p14:modId xmlns:p14="http://schemas.microsoft.com/office/powerpoint/2010/main" val="1697522402"/>
-              </p:ext>
-            </p:extLst>
           </p:nvPr>
         </p:nvGraphicFramePr>
         <p:xfrm>
@@ -16124,14 +16252,14 @@
           </a:ln>
           <a:extLst>
             <a:ext uri="{909E8E84-426E-40DD-AFC4-6F175D3DCCD1}">
-              <a14:hiddenFill xmlns:a14="http://schemas.microsoft.com/office/drawing/2010/main">
+              <a14:hiddenFill xmlns:a14="http://schemas.microsoft.com/office/drawing/2010/main" xmlns="">
                 <a:solidFill>
                   <a:srgbClr val="FFFFFF"/>
                 </a:solidFill>
               </a14:hiddenFill>
             </a:ext>
             <a:ext uri="{91240B29-F687-4F45-9708-019B960494DF}">
-              <a14:hiddenLine xmlns:a14="http://schemas.microsoft.com/office/drawing/2010/main" w="9525">
+              <a14:hiddenLine xmlns:a14="http://schemas.microsoft.com/office/drawing/2010/main" xmlns="" w="9525">
                 <a:solidFill>
                   <a:srgbClr val="000000"/>
                 </a:solidFill>
@@ -16274,14 +16402,14 @@
           </a:ln>
           <a:extLst>
             <a:ext uri="{909E8E84-426E-40DD-AFC4-6F175D3DCCD1}">
-              <a14:hiddenFill xmlns:a14="http://schemas.microsoft.com/office/drawing/2010/main">
+              <a14:hiddenFill xmlns:a14="http://schemas.microsoft.com/office/drawing/2010/main" xmlns="">
                 <a:solidFill>
                   <a:srgbClr val="FFFFFF"/>
                 </a:solidFill>
               </a14:hiddenFill>
             </a:ext>
             <a:ext uri="{91240B29-F687-4F45-9708-019B960494DF}">
-              <a14:hiddenLine xmlns:a14="http://schemas.microsoft.com/office/drawing/2010/main" w="9525">
+              <a14:hiddenLine xmlns:a14="http://schemas.microsoft.com/office/drawing/2010/main" xmlns="" w="9525">
                 <a:solidFill>
                   <a:srgbClr val="000000"/>
                 </a:solidFill>
@@ -16424,14 +16552,14 @@
           </a:ln>
           <a:extLst>
             <a:ext uri="{909E8E84-426E-40DD-AFC4-6F175D3DCCD1}">
-              <a14:hiddenFill xmlns:a14="http://schemas.microsoft.com/office/drawing/2010/main">
+              <a14:hiddenFill xmlns:a14="http://schemas.microsoft.com/office/drawing/2010/main" xmlns="">
                 <a:solidFill>
                   <a:srgbClr val="FFFFFF"/>
                 </a:solidFill>
               </a14:hiddenFill>
             </a:ext>
             <a:ext uri="{91240B29-F687-4F45-9708-019B960494DF}">
-              <a14:hiddenLine xmlns:a14="http://schemas.microsoft.com/office/drawing/2010/main" w="9525">
+              <a14:hiddenLine xmlns:a14="http://schemas.microsoft.com/office/drawing/2010/main" xmlns="" w="9525">
                 <a:solidFill>
                   <a:srgbClr val="000000"/>
                 </a:solidFill>
@@ -16574,14 +16702,14 @@
           </a:ln>
           <a:extLst>
             <a:ext uri="{909E8E84-426E-40DD-AFC4-6F175D3DCCD1}">
-              <a14:hiddenFill xmlns:a14="http://schemas.microsoft.com/office/drawing/2010/main">
+              <a14:hiddenFill xmlns:a14="http://schemas.microsoft.com/office/drawing/2010/main" xmlns="">
                 <a:solidFill>
                   <a:srgbClr val="FFFFFF"/>
                 </a:solidFill>
               </a14:hiddenFill>
             </a:ext>
             <a:ext uri="{91240B29-F687-4F45-9708-019B960494DF}">
-              <a14:hiddenLine xmlns:a14="http://schemas.microsoft.com/office/drawing/2010/main" w="9525">
+              <a14:hiddenLine xmlns:a14="http://schemas.microsoft.com/office/drawing/2010/main" xmlns="" w="9525">
                 <a:solidFill>
                   <a:srgbClr val="000000"/>
                 </a:solidFill>
@@ -16711,7 +16839,7 @@
           <p:nvPr>
             <p:extLst>
               <p:ext uri="{D42A27DB-BD31-4B8C-83A1-F6EECF244321}">
-                <p14:modId xmlns:p14="http://schemas.microsoft.com/office/powerpoint/2010/main" val="2211369327"/>
+                <p14:modId xmlns:p14="http://schemas.microsoft.com/office/powerpoint/2010/main" xmlns="" val="2211369327"/>
               </p:ext>
             </p:extLst>
           </p:nvPr>
@@ -16730,14 +16858,14 @@
           </a:ln>
           <a:extLst>
             <a:ext uri="{909E8E84-426E-40DD-AFC4-6F175D3DCCD1}">
-              <a14:hiddenFill xmlns:a14="http://schemas.microsoft.com/office/drawing/2010/main">
+              <a14:hiddenFill xmlns:a14="http://schemas.microsoft.com/office/drawing/2010/main" xmlns="">
                 <a:solidFill>
                   <a:srgbClr val="FFFFFF"/>
                 </a:solidFill>
               </a14:hiddenFill>
             </a:ext>
             <a:ext uri="{91240B29-F687-4F45-9708-019B960494DF}">
-              <a14:hiddenLine xmlns:a14="http://schemas.microsoft.com/office/drawing/2010/main" w="9525">
+              <a14:hiddenLine xmlns:a14="http://schemas.microsoft.com/office/drawing/2010/main" xmlns="" w="9525">
                 <a:solidFill>
                   <a:srgbClr val="000000"/>
                 </a:solidFill>
@@ -16871,7 +16999,7 @@
           <p:nvPr>
             <p:extLst>
               <p:ext uri="{D42A27DB-BD31-4B8C-83A1-F6EECF244321}">
-                <p14:modId xmlns:p14="http://schemas.microsoft.com/office/powerpoint/2010/main" val="3662755874"/>
+                <p14:modId xmlns:p14="http://schemas.microsoft.com/office/powerpoint/2010/main" xmlns="" val="3662755874"/>
               </p:ext>
             </p:extLst>
           </p:nvPr>
@@ -16890,14 +17018,14 @@
           </a:ln>
           <a:extLst>
             <a:ext uri="{909E8E84-426E-40DD-AFC4-6F175D3DCCD1}">
-              <a14:hiddenFill xmlns:a14="http://schemas.microsoft.com/office/drawing/2010/main">
+              <a14:hiddenFill xmlns:a14="http://schemas.microsoft.com/office/drawing/2010/main" xmlns="">
                 <a:solidFill>
                   <a:srgbClr val="FFFFFF"/>
                 </a:solidFill>
               </a14:hiddenFill>
             </a:ext>
             <a:ext uri="{91240B29-F687-4F45-9708-019B960494DF}">
-              <a14:hiddenLine xmlns:a14="http://schemas.microsoft.com/office/drawing/2010/main" w="9525">
+              <a14:hiddenLine xmlns:a14="http://schemas.microsoft.com/office/drawing/2010/main" xmlns="" w="9525">
                 <a:solidFill>
                   <a:srgbClr val="000000"/>
                 </a:solidFill>
@@ -17031,7 +17159,7 @@
           <p:nvPr>
             <p:extLst>
               <p:ext uri="{D42A27DB-BD31-4B8C-83A1-F6EECF244321}">
-                <p14:modId xmlns:p14="http://schemas.microsoft.com/office/powerpoint/2010/main" val="3083732237"/>
+                <p14:modId xmlns:p14="http://schemas.microsoft.com/office/powerpoint/2010/main" xmlns="" val="3083732237"/>
               </p:ext>
             </p:extLst>
           </p:nvPr>
@@ -17050,14 +17178,14 @@
           </a:ln>
           <a:extLst>
             <a:ext uri="{909E8E84-426E-40DD-AFC4-6F175D3DCCD1}">
-              <a14:hiddenFill xmlns:a14="http://schemas.microsoft.com/office/drawing/2010/main">
+              <a14:hiddenFill xmlns:a14="http://schemas.microsoft.com/office/drawing/2010/main" xmlns="">
                 <a:solidFill>
                   <a:srgbClr val="FFFFFF"/>
                 </a:solidFill>
               </a14:hiddenFill>
             </a:ext>
             <a:ext uri="{91240B29-F687-4F45-9708-019B960494DF}">
-              <a14:hiddenLine xmlns:a14="http://schemas.microsoft.com/office/drawing/2010/main" w="9525">
+              <a14:hiddenLine xmlns:a14="http://schemas.microsoft.com/office/drawing/2010/main" xmlns="" w="9525">
                 <a:solidFill>
                   <a:srgbClr val="000000"/>
                 </a:solidFill>
@@ -17187,7 +17315,7 @@
           <p:nvPr>
             <p:extLst>
               <p:ext uri="{D42A27DB-BD31-4B8C-83A1-F6EECF244321}">
-                <p14:modId xmlns:p14="http://schemas.microsoft.com/office/powerpoint/2010/main" val="3321849151"/>
+                <p14:modId xmlns:p14="http://schemas.microsoft.com/office/powerpoint/2010/main" xmlns="" val="3321849151"/>
               </p:ext>
             </p:extLst>
           </p:nvPr>
@@ -17206,14 +17334,14 @@
           </a:ln>
           <a:extLst>
             <a:ext uri="{909E8E84-426E-40DD-AFC4-6F175D3DCCD1}">
-              <a14:hiddenFill xmlns:a14="http://schemas.microsoft.com/office/drawing/2010/main">
+              <a14:hiddenFill xmlns:a14="http://schemas.microsoft.com/office/drawing/2010/main" xmlns="">
                 <a:solidFill>
                   <a:srgbClr val="FFFFFF"/>
                 </a:solidFill>
               </a14:hiddenFill>
             </a:ext>
             <a:ext uri="{91240B29-F687-4F45-9708-019B960494DF}">
-              <a14:hiddenLine xmlns:a14="http://schemas.microsoft.com/office/drawing/2010/main" w="9525">
+              <a14:hiddenLine xmlns:a14="http://schemas.microsoft.com/office/drawing/2010/main" xmlns="" w="9525">
                 <a:solidFill>
                   <a:srgbClr val="000000"/>
                 </a:solidFill>
@@ -17343,7 +17471,7 @@
           <p:nvPr>
             <p:extLst>
               <p:ext uri="{D42A27DB-BD31-4B8C-83A1-F6EECF244321}">
-                <p14:modId xmlns:p14="http://schemas.microsoft.com/office/powerpoint/2010/main" val="577666415"/>
+                <p14:modId xmlns:p14="http://schemas.microsoft.com/office/powerpoint/2010/main" xmlns="" val="577666415"/>
               </p:ext>
             </p:extLst>
           </p:nvPr>
@@ -17362,14 +17490,14 @@
           </a:ln>
           <a:extLst>
             <a:ext uri="{909E8E84-426E-40DD-AFC4-6F175D3DCCD1}">
-              <a14:hiddenFill xmlns:a14="http://schemas.microsoft.com/office/drawing/2010/main">
+              <a14:hiddenFill xmlns:a14="http://schemas.microsoft.com/office/drawing/2010/main" xmlns="">
                 <a:solidFill>
                   <a:srgbClr val="FFFFFF"/>
                 </a:solidFill>
               </a14:hiddenFill>
             </a:ext>
             <a:ext uri="{91240B29-F687-4F45-9708-019B960494DF}">
-              <a14:hiddenLine xmlns:a14="http://schemas.microsoft.com/office/drawing/2010/main" w="9525">
+              <a14:hiddenLine xmlns:a14="http://schemas.microsoft.com/office/drawing/2010/main" xmlns="" w="9525">
                 <a:solidFill>
                   <a:srgbClr val="000000"/>
                 </a:solidFill>
@@ -17499,7 +17627,7 @@
           <p:nvPr>
             <p:extLst>
               <p:ext uri="{D42A27DB-BD31-4B8C-83A1-F6EECF244321}">
-                <p14:modId xmlns:p14="http://schemas.microsoft.com/office/powerpoint/2010/main" val="2516690298"/>
+                <p14:modId xmlns:p14="http://schemas.microsoft.com/office/powerpoint/2010/main" xmlns="" val="2516690298"/>
               </p:ext>
             </p:extLst>
           </p:nvPr>
@@ -17518,14 +17646,14 @@
           </a:ln>
           <a:extLst>
             <a:ext uri="{909E8E84-426E-40DD-AFC4-6F175D3DCCD1}">
-              <a14:hiddenFill xmlns:a14="http://schemas.microsoft.com/office/drawing/2010/main">
+              <a14:hiddenFill xmlns:a14="http://schemas.microsoft.com/office/drawing/2010/main" xmlns="">
                 <a:solidFill>
                   <a:srgbClr val="FFFFFF"/>
                 </a:solidFill>
               </a14:hiddenFill>
             </a:ext>
             <a:ext uri="{91240B29-F687-4F45-9708-019B960494DF}">
-              <a14:hiddenLine xmlns:a14="http://schemas.microsoft.com/office/drawing/2010/main" w="9525">
+              <a14:hiddenLine xmlns:a14="http://schemas.microsoft.com/office/drawing/2010/main" xmlns="" w="9525">
                 <a:solidFill>
                   <a:srgbClr val="000000"/>
                 </a:solidFill>
@@ -17721,42 +17849,42 @@
                 <a:gridCol w="1584854">
                   <a:extLst>
                     <a:ext uri="{9D8B030D-6E8A-4147-A177-3AD203B41FA5}">
-                      <a16:colId xmlns:a16="http://schemas.microsoft.com/office/drawing/2014/main" val="20000"/>
+                      <a16:colId xmlns:a16="http://schemas.microsoft.com/office/drawing/2014/main" xmlns="" val="20000"/>
                     </a:ext>
                   </a:extLst>
                 </a:gridCol>
                 <a:gridCol w="1584854">
                   <a:extLst>
                     <a:ext uri="{9D8B030D-6E8A-4147-A177-3AD203B41FA5}">
-                      <a16:colId xmlns:a16="http://schemas.microsoft.com/office/drawing/2014/main" val="20001"/>
+                      <a16:colId xmlns:a16="http://schemas.microsoft.com/office/drawing/2014/main" xmlns="" val="20001"/>
                     </a:ext>
                   </a:extLst>
                 </a:gridCol>
                 <a:gridCol w="1584854">
                   <a:extLst>
                     <a:ext uri="{9D8B030D-6E8A-4147-A177-3AD203B41FA5}">
-                      <a16:colId xmlns:a16="http://schemas.microsoft.com/office/drawing/2014/main" val="20002"/>
+                      <a16:colId xmlns:a16="http://schemas.microsoft.com/office/drawing/2014/main" xmlns="" val="20002"/>
                     </a:ext>
                   </a:extLst>
                 </a:gridCol>
                 <a:gridCol w="1584854">
                   <a:extLst>
                     <a:ext uri="{9D8B030D-6E8A-4147-A177-3AD203B41FA5}">
-                      <a16:colId xmlns:a16="http://schemas.microsoft.com/office/drawing/2014/main" val="20003"/>
+                      <a16:colId xmlns:a16="http://schemas.microsoft.com/office/drawing/2014/main" xmlns="" val="20003"/>
                     </a:ext>
                   </a:extLst>
                 </a:gridCol>
                 <a:gridCol w="1584854">
                   <a:extLst>
                     <a:ext uri="{9D8B030D-6E8A-4147-A177-3AD203B41FA5}">
-                      <a16:colId xmlns:a16="http://schemas.microsoft.com/office/drawing/2014/main" val="20004"/>
+                      <a16:colId xmlns:a16="http://schemas.microsoft.com/office/drawing/2014/main" xmlns="" val="20004"/>
                     </a:ext>
                   </a:extLst>
                 </a:gridCol>
                 <a:gridCol w="1584854">
                   <a:extLst>
                     <a:ext uri="{9D8B030D-6E8A-4147-A177-3AD203B41FA5}">
-                      <a16:colId xmlns:a16="http://schemas.microsoft.com/office/drawing/2014/main" val="20005"/>
+                      <a16:colId xmlns:a16="http://schemas.microsoft.com/office/drawing/2014/main" xmlns="" val="20005"/>
                     </a:ext>
                   </a:extLst>
                 </a:gridCol>
@@ -17868,7 +17996,7 @@
                 </a:tc>
                 <a:extLst>
                   <a:ext uri="{0D108BD9-81ED-4DB2-BD59-A6C34878D82A}">
-                    <a16:rowId xmlns:a16="http://schemas.microsoft.com/office/drawing/2014/main" val="10000"/>
+                    <a16:rowId xmlns:a16="http://schemas.microsoft.com/office/drawing/2014/main" xmlns="" val="10000"/>
                   </a:ext>
                 </a:extLst>
               </a:tr>
@@ -17879,11 +18007,11 @@
                     <a:lstStyle/>
                     <a:p>
                       <a:r>
-                        <a:rPr lang="en-US" dirty="0"/>
+                        <a:rPr lang="en-US" dirty="0" smtClean="0"/>
                         <a:t>Robson </a:t>
                       </a:r>
                       <a:r>
-                        <a:rPr lang="en-US" dirty="0" err="1"/>
+                        <a:rPr lang="en-US" dirty="0" err="1" smtClean="0"/>
                         <a:t>Gonçalvez</a:t>
                       </a:r>
                       <a:endParaRPr lang="en-US" dirty="0"/>
@@ -17923,9 +18051,10 @@
                     <a:p>
                       <a:pPr algn="ctr"/>
                       <a:r>
-                        <a:rPr lang="en-US" dirty="0"/>
+                        <a:rPr lang="en-US" dirty="0" smtClean="0"/>
                         <a:t>D</a:t>
                       </a:r>
+                      <a:endParaRPr lang="en-US" dirty="0"/>
                     </a:p>
                   </a:txBody>
                   <a:tcPr/>
@@ -17954,7 +18083,7 @@
                 </a:tc>
                 <a:extLst>
                   <a:ext uri="{0D108BD9-81ED-4DB2-BD59-A6C34878D82A}">
-                    <a16:rowId xmlns:a16="http://schemas.microsoft.com/office/drawing/2014/main" val="10001"/>
+                    <a16:rowId xmlns:a16="http://schemas.microsoft.com/office/drawing/2014/main" xmlns="" val="10001"/>
                   </a:ext>
                 </a:extLst>
               </a:tr>
@@ -17965,15 +18094,15 @@
                     <a:lstStyle/>
                     <a:p>
                       <a:r>
-                        <a:rPr lang="en-US" dirty="0" err="1"/>
+                        <a:rPr lang="en-US" dirty="0" err="1" smtClean="0"/>
                         <a:t>Fábio</a:t>
                       </a:r>
                       <a:r>
-                        <a:rPr lang="en-US" baseline="0" dirty="0"/>
+                        <a:rPr lang="en-US" baseline="0" dirty="0" smtClean="0"/>
                         <a:t> </a:t>
                       </a:r>
                       <a:r>
-                        <a:rPr lang="en-US" baseline="0" dirty="0" err="1"/>
+                        <a:rPr lang="en-US" baseline="0" dirty="0" err="1" smtClean="0"/>
                         <a:t>Monteiro</a:t>
                       </a:r>
                       <a:endParaRPr lang="en-US" dirty="0"/>
@@ -18044,7 +18173,7 @@
                 </a:tc>
                 <a:extLst>
                   <a:ext uri="{0D108BD9-81ED-4DB2-BD59-A6C34878D82A}">
-                    <a16:rowId xmlns:a16="http://schemas.microsoft.com/office/drawing/2014/main" val="10002"/>
+                    <a16:rowId xmlns:a16="http://schemas.microsoft.com/office/drawing/2014/main" xmlns="" val="10002"/>
                   </a:ext>
                 </a:extLst>
               </a:tr>
@@ -18055,9 +18184,10 @@
                     <a:lstStyle/>
                     <a:p>
                       <a:r>
-                        <a:rPr lang="en-US" dirty="0"/>
+                        <a:rPr lang="en-US" dirty="0" smtClean="0"/>
                         <a:t>Bruno Oliveira</a:t>
                       </a:r>
+                      <a:endParaRPr lang="en-US" dirty="0"/>
                     </a:p>
                   </a:txBody>
                   <a:tcPr/>
@@ -18116,16 +18246,17 @@
                     <a:p>
                       <a:pPr algn="ctr"/>
                       <a:r>
-                        <a:rPr lang="en-US" dirty="0"/>
+                        <a:rPr lang="en-US" dirty="0" smtClean="0"/>
                         <a:t>C</a:t>
                       </a:r>
+                      <a:endParaRPr lang="en-US" dirty="0"/>
                     </a:p>
                   </a:txBody>
                   <a:tcPr/>
                 </a:tc>
                 <a:extLst>
                   <a:ext uri="{0D108BD9-81ED-4DB2-BD59-A6C34878D82A}">
-                    <a16:rowId xmlns:a16="http://schemas.microsoft.com/office/drawing/2014/main" val="10003"/>
+                    <a16:rowId xmlns:a16="http://schemas.microsoft.com/office/drawing/2014/main" xmlns="" val="10003"/>
                   </a:ext>
                 </a:extLst>
               </a:tr>
@@ -18136,9 +18267,10 @@
                     <a:lstStyle/>
                     <a:p>
                       <a:r>
-                        <a:rPr lang="en-US" dirty="0"/>
+                        <a:rPr lang="en-US" dirty="0" smtClean="0"/>
                         <a:t>Ian Pablo</a:t>
                       </a:r>
+                      <a:endParaRPr lang="en-US" dirty="0"/>
                     </a:p>
                   </a:txBody>
                   <a:tcPr/>
@@ -18183,9 +18315,10 @@
                     <a:p>
                       <a:pPr algn="ctr"/>
                       <a:r>
-                        <a:rPr lang="en-US" dirty="0"/>
+                        <a:rPr lang="en-US" dirty="0" smtClean="0"/>
                         <a:t>DC</a:t>
                       </a:r>
+                      <a:endParaRPr lang="en-US" dirty="0"/>
                     </a:p>
                   </a:txBody>
                   <a:tcPr/>
@@ -18201,11 +18334,6 @@
                   </a:txBody>
                   <a:tcPr/>
                 </a:tc>
-                <a:extLst>
-                  <a:ext uri="{0D108BD9-81ED-4DB2-BD59-A6C34878D82A}">
-                    <a16:rowId xmlns:a16="http://schemas.microsoft.com/office/drawing/2014/main" val="10004"/>
-                  </a:ext>
-                </a:extLst>
               </a:tr>
               <a:tr h="370840">
                 <a:tc>
@@ -18214,9 +18342,10 @@
                     <a:lstStyle/>
                     <a:p>
                       <a:r>
-                        <a:rPr lang="en-US" dirty="0"/>
+                        <a:rPr lang="en-US" dirty="0" smtClean="0"/>
                         <a:t>Gabriel Augusto</a:t>
                       </a:r>
+                      <a:endParaRPr lang="en-US" dirty="0"/>
                     </a:p>
                   </a:txBody>
                   <a:tcPr/>
@@ -18261,9 +18390,10 @@
                     <a:p>
                       <a:pPr algn="ctr"/>
                       <a:r>
-                        <a:rPr lang="en-US" dirty="0"/>
+                        <a:rPr lang="en-US" dirty="0" smtClean="0"/>
                         <a:t>DC</a:t>
                       </a:r>
+                      <a:endParaRPr lang="en-US" dirty="0"/>
                     </a:p>
                   </a:txBody>
                   <a:tcPr/>
@@ -18279,11 +18409,6 @@
                   </a:txBody>
                   <a:tcPr/>
                 </a:tc>
-                <a:extLst>
-                  <a:ext uri="{0D108BD9-81ED-4DB2-BD59-A6C34878D82A}">
-                    <a16:rowId xmlns:a16="http://schemas.microsoft.com/office/drawing/2014/main" val="10005"/>
-                  </a:ext>
-                </a:extLst>
               </a:tr>
               <a:tr h="370840">
                 <a:tc>
@@ -18292,7 +18417,7 @@
                     <a:lstStyle/>
                     <a:p>
                       <a:r>
-                        <a:rPr lang="en-US" dirty="0" err="1"/>
+                        <a:rPr lang="en-US" dirty="0" err="1" smtClean="0"/>
                         <a:t>Funcionários</a:t>
                       </a:r>
                       <a:endParaRPr lang="en-US" dirty="0"/>
@@ -18329,9 +18454,10 @@
                     <a:p>
                       <a:pPr algn="ctr"/>
                       <a:r>
-                        <a:rPr lang="en-US" dirty="0"/>
+                        <a:rPr lang="en-US" dirty="0" smtClean="0"/>
                         <a:t>C</a:t>
                       </a:r>
+                      <a:endParaRPr lang="en-US" dirty="0"/>
                     </a:p>
                   </a:txBody>
                   <a:tcPr/>
@@ -18343,9 +18469,10 @@
                     <a:p>
                       <a:pPr algn="ctr"/>
                       <a:r>
-                        <a:rPr lang="en-US" dirty="0"/>
+                        <a:rPr lang="en-US" dirty="0" smtClean="0"/>
                         <a:t>D</a:t>
                       </a:r>
+                      <a:endParaRPr lang="en-US" dirty="0"/>
                     </a:p>
                   </a:txBody>
                   <a:tcPr/>
@@ -18361,11 +18488,6 @@
                   </a:txBody>
                   <a:tcPr/>
                 </a:tc>
-                <a:extLst>
-                  <a:ext uri="{0D108BD9-81ED-4DB2-BD59-A6C34878D82A}">
-                    <a16:rowId xmlns:a16="http://schemas.microsoft.com/office/drawing/2014/main" val="10006"/>
-                  </a:ext>
-                </a:extLst>
               </a:tr>
             </a:tbl>
           </a:graphicData>
@@ -18393,14 +18515,14 @@
           </a:ln>
           <a:extLst>
             <a:ext uri="{909E8E84-426E-40DD-AFC4-6F175D3DCCD1}">
-              <a14:hiddenFill xmlns:a14="http://schemas.microsoft.com/office/drawing/2010/main">
+              <a14:hiddenFill xmlns:a14="http://schemas.microsoft.com/office/drawing/2010/main" xmlns="">
                 <a:solidFill>
                   <a:srgbClr val="FFFFFF"/>
                 </a:solidFill>
               </a14:hiddenFill>
             </a:ext>
             <a:ext uri="{91240B29-F687-4F45-9708-019B960494DF}">
-              <a14:hiddenLine xmlns:a14="http://schemas.microsoft.com/office/drawing/2010/main" w="9525">
+              <a14:hiddenLine xmlns:a14="http://schemas.microsoft.com/office/drawing/2010/main" xmlns="" w="9525">
                 <a:solidFill>
                   <a:srgbClr val="000000"/>
                 </a:solidFill>
@@ -18785,7 +18907,7 @@
   <a:extraClrSchemeLst/>
   <a:extLst>
     <a:ext uri="{05A4C25C-085E-4340-85A3-A5531E510DB2}">
-      <thm15:themeFamily xmlns:thm15="http://schemas.microsoft.com/office/thememl/2012/main" name="TF03417271.potx" id="{FAD70E18-2F21-4BAE-983F-13051C6D1C17}" vid="{4B4DF9DC-15EC-4671-A52A-56A08B977F11}"/>
+      <thm15:themeFamily xmlns:thm15="http://schemas.microsoft.com/office/thememl/2012/main" xmlns="" name="TF03417271.potx" id="{FAD70E18-2F21-4BAE-983F-13051C6D1C17}" vid="{4B4DF9DC-15EC-4671-A52A-56A08B977F11}"/>
     </a:ext>
   </a:extLst>
 </a:theme>
